--- a/Videókártya.pptx
+++ b/Videókártya.pptx
@@ -11,8 +11,7 @@
     <p:sldId id="260" r:id="rId5"/>
     <p:sldId id="261" r:id="rId6"/>
     <p:sldId id="262" r:id="rId7"/>
-    <p:sldId id="263" r:id="rId8"/>
-    <p:sldId id="257" r:id="rId9"/>
+    <p:sldId id="257" r:id="rId8"/>
   </p:sldIdLst>
   <p:sldSz cx="12192000" cy="6858000"/>
   <p:notesSz cx="6858000" cy="9144000"/>
@@ -250,7 +249,7 @@
           <a:p>
             <a:fld id="{DDF4C3AF-97CB-4A1C-B018-4E87782109B9}" type="datetimeFigureOut">
               <a:rPr lang="hu-HU" smtClean="0"/>
-              <a:t>2022.09.12.</a:t>
+              <a:t>2022.09.14.</a:t>
             </a:fld>
             <a:endParaRPr lang="hu-HU"/>
           </a:p>
@@ -420,7 +419,7 @@
           <a:p>
             <a:fld id="{DDF4C3AF-97CB-4A1C-B018-4E87782109B9}" type="datetimeFigureOut">
               <a:rPr lang="hu-HU" smtClean="0"/>
-              <a:t>2022.09.12.</a:t>
+              <a:t>2022.09.14.</a:t>
             </a:fld>
             <a:endParaRPr lang="hu-HU"/>
           </a:p>
@@ -600,7 +599,7 @@
           <a:p>
             <a:fld id="{DDF4C3AF-97CB-4A1C-B018-4E87782109B9}" type="datetimeFigureOut">
               <a:rPr lang="hu-HU" smtClean="0"/>
-              <a:t>2022.09.12.</a:t>
+              <a:t>2022.09.14.</a:t>
             </a:fld>
             <a:endParaRPr lang="hu-HU"/>
           </a:p>
@@ -770,7 +769,7 @@
           <a:p>
             <a:fld id="{DDF4C3AF-97CB-4A1C-B018-4E87782109B9}" type="datetimeFigureOut">
               <a:rPr lang="hu-HU" smtClean="0"/>
-              <a:t>2022.09.12.</a:t>
+              <a:t>2022.09.14.</a:t>
             </a:fld>
             <a:endParaRPr lang="hu-HU"/>
           </a:p>
@@ -1016,7 +1015,7 @@
           <a:p>
             <a:fld id="{DDF4C3AF-97CB-4A1C-B018-4E87782109B9}" type="datetimeFigureOut">
               <a:rPr lang="hu-HU" smtClean="0"/>
-              <a:t>2022.09.12.</a:t>
+              <a:t>2022.09.14.</a:t>
             </a:fld>
             <a:endParaRPr lang="hu-HU"/>
           </a:p>
@@ -1248,7 +1247,7 @@
           <a:p>
             <a:fld id="{DDF4C3AF-97CB-4A1C-B018-4E87782109B9}" type="datetimeFigureOut">
               <a:rPr lang="hu-HU" smtClean="0"/>
-              <a:t>2022.09.12.</a:t>
+              <a:t>2022.09.14.</a:t>
             </a:fld>
             <a:endParaRPr lang="hu-HU"/>
           </a:p>
@@ -1615,7 +1614,7 @@
           <a:p>
             <a:fld id="{DDF4C3AF-97CB-4A1C-B018-4E87782109B9}" type="datetimeFigureOut">
               <a:rPr lang="hu-HU" smtClean="0"/>
-              <a:t>2022.09.12.</a:t>
+              <a:t>2022.09.14.</a:t>
             </a:fld>
             <a:endParaRPr lang="hu-HU"/>
           </a:p>
@@ -1733,7 +1732,7 @@
           <a:p>
             <a:fld id="{DDF4C3AF-97CB-4A1C-B018-4E87782109B9}" type="datetimeFigureOut">
               <a:rPr lang="hu-HU" smtClean="0"/>
-              <a:t>2022.09.12.</a:t>
+              <a:t>2022.09.14.</a:t>
             </a:fld>
             <a:endParaRPr lang="hu-HU"/>
           </a:p>
@@ -1828,7 +1827,7 @@
           <a:p>
             <a:fld id="{DDF4C3AF-97CB-4A1C-B018-4E87782109B9}" type="datetimeFigureOut">
               <a:rPr lang="hu-HU" smtClean="0"/>
-              <a:t>2022.09.12.</a:t>
+              <a:t>2022.09.14.</a:t>
             </a:fld>
             <a:endParaRPr lang="hu-HU"/>
           </a:p>
@@ -2105,7 +2104,7 @@
           <a:p>
             <a:fld id="{DDF4C3AF-97CB-4A1C-B018-4E87782109B9}" type="datetimeFigureOut">
               <a:rPr lang="hu-HU" smtClean="0"/>
-              <a:t>2022.09.12.</a:t>
+              <a:t>2022.09.14.</a:t>
             </a:fld>
             <a:endParaRPr lang="hu-HU"/>
           </a:p>
@@ -2358,7 +2357,7 @@
           <a:p>
             <a:fld id="{DDF4C3AF-97CB-4A1C-B018-4E87782109B9}" type="datetimeFigureOut">
               <a:rPr lang="hu-HU" smtClean="0"/>
-              <a:t>2022.09.12.</a:t>
+              <a:t>2022.09.14.</a:t>
             </a:fld>
             <a:endParaRPr lang="hu-HU"/>
           </a:p>
@@ -2595,7 +2594,7 @@
           <a:p>
             <a:fld id="{DDF4C3AF-97CB-4A1C-B018-4E87782109B9}" type="datetimeFigureOut">
               <a:rPr lang="hu-HU" smtClean="0"/>
-              <a:t>2022.09.12.</a:t>
+              <a:t>2022.09.14.</a:t>
             </a:fld>
             <a:endParaRPr lang="hu-HU"/>
           </a:p>
@@ -3203,7 +3202,15 @@
           <a:bodyPr/>
           <a:lstStyle/>
           <a:p>
-            <a:endParaRPr lang="hu-HU"/>
+            <a:r>
+              <a:rPr lang="hu-HU" b="1" dirty="0" smtClean="0">
+                <a:latin typeface="Comic Sans MS" panose="030F0702030302020204" pitchFamily="66" charset="0"/>
+              </a:rPr>
+              <a:t>Történetük</a:t>
+            </a:r>
+            <a:endParaRPr lang="hu-HU" b="1" dirty="0">
+              <a:latin typeface="Comic Sans MS" panose="030F0702030302020204" pitchFamily="66" charset="0"/>
+            </a:endParaRPr>
           </a:p>
         </p:txBody>
       </p:sp>
@@ -3222,7 +3229,41 @@
           <a:bodyPr/>
           <a:lstStyle/>
           <a:p>
-            <a:endParaRPr lang="hu-HU"/>
+            <a:r>
+              <a:rPr lang="hu-HU" b="1" dirty="0" smtClean="0">
+                <a:latin typeface="Arial Black" panose="020B0A04020102020204" pitchFamily="34" charset="0"/>
+              </a:rPr>
+              <a:t>Első grafikus kártya 1977 (Apple)</a:t>
+            </a:r>
+          </a:p>
+          <a:p>
+            <a:endParaRPr lang="hu-HU" b="1" dirty="0">
+              <a:latin typeface="Arial Black" panose="020B0A04020102020204" pitchFamily="34" charset="0"/>
+            </a:endParaRPr>
+          </a:p>
+          <a:p>
+            <a:r>
+              <a:rPr lang="hu-HU" b="1" dirty="0" smtClean="0">
+                <a:latin typeface="Arial Black" panose="020B0A04020102020204" pitchFamily="34" charset="0"/>
+              </a:rPr>
+              <a:t>1981 IBM MDA</a:t>
+            </a:r>
+          </a:p>
+          <a:p>
+            <a:endParaRPr lang="hu-HU" b="1" dirty="0">
+              <a:latin typeface="Arial Black" panose="020B0A04020102020204" pitchFamily="34" charset="0"/>
+            </a:endParaRPr>
+          </a:p>
+          <a:p>
+            <a:r>
+              <a:rPr lang="hu-HU" b="1" dirty="0" smtClean="0">
+                <a:latin typeface="Arial Black" panose="020B0A04020102020204" pitchFamily="34" charset="0"/>
+              </a:rPr>
+              <a:t>1982 IBM HGC</a:t>
+            </a:r>
+            <a:endParaRPr lang="hu-HU" b="1" dirty="0">
+              <a:latin typeface="Arial Black" panose="020B0A04020102020204" pitchFamily="34" charset="0"/>
+            </a:endParaRPr>
           </a:p>
         </p:txBody>
       </p:sp>
@@ -3271,7 +3312,15 @@
           <a:bodyPr/>
           <a:lstStyle/>
           <a:p>
-            <a:endParaRPr lang="hu-HU"/>
+            <a:r>
+              <a:rPr lang="hu-HU" b="1" dirty="0" smtClean="0">
+                <a:latin typeface="Comic Sans MS" panose="030F0702030302020204" pitchFamily="66" charset="0"/>
+              </a:rPr>
+              <a:t>Gyártók</a:t>
+            </a:r>
+            <a:endParaRPr lang="hu-HU" b="1" dirty="0">
+              <a:latin typeface="Comic Sans MS" panose="030F0702030302020204" pitchFamily="66" charset="0"/>
+            </a:endParaRPr>
           </a:p>
         </p:txBody>
       </p:sp>
@@ -3285,15 +3334,154 @@
             <p:ph idx="1"/>
           </p:nvPr>
         </p:nvSpPr>
-        <p:spPr/>
-        <p:txBody>
-          <a:bodyPr/>
-          <a:lstStyle/>
-          <a:p>
-            <a:endParaRPr lang="hu-HU"/>
-          </a:p>
-        </p:txBody>
-      </p:sp>
+        <p:spPr>
+          <a:xfrm>
+            <a:off x="838200" y="1825625"/>
+            <a:ext cx="10515600" cy="1654554"/>
+          </a:xfrm>
+        </p:spPr>
+        <p:txBody>
+          <a:bodyPr/>
+          <a:lstStyle/>
+          <a:p>
+            <a:pPr algn="ctr"/>
+            <a:r>
+              <a:rPr lang="hu-HU" dirty="0" smtClean="0">
+                <a:latin typeface="Arial Black" panose="020B0A04020102020204" pitchFamily="34" charset="0"/>
+              </a:rPr>
+              <a:t>2 főbb gyártó:</a:t>
+            </a:r>
+          </a:p>
+          <a:p>
+            <a:endParaRPr lang="hu-HU" dirty="0">
+              <a:latin typeface="Arial Black" panose="020B0A04020102020204" pitchFamily="34" charset="0"/>
+            </a:endParaRPr>
+          </a:p>
+          <a:p>
+            <a:r>
+              <a:rPr lang="hu-HU" dirty="0" err="1" smtClean="0">
+                <a:latin typeface="Arial Black" panose="020B0A04020102020204" pitchFamily="34" charset="0"/>
+              </a:rPr>
+              <a:t>nVidia</a:t>
+            </a:r>
+            <a:r>
+              <a:rPr lang="hu-HU" dirty="0" smtClean="0">
+                <a:latin typeface="Arial Black" panose="020B0A04020102020204" pitchFamily="34" charset="0"/>
+              </a:rPr>
+              <a:t> 						ATI </a:t>
+            </a:r>
+            <a:r>
+              <a:rPr lang="hu-HU" dirty="0">
+                <a:latin typeface="Arial Black" panose="020B0A04020102020204" pitchFamily="34" charset="0"/>
+              </a:rPr>
+              <a:t>(2006-tól AMD)</a:t>
+            </a:r>
+          </a:p>
+          <a:p>
+            <a:endParaRPr lang="hu-HU" dirty="0" smtClean="0">
+              <a:latin typeface="Arial Black" panose="020B0A04020102020204" pitchFamily="34" charset="0"/>
+            </a:endParaRPr>
+          </a:p>
+          <a:p>
+            <a:pPr marL="0" indent="0">
+              <a:buNone/>
+            </a:pPr>
+            <a:endParaRPr lang="hu-HU" dirty="0">
+              <a:latin typeface="Arial Black" panose="020B0A04020102020204" pitchFamily="34" charset="0"/>
+            </a:endParaRPr>
+          </a:p>
+          <a:p>
+            <a:pPr marL="0" indent="0">
+              <a:buNone/>
+            </a:pPr>
+            <a:endParaRPr lang="hu-HU" dirty="0">
+              <a:latin typeface="Arial Black" panose="020B0A04020102020204" pitchFamily="34" charset="0"/>
+            </a:endParaRPr>
+          </a:p>
+        </p:txBody>
+      </p:sp>
+      <p:pic>
+        <p:nvPicPr>
+          <p:cNvPr id="1028" name="Picture 4" descr="Nvidia – Logos Download"/>
+          <p:cNvPicPr>
+            <a:picLocks noChangeAspect="1" noChangeArrowheads="1"/>
+          </p:cNvPicPr>
+          <p:nvPr/>
+        </p:nvPicPr>
+        <p:blipFill>
+          <a:blip r:embed="rId2" cstate="print">
+            <a:extLst>
+              <a:ext uri="{28A0092B-C50C-407E-A947-70E740481C1C}">
+                <a14:useLocalDpi xmlns:a14="http://schemas.microsoft.com/office/drawing/2010/main" val="0"/>
+              </a:ext>
+            </a:extLst>
+          </a:blip>
+          <a:srcRect/>
+          <a:stretch>
+            <a:fillRect/>
+          </a:stretch>
+        </p:blipFill>
+        <p:spPr bwMode="auto">
+          <a:xfrm>
+            <a:off x="838200" y="3615116"/>
+            <a:ext cx="2341911" cy="410131"/>
+          </a:xfrm>
+          <a:prstGeom prst="rect">
+            <a:avLst/>
+          </a:prstGeom>
+          <a:noFill/>
+          <a:extLst>
+            <a:ext uri="{909E8E84-426E-40DD-AFC4-6F175D3DCCD1}">
+              <a14:hiddenFill xmlns:a14="http://schemas.microsoft.com/office/drawing/2010/main">
+                <a:solidFill>
+                  <a:srgbClr val="FFFFFF"/>
+                </a:solidFill>
+              </a14:hiddenFill>
+            </a:ext>
+          </a:extLst>
+        </p:spPr>
+      </p:pic>
+      <p:pic>
+        <p:nvPicPr>
+          <p:cNvPr id="1030" name="Picture 6" descr="AMD Radeon Memory Logo PNG Vector (AI) Free Download"/>
+          <p:cNvPicPr>
+            <a:picLocks noChangeAspect="1" noChangeArrowheads="1"/>
+          </p:cNvPicPr>
+          <p:nvPr/>
+        </p:nvPicPr>
+        <p:blipFill>
+          <a:blip r:embed="rId3" cstate="print">
+            <a:extLst>
+              <a:ext uri="{28A0092B-C50C-407E-A947-70E740481C1C}">
+                <a14:useLocalDpi xmlns:a14="http://schemas.microsoft.com/office/drawing/2010/main" val="0"/>
+              </a:ext>
+            </a:extLst>
+          </a:blip>
+          <a:srcRect/>
+          <a:stretch>
+            <a:fillRect/>
+          </a:stretch>
+        </p:blipFill>
+        <p:spPr bwMode="auto">
+          <a:xfrm>
+            <a:off x="8497352" y="3615116"/>
+            <a:ext cx="1222084" cy="1038771"/>
+          </a:xfrm>
+          <a:prstGeom prst="rect">
+            <a:avLst/>
+          </a:prstGeom>
+          <a:noFill/>
+          <a:extLst>
+            <a:ext uri="{909E8E84-426E-40DD-AFC4-6F175D3DCCD1}">
+              <a14:hiddenFill xmlns:a14="http://schemas.microsoft.com/office/drawing/2010/main">
+                <a:solidFill>
+                  <a:srgbClr val="FFFFFF"/>
+                </a:solidFill>
+              </a14:hiddenFill>
+            </a:ext>
+          </a:extLst>
+        </p:spPr>
+      </p:pic>
     </p:spTree>
     <p:extLst>
       <p:ext uri="{BB962C8B-B14F-4D97-AF65-F5344CB8AC3E}">
@@ -3339,7 +3527,16 @@
           <a:bodyPr/>
           <a:lstStyle/>
           <a:p>
-            <a:endParaRPr lang="hu-HU"/>
+            <a:pPr algn="ctr"/>
+            <a:r>
+              <a:rPr lang="hu-HU" b="1" dirty="0" smtClean="0">
+                <a:latin typeface="Comic Sans MS" panose="030F0702030302020204" pitchFamily="66" charset="0"/>
+              </a:rPr>
+              <a:t>Grafikus kártyák típusai</a:t>
+            </a:r>
+            <a:endParaRPr lang="hu-HU" b="1" dirty="0">
+              <a:latin typeface="Comic Sans MS" panose="030F0702030302020204" pitchFamily="66" charset="0"/>
+            </a:endParaRPr>
           </a:p>
         </p:txBody>
       </p:sp>
@@ -3353,15 +3550,217 @@
             <p:ph idx="1"/>
           </p:nvPr>
         </p:nvSpPr>
-        <p:spPr/>
-        <p:txBody>
-          <a:bodyPr/>
-          <a:lstStyle/>
-          <a:p>
-            <a:endParaRPr lang="hu-HU"/>
-          </a:p>
-        </p:txBody>
-      </p:sp>
+        <p:spPr>
+          <a:xfrm>
+            <a:off x="838200" y="1825625"/>
+            <a:ext cx="3774743" cy="4351338"/>
+          </a:xfrm>
+        </p:spPr>
+        <p:txBody>
+          <a:bodyPr>
+            <a:normAutofit/>
+          </a:bodyPr>
+          <a:lstStyle/>
+          <a:p>
+            <a:r>
+              <a:rPr lang="hu-HU" sz="2400" dirty="0" err="1" smtClean="0">
+                <a:latin typeface="Arial Black" panose="020B0A04020102020204" pitchFamily="34" charset="0"/>
+              </a:rPr>
+              <a:t>Gaming</a:t>
+            </a:r>
+            <a:r>
+              <a:rPr lang="hu-HU" sz="2400" dirty="0" smtClean="0">
+                <a:latin typeface="Arial Black" panose="020B0A04020102020204" pitchFamily="34" charset="0"/>
+              </a:rPr>
+              <a:t> kártyák:</a:t>
+            </a:r>
+          </a:p>
+          <a:p>
+            <a:endParaRPr lang="hu-HU" sz="2400" dirty="0">
+              <a:latin typeface="Arial Black" panose="020B0A04020102020204" pitchFamily="34" charset="0"/>
+            </a:endParaRPr>
+          </a:p>
+          <a:p>
+            <a:r>
+              <a:rPr lang="hu-HU" sz="2400" dirty="0" err="1" smtClean="0">
+                <a:latin typeface="Arial Black" panose="020B0A04020102020204" pitchFamily="34" charset="0"/>
+              </a:rPr>
+              <a:t>nVidia</a:t>
+            </a:r>
+            <a:r>
+              <a:rPr lang="hu-HU" sz="2400" dirty="0" smtClean="0">
+                <a:latin typeface="Arial Black" panose="020B0A04020102020204" pitchFamily="34" charset="0"/>
+              </a:rPr>
+              <a:t> GTX , RTX széria</a:t>
+            </a:r>
+          </a:p>
+          <a:p>
+            <a:endParaRPr lang="hu-HU" sz="2400" dirty="0">
+              <a:latin typeface="Arial Black" panose="020B0A04020102020204" pitchFamily="34" charset="0"/>
+            </a:endParaRPr>
+          </a:p>
+          <a:p>
+            <a:r>
+              <a:rPr lang="hu-HU" sz="2400" dirty="0" smtClean="0">
+                <a:latin typeface="Arial Black" panose="020B0A04020102020204" pitchFamily="34" charset="0"/>
+              </a:rPr>
+              <a:t>AMD RX széria</a:t>
+            </a:r>
+            <a:endParaRPr lang="hu-HU" sz="2400" dirty="0">
+              <a:latin typeface="Arial Black" panose="020B0A04020102020204" pitchFamily="34" charset="0"/>
+            </a:endParaRPr>
+          </a:p>
+        </p:txBody>
+      </p:sp>
+      <p:sp>
+        <p:nvSpPr>
+          <p:cNvPr id="5" name="Szövegdoboz 4"/>
+          <p:cNvSpPr txBox="1"/>
+          <p:nvPr/>
+        </p:nvSpPr>
+        <p:spPr>
+          <a:xfrm>
+            <a:off x="7314062" y="1822450"/>
+            <a:ext cx="4039738" cy="1938992"/>
+          </a:xfrm>
+          <a:prstGeom prst="rect">
+            <a:avLst/>
+          </a:prstGeom>
+          <a:noFill/>
+        </p:spPr>
+        <p:txBody>
+          <a:bodyPr wrap="square" rtlCol="0">
+            <a:spAutoFit/>
+          </a:bodyPr>
+          <a:lstStyle/>
+          <a:p>
+            <a:r>
+              <a:rPr lang="hu-HU" sz="2400" dirty="0" smtClean="0">
+                <a:latin typeface="Arial Black" panose="020B0A04020102020204" pitchFamily="34" charset="0"/>
+              </a:rPr>
+              <a:t>Workstation kártyák:</a:t>
+            </a:r>
+          </a:p>
+          <a:p>
+            <a:endParaRPr lang="hu-HU" sz="2400" dirty="0">
+              <a:latin typeface="Arial Black" panose="020B0A04020102020204" pitchFamily="34" charset="0"/>
+            </a:endParaRPr>
+          </a:p>
+          <a:p>
+            <a:r>
+              <a:rPr lang="hu-HU" sz="2400" dirty="0" err="1" smtClean="0">
+                <a:latin typeface="Arial Black" panose="020B0A04020102020204" pitchFamily="34" charset="0"/>
+              </a:rPr>
+              <a:t>nVidia</a:t>
+            </a:r>
+            <a:r>
+              <a:rPr lang="hu-HU" sz="2400" dirty="0" smtClean="0">
+                <a:latin typeface="Arial Black" panose="020B0A04020102020204" pitchFamily="34" charset="0"/>
+              </a:rPr>
+              <a:t> </a:t>
+            </a:r>
+            <a:r>
+              <a:rPr lang="hu-HU" sz="2400" dirty="0" err="1" smtClean="0">
+                <a:latin typeface="Arial Black" panose="020B0A04020102020204" pitchFamily="34" charset="0"/>
+              </a:rPr>
+              <a:t>Quadro</a:t>
+            </a:r>
+            <a:r>
+              <a:rPr lang="hu-HU" sz="2400" dirty="0" smtClean="0">
+                <a:latin typeface="Arial Black" panose="020B0A04020102020204" pitchFamily="34" charset="0"/>
+              </a:rPr>
+              <a:t> széria</a:t>
+            </a:r>
+          </a:p>
+          <a:p>
+            <a:endParaRPr lang="hu-HU" sz="2400" dirty="0">
+              <a:latin typeface="Arial Black" panose="020B0A04020102020204" pitchFamily="34" charset="0"/>
+            </a:endParaRPr>
+          </a:p>
+          <a:p>
+            <a:r>
+              <a:rPr lang="hu-HU" sz="2400" dirty="0" smtClean="0">
+                <a:latin typeface="Arial Black" panose="020B0A04020102020204" pitchFamily="34" charset="0"/>
+              </a:rPr>
+              <a:t>AMD  PRO W széria</a:t>
+            </a:r>
+            <a:endParaRPr lang="hu-HU" sz="2400" dirty="0">
+              <a:latin typeface="Arial Black" panose="020B0A04020102020204" pitchFamily="34" charset="0"/>
+            </a:endParaRPr>
+          </a:p>
+        </p:txBody>
+      </p:sp>
+      <p:pic>
+        <p:nvPicPr>
+          <p:cNvPr id="2050" name="Picture 2" descr="Radeon™ RX 6900 XT GAMING OC 16G Key Features | Videókártyák - GIGABYTE  Hungary"/>
+          <p:cNvPicPr>
+            <a:picLocks noChangeAspect="1" noChangeArrowheads="1"/>
+          </p:cNvPicPr>
+          <p:nvPr/>
+        </p:nvPicPr>
+        <p:blipFill>
+          <a:blip r:embed="rId2" cstate="print">
+            <a:extLst>
+              <a:ext uri="{28A0092B-C50C-407E-A947-70E740481C1C}">
+                <a14:useLocalDpi xmlns:a14="http://schemas.microsoft.com/office/drawing/2010/main" val="0"/>
+              </a:ext>
+            </a:extLst>
+          </a:blip>
+          <a:srcRect/>
+          <a:stretch>
+            <a:fillRect/>
+          </a:stretch>
+        </p:blipFill>
+        <p:spPr bwMode="auto">
+          <a:xfrm>
+            <a:off x="838200" y="4518698"/>
+            <a:ext cx="3186970" cy="1793202"/>
+          </a:xfrm>
+          <a:prstGeom prst="rect">
+            <a:avLst/>
+          </a:prstGeom>
+          <a:noFill/>
+          <a:extLst>
+            <a:ext uri="{909E8E84-426E-40DD-AFC4-6F175D3DCCD1}">
+              <a14:hiddenFill xmlns:a14="http://schemas.microsoft.com/office/drawing/2010/main">
+                <a:solidFill>
+                  <a:srgbClr val="FFFFFF"/>
+                </a:solidFill>
+              </a14:hiddenFill>
+            </a:ext>
+          </a:extLst>
+        </p:spPr>
+      </p:pic>
+      <p:pic>
+        <p:nvPicPr>
+          <p:cNvPr id="6" name="Kép 5"/>
+          <p:cNvPicPr>
+            <a:picLocks noChangeAspect="1"/>
+          </p:cNvPicPr>
+          <p:nvPr/>
+        </p:nvPicPr>
+        <p:blipFill>
+          <a:blip r:embed="rId3" cstate="print">
+            <a:extLst>
+              <a:ext uri="{28A0092B-C50C-407E-A947-70E740481C1C}">
+                <a14:useLocalDpi xmlns:a14="http://schemas.microsoft.com/office/drawing/2010/main" val="0"/>
+              </a:ext>
+            </a:extLst>
+          </a:blip>
+          <a:stretch>
+            <a:fillRect/>
+          </a:stretch>
+        </p:blipFill>
+        <p:spPr>
+          <a:xfrm>
+            <a:off x="5579363" y="3201923"/>
+            <a:ext cx="1033274" cy="454153"/>
+          </a:xfrm>
+          <a:prstGeom prst="rect">
+            <a:avLst/>
+          </a:prstGeom>
+        </p:spPr>
+      </p:pic>
     </p:spTree>
     <p:extLst>
       <p:ext uri="{BB962C8B-B14F-4D97-AF65-F5344CB8AC3E}">
@@ -3426,7 +3825,7 @@
           <a:bodyPr/>
           <a:lstStyle/>
           <a:p>
-            <a:endParaRPr lang="hu-HU"/>
+            <a:endParaRPr lang="hu-HU" dirty="0"/>
           </a:p>
         </p:txBody>
       </p:sp>
@@ -3444,74 +3843,6 @@
 </file>
 
 <file path=ppt/slides/slide7.xml><?xml version="1.0" encoding="utf-8"?>
-<p:sld xmlns:a="http://schemas.openxmlformats.org/drawingml/2006/main" xmlns:r="http://schemas.openxmlformats.org/officeDocument/2006/relationships" xmlns:p="http://schemas.openxmlformats.org/presentationml/2006/main">
-  <p:cSld>
-    <p:spTree>
-      <p:nvGrpSpPr>
-        <p:cNvPr id="1" name=""/>
-        <p:cNvGrpSpPr/>
-        <p:nvPr/>
-      </p:nvGrpSpPr>
-      <p:grpSpPr>
-        <a:xfrm>
-          <a:off x="0" y="0"/>
-          <a:ext cx="0" cy="0"/>
-          <a:chOff x="0" y="0"/>
-          <a:chExt cx="0" cy="0"/>
-        </a:xfrm>
-      </p:grpSpPr>
-      <p:sp>
-        <p:nvSpPr>
-          <p:cNvPr id="2" name="Cím 1"/>
-          <p:cNvSpPr>
-            <a:spLocks noGrp="1"/>
-          </p:cNvSpPr>
-          <p:nvPr>
-            <p:ph type="title"/>
-          </p:nvPr>
-        </p:nvSpPr>
-        <p:spPr/>
-        <p:txBody>
-          <a:bodyPr/>
-          <a:lstStyle/>
-          <a:p>
-            <a:endParaRPr lang="hu-HU"/>
-          </a:p>
-        </p:txBody>
-      </p:sp>
-      <p:sp>
-        <p:nvSpPr>
-          <p:cNvPr id="3" name="Tartalom helye 2"/>
-          <p:cNvSpPr>
-            <a:spLocks noGrp="1"/>
-          </p:cNvSpPr>
-          <p:nvPr>
-            <p:ph idx="1"/>
-          </p:nvPr>
-        </p:nvSpPr>
-        <p:spPr/>
-        <p:txBody>
-          <a:bodyPr/>
-          <a:lstStyle/>
-          <a:p>
-            <a:endParaRPr lang="hu-HU"/>
-          </a:p>
-        </p:txBody>
-      </p:sp>
-    </p:spTree>
-    <p:extLst>
-      <p:ext uri="{BB962C8B-B14F-4D97-AF65-F5344CB8AC3E}">
-        <p14:creationId xmlns:p14="http://schemas.microsoft.com/office/powerpoint/2010/main" val="3953560798"/>
-      </p:ext>
-    </p:extLst>
-  </p:cSld>
-  <p:clrMapOvr>
-    <a:masterClrMapping/>
-  </p:clrMapOvr>
-</p:sld>
-</file>
-
-<file path=ppt/slides/slide8.xml><?xml version="1.0" encoding="utf-8"?>
 <p:sld xmlns:a="http://schemas.openxmlformats.org/drawingml/2006/main" xmlns:r="http://schemas.openxmlformats.org/officeDocument/2006/relationships" xmlns:p="http://schemas.openxmlformats.org/presentationml/2006/main">
   <p:cSld>
     <p:spTree>

--- a/Videókártya.pptx
+++ b/Videókártya.pptx
@@ -8,9 +8,9 @@
     <p:sldId id="256" r:id="rId2"/>
     <p:sldId id="258" r:id="rId3"/>
     <p:sldId id="259" r:id="rId4"/>
-    <p:sldId id="260" r:id="rId5"/>
-    <p:sldId id="261" r:id="rId6"/>
-    <p:sldId id="262" r:id="rId7"/>
+    <p:sldId id="262" r:id="rId5"/>
+    <p:sldId id="260" r:id="rId6"/>
+    <p:sldId id="261" r:id="rId7"/>
     <p:sldId id="257" r:id="rId8"/>
   </p:sldIdLst>
   <p:sldSz cx="12192000" cy="6858000"/>
@@ -249,7 +249,7 @@
           <a:p>
             <a:fld id="{DDF4C3AF-97CB-4A1C-B018-4E87782109B9}" type="datetimeFigureOut">
               <a:rPr lang="hu-HU" smtClean="0"/>
-              <a:t>2022.09.14.</a:t>
+              <a:t>2022.09.15.</a:t>
             </a:fld>
             <a:endParaRPr lang="hu-HU"/>
           </a:p>
@@ -419,7 +419,7 @@
           <a:p>
             <a:fld id="{DDF4C3AF-97CB-4A1C-B018-4E87782109B9}" type="datetimeFigureOut">
               <a:rPr lang="hu-HU" smtClean="0"/>
-              <a:t>2022.09.14.</a:t>
+              <a:t>2022.09.15.</a:t>
             </a:fld>
             <a:endParaRPr lang="hu-HU"/>
           </a:p>
@@ -599,7 +599,7 @@
           <a:p>
             <a:fld id="{DDF4C3AF-97CB-4A1C-B018-4E87782109B9}" type="datetimeFigureOut">
               <a:rPr lang="hu-HU" smtClean="0"/>
-              <a:t>2022.09.14.</a:t>
+              <a:t>2022.09.15.</a:t>
             </a:fld>
             <a:endParaRPr lang="hu-HU"/>
           </a:p>
@@ -769,7 +769,7 @@
           <a:p>
             <a:fld id="{DDF4C3AF-97CB-4A1C-B018-4E87782109B9}" type="datetimeFigureOut">
               <a:rPr lang="hu-HU" smtClean="0"/>
-              <a:t>2022.09.14.</a:t>
+              <a:t>2022.09.15.</a:t>
             </a:fld>
             <a:endParaRPr lang="hu-HU"/>
           </a:p>
@@ -1015,7 +1015,7 @@
           <a:p>
             <a:fld id="{DDF4C3AF-97CB-4A1C-B018-4E87782109B9}" type="datetimeFigureOut">
               <a:rPr lang="hu-HU" smtClean="0"/>
-              <a:t>2022.09.14.</a:t>
+              <a:t>2022.09.15.</a:t>
             </a:fld>
             <a:endParaRPr lang="hu-HU"/>
           </a:p>
@@ -1247,7 +1247,7 @@
           <a:p>
             <a:fld id="{DDF4C3AF-97CB-4A1C-B018-4E87782109B9}" type="datetimeFigureOut">
               <a:rPr lang="hu-HU" smtClean="0"/>
-              <a:t>2022.09.14.</a:t>
+              <a:t>2022.09.15.</a:t>
             </a:fld>
             <a:endParaRPr lang="hu-HU"/>
           </a:p>
@@ -1614,7 +1614,7 @@
           <a:p>
             <a:fld id="{DDF4C3AF-97CB-4A1C-B018-4E87782109B9}" type="datetimeFigureOut">
               <a:rPr lang="hu-HU" smtClean="0"/>
-              <a:t>2022.09.14.</a:t>
+              <a:t>2022.09.15.</a:t>
             </a:fld>
             <a:endParaRPr lang="hu-HU"/>
           </a:p>
@@ -1732,7 +1732,7 @@
           <a:p>
             <a:fld id="{DDF4C3AF-97CB-4A1C-B018-4E87782109B9}" type="datetimeFigureOut">
               <a:rPr lang="hu-HU" smtClean="0"/>
-              <a:t>2022.09.14.</a:t>
+              <a:t>2022.09.15.</a:t>
             </a:fld>
             <a:endParaRPr lang="hu-HU"/>
           </a:p>
@@ -1827,7 +1827,7 @@
           <a:p>
             <a:fld id="{DDF4C3AF-97CB-4A1C-B018-4E87782109B9}" type="datetimeFigureOut">
               <a:rPr lang="hu-HU" smtClean="0"/>
-              <a:t>2022.09.14.</a:t>
+              <a:t>2022.09.15.</a:t>
             </a:fld>
             <a:endParaRPr lang="hu-HU"/>
           </a:p>
@@ -2104,7 +2104,7 @@
           <a:p>
             <a:fld id="{DDF4C3AF-97CB-4A1C-B018-4E87782109B9}" type="datetimeFigureOut">
               <a:rPr lang="hu-HU" smtClean="0"/>
-              <a:t>2022.09.14.</a:t>
+              <a:t>2022.09.15.</a:t>
             </a:fld>
             <a:endParaRPr lang="hu-HU"/>
           </a:p>
@@ -2357,7 +2357,7 @@
           <a:p>
             <a:fld id="{DDF4C3AF-97CB-4A1C-B018-4E87782109B9}" type="datetimeFigureOut">
               <a:rPr lang="hu-HU" smtClean="0"/>
-              <a:t>2022.09.14.</a:t>
+              <a:t>2022.09.15.</a:t>
             </a:fld>
             <a:endParaRPr lang="hu-HU"/>
           </a:p>
@@ -2423,30 +2423,15 @@
   <p:cSld>
     <p:bg>
       <p:bgPr>
-        <a:gradFill flip="none" rotWithShape="1">
-          <a:gsLst>
-            <a:gs pos="0">
-              <a:schemeClr val="bg1"/>
-            </a:gs>
-            <a:gs pos="25000">
-              <a:schemeClr val="accent1">
-                <a:lumMod val="45000"/>
-                <a:lumOff val="55000"/>
-              </a:schemeClr>
-            </a:gs>
-            <a:gs pos="75000">
-              <a:schemeClr val="accent1">
-                <a:lumMod val="45000"/>
-                <a:lumOff val="55000"/>
-              </a:schemeClr>
-            </a:gs>
-            <a:gs pos="100000">
-              <a:schemeClr val="bg1"/>
-            </a:gs>
-          </a:gsLst>
-          <a:lin ang="5400000" scaled="1"/>
-          <a:tileRect/>
-        </a:gradFill>
+        <a:blipFill dpi="0" rotWithShape="1">
+          <a:blip r:embed="rId13">
+            <a:lum/>
+          </a:blip>
+          <a:srcRect/>
+          <a:stretch>
+            <a:fillRect/>
+          </a:stretch>
+        </a:blipFill>
         <a:effectLst/>
       </p:bgPr>
     </p:bg>
@@ -2594,7 +2579,7 @@
           <a:p>
             <a:fld id="{DDF4C3AF-97CB-4A1C-B018-4E87782109B9}" type="datetimeFigureOut">
               <a:rPr lang="hu-HU" smtClean="0"/>
-              <a:t>2022.09.14.</a:t>
+              <a:t>2022.09.15.</a:t>
             </a:fld>
             <a:endParaRPr lang="hu-HU"/>
           </a:p>
@@ -3063,6 +3048,13 @@
   <p:clrMapOvr>
     <a:masterClrMapping/>
   </p:clrMapOvr>
+  <p:timing>
+    <p:tnLst>
+      <p:par>
+        <p:cTn id="1" dur="indefinite" restart="never" nodeType="tmRoot"/>
+      </p:par>
+    </p:tnLst>
+  </p:timing>
 </p:sld>
 </file>
 
@@ -3126,10 +3118,23 @@
           <a:lstStyle/>
           <a:p>
             <a:r>
+              <a:rPr lang="hu-HU" b="1" dirty="0">
+                <a:latin typeface="Arial Black" panose="020B0A04020102020204" pitchFamily="34" charset="0"/>
+              </a:rPr>
+              <a:t>Analóg jelekké alakít</a:t>
+            </a:r>
+          </a:p>
+          <a:p>
+            <a:endParaRPr lang="hu-HU" b="1" dirty="0">
+              <a:latin typeface="Arial Black" panose="020B0A04020102020204" pitchFamily="34" charset="0"/>
+            </a:endParaRPr>
+          </a:p>
+          <a:p>
+            <a:r>
               <a:rPr lang="hu-HU" b="1" dirty="0" smtClean="0">
                 <a:latin typeface="Arial Black" panose="020B0A04020102020204" pitchFamily="34" charset="0"/>
               </a:rPr>
-              <a:t>Megjelenítésért felelős</a:t>
+              <a:t>Továbbítja a jelet a megjelenítő eszköznek</a:t>
             </a:r>
           </a:p>
           <a:p>
@@ -3138,25 +3143,68 @@
             </a:endParaRPr>
           </a:p>
           <a:p>
-            <a:r>
-              <a:rPr lang="hu-HU" b="1" dirty="0" smtClean="0">
-                <a:latin typeface="Arial Black" panose="020B0A04020102020204" pitchFamily="34" charset="0"/>
-              </a:rPr>
-              <a:t>Analóg jelekké alakít</a:t>
-            </a:r>
-          </a:p>
-          <a:p>
-            <a:endParaRPr lang="hu-HU" b="1">
-              <a:latin typeface="Arial Black" panose="020B0A04020102020204" pitchFamily="34" charset="0"/>
-            </a:endParaRPr>
-          </a:p>
-          <a:p>
             <a:endParaRPr lang="hu-HU" b="1" dirty="0">
               <a:latin typeface="Arial Black" panose="020B0A04020102020204" pitchFamily="34" charset="0"/>
             </a:endParaRPr>
           </a:p>
+          <a:p>
+            <a:endParaRPr lang="hu-HU" b="1" dirty="0" smtClean="0">
+              <a:latin typeface="Arial Black" panose="020B0A04020102020204" pitchFamily="34" charset="0"/>
+            </a:endParaRPr>
+          </a:p>
+          <a:p>
+            <a:endParaRPr lang="hu-HU" b="1" dirty="0">
+              <a:latin typeface="Arial Black" panose="020B0A04020102020204" pitchFamily="34" charset="0"/>
+            </a:endParaRPr>
+          </a:p>
+          <a:p>
+            <a:endParaRPr lang="hu-HU" b="1" dirty="0">
+              <a:latin typeface="Arial Black" panose="020B0A04020102020204" pitchFamily="34" charset="0"/>
+            </a:endParaRPr>
+          </a:p>
         </p:txBody>
       </p:sp>
+      <p:pic>
+        <p:nvPicPr>
+          <p:cNvPr id="3074" name="Picture 2" descr="Mi Curved Gaming Monitor 34&quot; GL"/>
+          <p:cNvPicPr>
+            <a:picLocks noChangeAspect="1" noChangeArrowheads="1"/>
+          </p:cNvPicPr>
+          <p:nvPr/>
+        </p:nvPicPr>
+        <p:blipFill>
+          <a:blip r:embed="rId2" cstate="print">
+            <a:extLst>
+              <a:ext uri="{28A0092B-C50C-407E-A947-70E740481C1C}">
+                <a14:useLocalDpi xmlns:a14="http://schemas.microsoft.com/office/drawing/2010/main" val="0"/>
+              </a:ext>
+            </a:extLst>
+          </a:blip>
+          <a:srcRect/>
+          <a:stretch>
+            <a:fillRect/>
+          </a:stretch>
+        </p:blipFill>
+        <p:spPr bwMode="auto">
+          <a:xfrm>
+            <a:off x="3373515" y="3005120"/>
+            <a:ext cx="3977196" cy="3977196"/>
+          </a:xfrm>
+          <a:prstGeom prst="rect">
+            <a:avLst/>
+          </a:prstGeom>
+          <a:noFill/>
+          <a:extLst>
+            <a:ext uri="{909E8E84-426E-40DD-AFC4-6F175D3DCCD1}">
+              <a14:hiddenFill xmlns:a14="http://schemas.microsoft.com/office/drawing/2010/main">
+                <a:solidFill>
+                  <a:srgbClr val="FFFFFF"/>
+                </a:solidFill>
+              </a14:hiddenFill>
+            </a:ext>
+          </a:extLst>
+        </p:spPr>
+      </p:pic>
     </p:spTree>
     <p:extLst>
       <p:ext uri="{BB962C8B-B14F-4D97-AF65-F5344CB8AC3E}">
@@ -3167,6 +3215,350 @@
   <p:clrMapOvr>
     <a:masterClrMapping/>
   </p:clrMapOvr>
+  <p:timing>
+    <p:tnLst>
+      <p:par>
+        <p:cTn id="1" dur="indefinite" restart="never" nodeType="tmRoot">
+          <p:childTnLst>
+            <p:seq concurrent="1" nextAc="seek">
+              <p:cTn id="2" dur="indefinite" nodeType="mainSeq">
+                <p:childTnLst>
+                  <p:par>
+                    <p:cTn id="3" fill="hold">
+                      <p:stCondLst>
+                        <p:cond delay="indefinite"/>
+                      </p:stCondLst>
+                      <p:childTnLst>
+                        <p:par>
+                          <p:cTn id="4" fill="hold">
+                            <p:stCondLst>
+                              <p:cond delay="0"/>
+                            </p:stCondLst>
+                            <p:childTnLst>
+                              <p:par>
+                                <p:cTn id="5" presetID="42" presetClass="entr" presetSubtype="0" fill="hold" grpId="0" nodeType="clickEffect">
+                                  <p:stCondLst>
+                                    <p:cond delay="0"/>
+                                  </p:stCondLst>
+                                  <p:childTnLst>
+                                    <p:set>
+                                      <p:cBhvr>
+                                        <p:cTn id="6" dur="1" fill="hold">
+                                          <p:stCondLst>
+                                            <p:cond delay="0"/>
+                                          </p:stCondLst>
+                                        </p:cTn>
+                                        <p:tgtEl>
+                                          <p:spTgt spid="3">
+                                            <p:txEl>
+                                              <p:pRg st="0" end="0"/>
+                                            </p:txEl>
+                                          </p:spTgt>
+                                        </p:tgtEl>
+                                        <p:attrNameLst>
+                                          <p:attrName>style.visibility</p:attrName>
+                                        </p:attrNameLst>
+                                      </p:cBhvr>
+                                      <p:to>
+                                        <p:strVal val="visible"/>
+                                      </p:to>
+                                    </p:set>
+                                    <p:animEffect transition="in" filter="fade">
+                                      <p:cBhvr>
+                                        <p:cTn id="7" dur="1000"/>
+                                        <p:tgtEl>
+                                          <p:spTgt spid="3">
+                                            <p:txEl>
+                                              <p:pRg st="0" end="0"/>
+                                            </p:txEl>
+                                          </p:spTgt>
+                                        </p:tgtEl>
+                                      </p:cBhvr>
+                                    </p:animEffect>
+                                    <p:anim calcmode="lin" valueType="num">
+                                      <p:cBhvr>
+                                        <p:cTn id="8" dur="1000" fill="hold"/>
+                                        <p:tgtEl>
+                                          <p:spTgt spid="3">
+                                            <p:txEl>
+                                              <p:pRg st="0" end="0"/>
+                                            </p:txEl>
+                                          </p:spTgt>
+                                        </p:tgtEl>
+                                        <p:attrNameLst>
+                                          <p:attrName>ppt_x</p:attrName>
+                                        </p:attrNameLst>
+                                      </p:cBhvr>
+                                      <p:tavLst>
+                                        <p:tav tm="0">
+                                          <p:val>
+                                            <p:strVal val="#ppt_x"/>
+                                          </p:val>
+                                        </p:tav>
+                                        <p:tav tm="100000">
+                                          <p:val>
+                                            <p:strVal val="#ppt_x"/>
+                                          </p:val>
+                                        </p:tav>
+                                      </p:tavLst>
+                                    </p:anim>
+                                    <p:anim calcmode="lin" valueType="num">
+                                      <p:cBhvr>
+                                        <p:cTn id="9" dur="1000" fill="hold"/>
+                                        <p:tgtEl>
+                                          <p:spTgt spid="3">
+                                            <p:txEl>
+                                              <p:pRg st="0" end="0"/>
+                                            </p:txEl>
+                                          </p:spTgt>
+                                        </p:tgtEl>
+                                        <p:attrNameLst>
+                                          <p:attrName>ppt_y</p:attrName>
+                                        </p:attrNameLst>
+                                      </p:cBhvr>
+                                      <p:tavLst>
+                                        <p:tav tm="0">
+                                          <p:val>
+                                            <p:strVal val="#ppt_y+.1"/>
+                                          </p:val>
+                                        </p:tav>
+                                        <p:tav tm="100000">
+                                          <p:val>
+                                            <p:strVal val="#ppt_y"/>
+                                          </p:val>
+                                        </p:tav>
+                                      </p:tavLst>
+                                    </p:anim>
+                                  </p:childTnLst>
+                                </p:cTn>
+                              </p:par>
+                            </p:childTnLst>
+                          </p:cTn>
+                        </p:par>
+                      </p:childTnLst>
+                    </p:cTn>
+                  </p:par>
+                  <p:par>
+                    <p:cTn id="10" fill="hold">
+                      <p:stCondLst>
+                        <p:cond delay="indefinite"/>
+                      </p:stCondLst>
+                      <p:childTnLst>
+                        <p:par>
+                          <p:cTn id="11" fill="hold">
+                            <p:stCondLst>
+                              <p:cond delay="0"/>
+                            </p:stCondLst>
+                            <p:childTnLst>
+                              <p:par>
+                                <p:cTn id="12" presetID="42" presetClass="entr" presetSubtype="0" fill="hold" grpId="0" nodeType="clickEffect">
+                                  <p:stCondLst>
+                                    <p:cond delay="0"/>
+                                  </p:stCondLst>
+                                  <p:childTnLst>
+                                    <p:set>
+                                      <p:cBhvr>
+                                        <p:cTn id="13" dur="1" fill="hold">
+                                          <p:stCondLst>
+                                            <p:cond delay="0"/>
+                                          </p:stCondLst>
+                                        </p:cTn>
+                                        <p:tgtEl>
+                                          <p:spTgt spid="3">
+                                            <p:txEl>
+                                              <p:pRg st="2" end="2"/>
+                                            </p:txEl>
+                                          </p:spTgt>
+                                        </p:tgtEl>
+                                        <p:attrNameLst>
+                                          <p:attrName>style.visibility</p:attrName>
+                                        </p:attrNameLst>
+                                      </p:cBhvr>
+                                      <p:to>
+                                        <p:strVal val="visible"/>
+                                      </p:to>
+                                    </p:set>
+                                    <p:animEffect transition="in" filter="fade">
+                                      <p:cBhvr>
+                                        <p:cTn id="14" dur="1000"/>
+                                        <p:tgtEl>
+                                          <p:spTgt spid="3">
+                                            <p:txEl>
+                                              <p:pRg st="2" end="2"/>
+                                            </p:txEl>
+                                          </p:spTgt>
+                                        </p:tgtEl>
+                                      </p:cBhvr>
+                                    </p:animEffect>
+                                    <p:anim calcmode="lin" valueType="num">
+                                      <p:cBhvr>
+                                        <p:cTn id="15" dur="1000" fill="hold"/>
+                                        <p:tgtEl>
+                                          <p:spTgt spid="3">
+                                            <p:txEl>
+                                              <p:pRg st="2" end="2"/>
+                                            </p:txEl>
+                                          </p:spTgt>
+                                        </p:tgtEl>
+                                        <p:attrNameLst>
+                                          <p:attrName>ppt_x</p:attrName>
+                                        </p:attrNameLst>
+                                      </p:cBhvr>
+                                      <p:tavLst>
+                                        <p:tav tm="0">
+                                          <p:val>
+                                            <p:strVal val="#ppt_x"/>
+                                          </p:val>
+                                        </p:tav>
+                                        <p:tav tm="100000">
+                                          <p:val>
+                                            <p:strVal val="#ppt_x"/>
+                                          </p:val>
+                                        </p:tav>
+                                      </p:tavLst>
+                                    </p:anim>
+                                    <p:anim calcmode="lin" valueType="num">
+                                      <p:cBhvr>
+                                        <p:cTn id="16" dur="1000" fill="hold"/>
+                                        <p:tgtEl>
+                                          <p:spTgt spid="3">
+                                            <p:txEl>
+                                              <p:pRg st="2" end="2"/>
+                                            </p:txEl>
+                                          </p:spTgt>
+                                        </p:tgtEl>
+                                        <p:attrNameLst>
+                                          <p:attrName>ppt_y</p:attrName>
+                                        </p:attrNameLst>
+                                      </p:cBhvr>
+                                      <p:tavLst>
+                                        <p:tav tm="0">
+                                          <p:val>
+                                            <p:strVal val="#ppt_y+.1"/>
+                                          </p:val>
+                                        </p:tav>
+                                        <p:tav tm="100000">
+                                          <p:val>
+                                            <p:strVal val="#ppt_y"/>
+                                          </p:val>
+                                        </p:tav>
+                                      </p:tavLst>
+                                    </p:anim>
+                                  </p:childTnLst>
+                                </p:cTn>
+                              </p:par>
+                              <p:par>
+                                <p:cTn id="17" presetID="42" presetClass="entr" presetSubtype="0" fill="hold" nodeType="withEffect">
+                                  <p:stCondLst>
+                                    <p:cond delay="0"/>
+                                  </p:stCondLst>
+                                  <p:childTnLst>
+                                    <p:set>
+                                      <p:cBhvr>
+                                        <p:cTn id="18" dur="1" fill="hold">
+                                          <p:stCondLst>
+                                            <p:cond delay="0"/>
+                                          </p:stCondLst>
+                                        </p:cTn>
+                                        <p:tgtEl>
+                                          <p:spTgt spid="3074"/>
+                                        </p:tgtEl>
+                                        <p:attrNameLst>
+                                          <p:attrName>style.visibility</p:attrName>
+                                        </p:attrNameLst>
+                                      </p:cBhvr>
+                                      <p:to>
+                                        <p:strVal val="visible"/>
+                                      </p:to>
+                                    </p:set>
+                                    <p:animEffect transition="in" filter="fade">
+                                      <p:cBhvr>
+                                        <p:cTn id="19" dur="1000"/>
+                                        <p:tgtEl>
+                                          <p:spTgt spid="3074"/>
+                                        </p:tgtEl>
+                                      </p:cBhvr>
+                                    </p:animEffect>
+                                    <p:anim calcmode="lin" valueType="num">
+                                      <p:cBhvr>
+                                        <p:cTn id="20" dur="1000" fill="hold"/>
+                                        <p:tgtEl>
+                                          <p:spTgt spid="3074"/>
+                                        </p:tgtEl>
+                                        <p:attrNameLst>
+                                          <p:attrName>ppt_x</p:attrName>
+                                        </p:attrNameLst>
+                                      </p:cBhvr>
+                                      <p:tavLst>
+                                        <p:tav tm="0">
+                                          <p:val>
+                                            <p:strVal val="#ppt_x"/>
+                                          </p:val>
+                                        </p:tav>
+                                        <p:tav tm="100000">
+                                          <p:val>
+                                            <p:strVal val="#ppt_x"/>
+                                          </p:val>
+                                        </p:tav>
+                                      </p:tavLst>
+                                    </p:anim>
+                                    <p:anim calcmode="lin" valueType="num">
+                                      <p:cBhvr>
+                                        <p:cTn id="21" dur="1000" fill="hold"/>
+                                        <p:tgtEl>
+                                          <p:spTgt spid="3074"/>
+                                        </p:tgtEl>
+                                        <p:attrNameLst>
+                                          <p:attrName>ppt_y</p:attrName>
+                                        </p:attrNameLst>
+                                      </p:cBhvr>
+                                      <p:tavLst>
+                                        <p:tav tm="0">
+                                          <p:val>
+                                            <p:strVal val="#ppt_y+.1"/>
+                                          </p:val>
+                                        </p:tav>
+                                        <p:tav tm="100000">
+                                          <p:val>
+                                            <p:strVal val="#ppt_y"/>
+                                          </p:val>
+                                        </p:tav>
+                                      </p:tavLst>
+                                    </p:anim>
+                                  </p:childTnLst>
+                                </p:cTn>
+                              </p:par>
+                            </p:childTnLst>
+                          </p:cTn>
+                        </p:par>
+                      </p:childTnLst>
+                    </p:cTn>
+                  </p:par>
+                </p:childTnLst>
+              </p:cTn>
+              <p:prevCondLst>
+                <p:cond evt="onPrev" delay="0">
+                  <p:tgtEl>
+                    <p:sldTgt/>
+                  </p:tgtEl>
+                </p:cond>
+              </p:prevCondLst>
+              <p:nextCondLst>
+                <p:cond evt="onNext" delay="0">
+                  <p:tgtEl>
+                    <p:sldTgt/>
+                  </p:tgtEl>
+                </p:cond>
+              </p:nextCondLst>
+            </p:seq>
+          </p:childTnLst>
+        </p:cTn>
+      </p:par>
+    </p:tnLst>
+    <p:bldLst>
+      <p:bldP spid="3" grpId="0" build="p"/>
+    </p:bldLst>
+  </p:timing>
 </p:sld>
 </file>
 
@@ -3277,6 +3669,357 @@
   <p:clrMapOvr>
     <a:masterClrMapping/>
   </p:clrMapOvr>
+  <p:timing>
+    <p:tnLst>
+      <p:par>
+        <p:cTn id="1" dur="indefinite" restart="never" nodeType="tmRoot">
+          <p:childTnLst>
+            <p:seq concurrent="1" nextAc="seek">
+              <p:cTn id="2" dur="indefinite" nodeType="mainSeq">
+                <p:childTnLst>
+                  <p:par>
+                    <p:cTn id="3" fill="hold">
+                      <p:stCondLst>
+                        <p:cond delay="indefinite"/>
+                      </p:stCondLst>
+                      <p:childTnLst>
+                        <p:par>
+                          <p:cTn id="4" fill="hold">
+                            <p:stCondLst>
+                              <p:cond delay="0"/>
+                            </p:stCondLst>
+                            <p:childTnLst>
+                              <p:par>
+                                <p:cTn id="5" presetID="42" presetClass="entr" presetSubtype="0" fill="hold" nodeType="clickEffect">
+                                  <p:stCondLst>
+                                    <p:cond delay="0"/>
+                                  </p:stCondLst>
+                                  <p:childTnLst>
+                                    <p:set>
+                                      <p:cBhvr>
+                                        <p:cTn id="6" dur="1" fill="hold">
+                                          <p:stCondLst>
+                                            <p:cond delay="0"/>
+                                          </p:stCondLst>
+                                        </p:cTn>
+                                        <p:tgtEl>
+                                          <p:spTgt spid="3">
+                                            <p:txEl>
+                                              <p:pRg st="0" end="0"/>
+                                            </p:txEl>
+                                          </p:spTgt>
+                                        </p:tgtEl>
+                                        <p:attrNameLst>
+                                          <p:attrName>style.visibility</p:attrName>
+                                        </p:attrNameLst>
+                                      </p:cBhvr>
+                                      <p:to>
+                                        <p:strVal val="visible"/>
+                                      </p:to>
+                                    </p:set>
+                                    <p:animEffect transition="in" filter="fade">
+                                      <p:cBhvr>
+                                        <p:cTn id="7" dur="500"/>
+                                        <p:tgtEl>
+                                          <p:spTgt spid="3">
+                                            <p:txEl>
+                                              <p:pRg st="0" end="0"/>
+                                            </p:txEl>
+                                          </p:spTgt>
+                                        </p:tgtEl>
+                                      </p:cBhvr>
+                                    </p:animEffect>
+                                    <p:anim calcmode="lin" valueType="num">
+                                      <p:cBhvr>
+                                        <p:cTn id="8" dur="500" fill="hold"/>
+                                        <p:tgtEl>
+                                          <p:spTgt spid="3">
+                                            <p:txEl>
+                                              <p:pRg st="0" end="0"/>
+                                            </p:txEl>
+                                          </p:spTgt>
+                                        </p:tgtEl>
+                                        <p:attrNameLst>
+                                          <p:attrName>ppt_x</p:attrName>
+                                        </p:attrNameLst>
+                                      </p:cBhvr>
+                                      <p:tavLst>
+                                        <p:tav tm="0">
+                                          <p:val>
+                                            <p:strVal val="#ppt_x"/>
+                                          </p:val>
+                                        </p:tav>
+                                        <p:tav tm="100000">
+                                          <p:val>
+                                            <p:strVal val="#ppt_x"/>
+                                          </p:val>
+                                        </p:tav>
+                                      </p:tavLst>
+                                    </p:anim>
+                                    <p:anim calcmode="lin" valueType="num">
+                                      <p:cBhvr>
+                                        <p:cTn id="9" dur="500" fill="hold"/>
+                                        <p:tgtEl>
+                                          <p:spTgt spid="3">
+                                            <p:txEl>
+                                              <p:pRg st="0" end="0"/>
+                                            </p:txEl>
+                                          </p:spTgt>
+                                        </p:tgtEl>
+                                        <p:attrNameLst>
+                                          <p:attrName>ppt_y</p:attrName>
+                                        </p:attrNameLst>
+                                      </p:cBhvr>
+                                      <p:tavLst>
+                                        <p:tav tm="0">
+                                          <p:val>
+                                            <p:strVal val="#ppt_y+.1"/>
+                                          </p:val>
+                                        </p:tav>
+                                        <p:tav tm="100000">
+                                          <p:val>
+                                            <p:strVal val="#ppt_y"/>
+                                          </p:val>
+                                        </p:tav>
+                                      </p:tavLst>
+                                    </p:anim>
+                                  </p:childTnLst>
+                                </p:cTn>
+                              </p:par>
+                            </p:childTnLst>
+                          </p:cTn>
+                        </p:par>
+                      </p:childTnLst>
+                    </p:cTn>
+                  </p:par>
+                  <p:par>
+                    <p:cTn id="10" fill="hold">
+                      <p:stCondLst>
+                        <p:cond delay="indefinite"/>
+                      </p:stCondLst>
+                      <p:childTnLst>
+                        <p:par>
+                          <p:cTn id="11" fill="hold">
+                            <p:stCondLst>
+                              <p:cond delay="0"/>
+                            </p:stCondLst>
+                            <p:childTnLst>
+                              <p:par>
+                                <p:cTn id="12" presetID="2" presetClass="entr" presetSubtype="4" fill="hold" nodeType="clickEffect">
+                                  <p:stCondLst>
+                                    <p:cond delay="0"/>
+                                  </p:stCondLst>
+                                  <p:childTnLst>
+                                    <p:set>
+                                      <p:cBhvr>
+                                        <p:cTn id="13" dur="1" fill="hold">
+                                          <p:stCondLst>
+                                            <p:cond delay="0"/>
+                                          </p:stCondLst>
+                                        </p:cTn>
+                                        <p:tgtEl>
+                                          <p:spTgt spid="3">
+                                            <p:txEl>
+                                              <p:pRg st="2" end="2"/>
+                                            </p:txEl>
+                                          </p:spTgt>
+                                        </p:tgtEl>
+                                        <p:attrNameLst>
+                                          <p:attrName>style.visibility</p:attrName>
+                                        </p:attrNameLst>
+                                      </p:cBhvr>
+                                      <p:to>
+                                        <p:strVal val="visible"/>
+                                      </p:to>
+                                    </p:set>
+                                    <p:anim calcmode="lin" valueType="num">
+                                      <p:cBhvr additive="base">
+                                        <p:cTn id="14" dur="500" fill="hold"/>
+                                        <p:tgtEl>
+                                          <p:spTgt spid="3">
+                                            <p:txEl>
+                                              <p:pRg st="2" end="2"/>
+                                            </p:txEl>
+                                          </p:spTgt>
+                                        </p:tgtEl>
+                                        <p:attrNameLst>
+                                          <p:attrName>ppt_x</p:attrName>
+                                        </p:attrNameLst>
+                                      </p:cBhvr>
+                                      <p:tavLst>
+                                        <p:tav tm="0">
+                                          <p:val>
+                                            <p:strVal val="#ppt_x"/>
+                                          </p:val>
+                                        </p:tav>
+                                        <p:tav tm="100000">
+                                          <p:val>
+                                            <p:strVal val="#ppt_x"/>
+                                          </p:val>
+                                        </p:tav>
+                                      </p:tavLst>
+                                    </p:anim>
+                                    <p:anim calcmode="lin" valueType="num">
+                                      <p:cBhvr additive="base">
+                                        <p:cTn id="15" dur="500" fill="hold"/>
+                                        <p:tgtEl>
+                                          <p:spTgt spid="3">
+                                            <p:txEl>
+                                              <p:pRg st="2" end="2"/>
+                                            </p:txEl>
+                                          </p:spTgt>
+                                        </p:tgtEl>
+                                        <p:attrNameLst>
+                                          <p:attrName>ppt_y</p:attrName>
+                                        </p:attrNameLst>
+                                      </p:cBhvr>
+                                      <p:tavLst>
+                                        <p:tav tm="0">
+                                          <p:val>
+                                            <p:strVal val="1+#ppt_h/2"/>
+                                          </p:val>
+                                        </p:tav>
+                                        <p:tav tm="100000">
+                                          <p:val>
+                                            <p:strVal val="#ppt_y"/>
+                                          </p:val>
+                                        </p:tav>
+                                      </p:tavLst>
+                                    </p:anim>
+                                  </p:childTnLst>
+                                </p:cTn>
+                              </p:par>
+                            </p:childTnLst>
+                          </p:cTn>
+                        </p:par>
+                      </p:childTnLst>
+                    </p:cTn>
+                  </p:par>
+                  <p:par>
+                    <p:cTn id="16" fill="hold">
+                      <p:stCondLst>
+                        <p:cond delay="indefinite"/>
+                      </p:stCondLst>
+                      <p:childTnLst>
+                        <p:par>
+                          <p:cTn id="17" fill="hold">
+                            <p:stCondLst>
+                              <p:cond delay="0"/>
+                            </p:stCondLst>
+                            <p:childTnLst>
+                              <p:par>
+                                <p:cTn id="18" presetID="2" presetClass="entr" presetSubtype="4" fill="hold" nodeType="clickEffect">
+                                  <p:stCondLst>
+                                    <p:cond delay="0"/>
+                                  </p:stCondLst>
+                                  <p:childTnLst>
+                                    <p:set>
+                                      <p:cBhvr>
+                                        <p:cTn id="19" dur="1" fill="hold">
+                                          <p:stCondLst>
+                                            <p:cond delay="0"/>
+                                          </p:stCondLst>
+                                        </p:cTn>
+                                        <p:tgtEl>
+                                          <p:spTgt spid="3">
+                                            <p:txEl>
+                                              <p:pRg st="4" end="4"/>
+                                            </p:txEl>
+                                          </p:spTgt>
+                                        </p:tgtEl>
+                                        <p:attrNameLst>
+                                          <p:attrName>style.visibility</p:attrName>
+                                        </p:attrNameLst>
+                                      </p:cBhvr>
+                                      <p:to>
+                                        <p:strVal val="visible"/>
+                                      </p:to>
+                                    </p:set>
+                                    <p:anim calcmode="lin" valueType="num">
+                                      <p:cBhvr additive="base">
+                                        <p:cTn id="20" dur="500" fill="hold"/>
+                                        <p:tgtEl>
+                                          <p:spTgt spid="3">
+                                            <p:txEl>
+                                              <p:pRg st="4" end="4"/>
+                                            </p:txEl>
+                                          </p:spTgt>
+                                        </p:tgtEl>
+                                        <p:attrNameLst>
+                                          <p:attrName>ppt_x</p:attrName>
+                                        </p:attrNameLst>
+                                      </p:cBhvr>
+                                      <p:tavLst>
+                                        <p:tav tm="0">
+                                          <p:val>
+                                            <p:strVal val="#ppt_x"/>
+                                          </p:val>
+                                        </p:tav>
+                                        <p:tav tm="100000">
+                                          <p:val>
+                                            <p:strVal val="#ppt_x"/>
+                                          </p:val>
+                                        </p:tav>
+                                      </p:tavLst>
+                                    </p:anim>
+                                    <p:anim calcmode="lin" valueType="num">
+                                      <p:cBhvr additive="base">
+                                        <p:cTn id="21" dur="500" fill="hold"/>
+                                        <p:tgtEl>
+                                          <p:spTgt spid="3">
+                                            <p:txEl>
+                                              <p:pRg st="4" end="4"/>
+                                            </p:txEl>
+                                          </p:spTgt>
+                                        </p:tgtEl>
+                                        <p:attrNameLst>
+                                          <p:attrName>ppt_y</p:attrName>
+                                        </p:attrNameLst>
+                                      </p:cBhvr>
+                                      <p:tavLst>
+                                        <p:tav tm="0">
+                                          <p:val>
+                                            <p:strVal val="1+#ppt_h/2"/>
+                                          </p:val>
+                                        </p:tav>
+                                        <p:tav tm="100000">
+                                          <p:val>
+                                            <p:strVal val="#ppt_y"/>
+                                          </p:val>
+                                        </p:tav>
+                                      </p:tavLst>
+                                    </p:anim>
+                                  </p:childTnLst>
+                                </p:cTn>
+                              </p:par>
+                            </p:childTnLst>
+                          </p:cTn>
+                        </p:par>
+                      </p:childTnLst>
+                    </p:cTn>
+                  </p:par>
+                </p:childTnLst>
+              </p:cTn>
+              <p:prevCondLst>
+                <p:cond evt="onPrev" delay="0">
+                  <p:tgtEl>
+                    <p:sldTgt/>
+                  </p:tgtEl>
+                </p:cond>
+              </p:prevCondLst>
+              <p:nextCondLst>
+                <p:cond evt="onNext" delay="0">
+                  <p:tgtEl>
+                    <p:sldTgt/>
+                  </p:tgtEl>
+                </p:cond>
+              </p:nextCondLst>
+            </p:seq>
+          </p:childTnLst>
+        </p:cTn>
+      </p:par>
+    </p:tnLst>
+  </p:timing>
 </p:sld>
 </file>
 
@@ -3316,6 +4059,629 @@
               <a:rPr lang="hu-HU" b="1" dirty="0" smtClean="0">
                 <a:latin typeface="Comic Sans MS" panose="030F0702030302020204" pitchFamily="66" charset="0"/>
               </a:rPr>
+              <a:t>A kártyák fontos paraméterei</a:t>
+            </a:r>
+            <a:endParaRPr lang="hu-HU" b="1" dirty="0">
+              <a:latin typeface="Comic Sans MS" panose="030F0702030302020204" pitchFamily="66" charset="0"/>
+            </a:endParaRPr>
+          </a:p>
+        </p:txBody>
+      </p:sp>
+      <p:sp>
+        <p:nvSpPr>
+          <p:cNvPr id="3" name="Tartalom helye 2"/>
+          <p:cNvSpPr>
+            <a:spLocks noGrp="1"/>
+          </p:cNvSpPr>
+          <p:nvPr>
+            <p:ph idx="1"/>
+          </p:nvPr>
+        </p:nvSpPr>
+        <p:spPr/>
+        <p:txBody>
+          <a:bodyPr/>
+          <a:lstStyle/>
+          <a:p>
+            <a:r>
+              <a:rPr lang="hu-HU" dirty="0" smtClean="0">
+                <a:latin typeface="Arial Black" panose="020B0A04020102020204" pitchFamily="34" charset="0"/>
+              </a:rPr>
+              <a:t>Grafikus felbontás</a:t>
+            </a:r>
+          </a:p>
+          <a:p>
+            <a:endParaRPr lang="hu-HU" dirty="0">
+              <a:latin typeface="Arial Black" panose="020B0A04020102020204" pitchFamily="34" charset="0"/>
+            </a:endParaRPr>
+          </a:p>
+          <a:p>
+            <a:r>
+              <a:rPr lang="hu-HU" b="1" dirty="0" smtClean="0">
+                <a:latin typeface="Arial Black" panose="020B0A04020102020204" pitchFamily="34" charset="0"/>
+              </a:rPr>
+              <a:t>Színmélység</a:t>
+            </a:r>
+          </a:p>
+          <a:p>
+            <a:endParaRPr lang="hu-HU" dirty="0">
+              <a:latin typeface="Arial Black" panose="020B0A04020102020204" pitchFamily="34" charset="0"/>
+            </a:endParaRPr>
+          </a:p>
+          <a:p>
+            <a:r>
+              <a:rPr lang="hu-HU" dirty="0" smtClean="0">
+                <a:latin typeface="Arial Black" panose="020B0A04020102020204" pitchFamily="34" charset="0"/>
+              </a:rPr>
+              <a:t>Videomemória mérete és típusa</a:t>
+            </a:r>
+          </a:p>
+          <a:p>
+            <a:endParaRPr lang="hu-HU" dirty="0">
+              <a:latin typeface="Arial Black" panose="020B0A04020102020204" pitchFamily="34" charset="0"/>
+            </a:endParaRPr>
+          </a:p>
+          <a:p>
+            <a:r>
+              <a:rPr lang="hu-HU" dirty="0" smtClean="0">
+                <a:latin typeface="Arial Black" panose="020B0A04020102020204" pitchFamily="34" charset="0"/>
+              </a:rPr>
+              <a:t>Magszám</a:t>
+            </a:r>
+            <a:endParaRPr lang="hu-HU" dirty="0">
+              <a:latin typeface="Arial Black" panose="020B0A04020102020204" pitchFamily="34" charset="0"/>
+            </a:endParaRPr>
+          </a:p>
+        </p:txBody>
+      </p:sp>
+      <p:pic>
+        <p:nvPicPr>
+          <p:cNvPr id="1028" name="Picture 4" descr="Grafikus felbontások"/>
+          <p:cNvPicPr>
+            <a:picLocks noChangeAspect="1" noChangeArrowheads="1"/>
+          </p:cNvPicPr>
+          <p:nvPr/>
+        </p:nvPicPr>
+        <p:blipFill>
+          <a:blip r:embed="rId2">
+            <a:extLst>
+              <a:ext uri="{28A0092B-C50C-407E-A947-70E740481C1C}">
+                <a14:useLocalDpi xmlns:a14="http://schemas.microsoft.com/office/drawing/2010/main" val="0"/>
+              </a:ext>
+            </a:extLst>
+          </a:blip>
+          <a:srcRect/>
+          <a:stretch>
+            <a:fillRect/>
+          </a:stretch>
+        </p:blipFill>
+        <p:spPr bwMode="auto">
+          <a:xfrm>
+            <a:off x="8027377" y="2304185"/>
+            <a:ext cx="3604443" cy="2751393"/>
+          </a:xfrm>
+          <a:prstGeom prst="rect">
+            <a:avLst/>
+          </a:prstGeom>
+          <a:noFill/>
+          <a:extLst>
+            <a:ext uri="{909E8E84-426E-40DD-AFC4-6F175D3DCCD1}">
+              <a14:hiddenFill xmlns:a14="http://schemas.microsoft.com/office/drawing/2010/main">
+                <a:solidFill>
+                  <a:srgbClr val="FFFFFF"/>
+                </a:solidFill>
+              </a14:hiddenFill>
+            </a:ext>
+          </a:extLst>
+        </p:spPr>
+      </p:pic>
+      <p:pic>
+        <p:nvPicPr>
+          <p:cNvPr id="1030" name="Picture 6" descr="Színfelbontás, színmélység"/>
+          <p:cNvPicPr>
+            <a:picLocks noChangeAspect="1" noChangeArrowheads="1"/>
+          </p:cNvPicPr>
+          <p:nvPr/>
+        </p:nvPicPr>
+        <p:blipFill>
+          <a:blip r:embed="rId3">
+            <a:extLst>
+              <a:ext uri="{28A0092B-C50C-407E-A947-70E740481C1C}">
+                <a14:useLocalDpi xmlns:a14="http://schemas.microsoft.com/office/drawing/2010/main" val="0"/>
+              </a:ext>
+            </a:extLst>
+          </a:blip>
+          <a:srcRect/>
+          <a:stretch>
+            <a:fillRect/>
+          </a:stretch>
+        </p:blipFill>
+        <p:spPr bwMode="auto">
+          <a:xfrm>
+            <a:off x="7524041" y="2461103"/>
+            <a:ext cx="4448175" cy="2266951"/>
+          </a:xfrm>
+          <a:prstGeom prst="rect">
+            <a:avLst/>
+          </a:prstGeom>
+          <a:noFill/>
+          <a:extLst>
+            <a:ext uri="{909E8E84-426E-40DD-AFC4-6F175D3DCCD1}">
+              <a14:hiddenFill xmlns:a14="http://schemas.microsoft.com/office/drawing/2010/main">
+                <a:solidFill>
+                  <a:srgbClr val="FFFFFF"/>
+                </a:solidFill>
+              </a14:hiddenFill>
+            </a:ext>
+          </a:extLst>
+        </p:spPr>
+      </p:pic>
+    </p:spTree>
+    <p:extLst>
+      <p:ext uri="{BB962C8B-B14F-4D97-AF65-F5344CB8AC3E}">
+        <p14:creationId xmlns:p14="http://schemas.microsoft.com/office/powerpoint/2010/main" val="3723105637"/>
+      </p:ext>
+    </p:extLst>
+  </p:cSld>
+  <p:clrMapOvr>
+    <a:masterClrMapping/>
+  </p:clrMapOvr>
+  <p:timing>
+    <p:tnLst>
+      <p:par>
+        <p:cTn id="1" dur="indefinite" restart="never" nodeType="tmRoot">
+          <p:childTnLst>
+            <p:seq concurrent="1" nextAc="seek">
+              <p:cTn id="2" dur="indefinite" nodeType="mainSeq">
+                <p:childTnLst>
+                  <p:par>
+                    <p:cTn id="3" fill="hold">
+                      <p:stCondLst>
+                        <p:cond delay="indefinite"/>
+                      </p:stCondLst>
+                      <p:childTnLst>
+                        <p:par>
+                          <p:cTn id="4" fill="hold">
+                            <p:stCondLst>
+                              <p:cond delay="0"/>
+                            </p:stCondLst>
+                            <p:childTnLst>
+                              <p:par>
+                                <p:cTn id="5" presetID="1" presetClass="entr" presetSubtype="0" fill="hold" nodeType="clickEffect">
+                                  <p:stCondLst>
+                                    <p:cond delay="0"/>
+                                  </p:stCondLst>
+                                  <p:childTnLst>
+                                    <p:set>
+                                      <p:cBhvr>
+                                        <p:cTn id="6" dur="1" fill="hold">
+                                          <p:stCondLst>
+                                            <p:cond delay="0"/>
+                                          </p:stCondLst>
+                                        </p:cTn>
+                                        <p:tgtEl>
+                                          <p:spTgt spid="3">
+                                            <p:txEl>
+                                              <p:pRg st="0" end="0"/>
+                                            </p:txEl>
+                                          </p:spTgt>
+                                        </p:tgtEl>
+                                        <p:attrNameLst>
+                                          <p:attrName>style.visibility</p:attrName>
+                                        </p:attrNameLst>
+                                      </p:cBhvr>
+                                      <p:to>
+                                        <p:strVal val="visible"/>
+                                      </p:to>
+                                    </p:set>
+                                  </p:childTnLst>
+                                </p:cTn>
+                              </p:par>
+                            </p:childTnLst>
+                          </p:cTn>
+                        </p:par>
+                      </p:childTnLst>
+                    </p:cTn>
+                  </p:par>
+                  <p:par>
+                    <p:cTn id="7" fill="hold">
+                      <p:stCondLst>
+                        <p:cond delay="indefinite"/>
+                      </p:stCondLst>
+                      <p:childTnLst>
+                        <p:par>
+                          <p:cTn id="8" fill="hold">
+                            <p:stCondLst>
+                              <p:cond delay="0"/>
+                            </p:stCondLst>
+                            <p:childTnLst>
+                              <p:par>
+                                <p:cTn id="9" presetID="1" presetClass="entr" presetSubtype="0" fill="hold" nodeType="clickEffect">
+                                  <p:stCondLst>
+                                    <p:cond delay="0"/>
+                                  </p:stCondLst>
+                                  <p:childTnLst>
+                                    <p:set>
+                                      <p:cBhvr>
+                                        <p:cTn id="10" dur="1" fill="hold">
+                                          <p:stCondLst>
+                                            <p:cond delay="0"/>
+                                          </p:stCondLst>
+                                        </p:cTn>
+                                        <p:tgtEl>
+                                          <p:spTgt spid="1028"/>
+                                        </p:tgtEl>
+                                        <p:attrNameLst>
+                                          <p:attrName>style.visibility</p:attrName>
+                                        </p:attrNameLst>
+                                      </p:cBhvr>
+                                      <p:to>
+                                        <p:strVal val="visible"/>
+                                      </p:to>
+                                    </p:set>
+                                  </p:childTnLst>
+                                </p:cTn>
+                              </p:par>
+                            </p:childTnLst>
+                          </p:cTn>
+                        </p:par>
+                      </p:childTnLst>
+                    </p:cTn>
+                  </p:par>
+                  <p:par>
+                    <p:cTn id="11" fill="hold">
+                      <p:stCondLst>
+                        <p:cond delay="indefinite"/>
+                      </p:stCondLst>
+                      <p:childTnLst>
+                        <p:par>
+                          <p:cTn id="12" fill="hold">
+                            <p:stCondLst>
+                              <p:cond delay="0"/>
+                            </p:stCondLst>
+                            <p:childTnLst>
+                              <p:par>
+                                <p:cTn id="13" presetID="1" presetClass="exit" presetSubtype="0" fill="hold" nodeType="clickEffect">
+                                  <p:stCondLst>
+                                    <p:cond delay="0"/>
+                                  </p:stCondLst>
+                                  <p:childTnLst>
+                                    <p:set>
+                                      <p:cBhvr>
+                                        <p:cTn id="14" dur="1" fill="hold">
+                                          <p:stCondLst>
+                                            <p:cond delay="0"/>
+                                          </p:stCondLst>
+                                        </p:cTn>
+                                        <p:tgtEl>
+                                          <p:spTgt spid="1028"/>
+                                        </p:tgtEl>
+                                        <p:attrNameLst>
+                                          <p:attrName>style.visibility</p:attrName>
+                                        </p:attrNameLst>
+                                      </p:cBhvr>
+                                      <p:to>
+                                        <p:strVal val="hidden"/>
+                                      </p:to>
+                                    </p:set>
+                                  </p:childTnLst>
+                                </p:cTn>
+                              </p:par>
+                            </p:childTnLst>
+                          </p:cTn>
+                        </p:par>
+                      </p:childTnLst>
+                    </p:cTn>
+                  </p:par>
+                  <p:par>
+                    <p:cTn id="15" fill="hold">
+                      <p:stCondLst>
+                        <p:cond delay="indefinite"/>
+                      </p:stCondLst>
+                      <p:childTnLst>
+                        <p:par>
+                          <p:cTn id="16" fill="hold">
+                            <p:stCondLst>
+                              <p:cond delay="0"/>
+                            </p:stCondLst>
+                            <p:childTnLst>
+                              <p:par>
+                                <p:cTn id="17" presetID="16" presetClass="entr" presetSubtype="21" fill="hold" nodeType="clickEffect">
+                                  <p:stCondLst>
+                                    <p:cond delay="0"/>
+                                  </p:stCondLst>
+                                  <p:childTnLst>
+                                    <p:set>
+                                      <p:cBhvr>
+                                        <p:cTn id="18" dur="1" fill="hold">
+                                          <p:stCondLst>
+                                            <p:cond delay="0"/>
+                                          </p:stCondLst>
+                                        </p:cTn>
+                                        <p:tgtEl>
+                                          <p:spTgt spid="3">
+                                            <p:txEl>
+                                              <p:pRg st="2" end="2"/>
+                                            </p:txEl>
+                                          </p:spTgt>
+                                        </p:tgtEl>
+                                        <p:attrNameLst>
+                                          <p:attrName>style.visibility</p:attrName>
+                                        </p:attrNameLst>
+                                      </p:cBhvr>
+                                      <p:to>
+                                        <p:strVal val="visible"/>
+                                      </p:to>
+                                    </p:set>
+                                    <p:animEffect transition="in" filter="barn(inVertical)">
+                                      <p:cBhvr>
+                                        <p:cTn id="19" dur="500"/>
+                                        <p:tgtEl>
+                                          <p:spTgt spid="3">
+                                            <p:txEl>
+                                              <p:pRg st="2" end="2"/>
+                                            </p:txEl>
+                                          </p:spTgt>
+                                        </p:tgtEl>
+                                      </p:cBhvr>
+                                    </p:animEffect>
+                                  </p:childTnLst>
+                                </p:cTn>
+                              </p:par>
+                            </p:childTnLst>
+                          </p:cTn>
+                        </p:par>
+                      </p:childTnLst>
+                    </p:cTn>
+                  </p:par>
+                  <p:par>
+                    <p:cTn id="20" fill="hold">
+                      <p:stCondLst>
+                        <p:cond delay="indefinite"/>
+                      </p:stCondLst>
+                      <p:childTnLst>
+                        <p:par>
+                          <p:cTn id="21" fill="hold">
+                            <p:stCondLst>
+                              <p:cond delay="0"/>
+                            </p:stCondLst>
+                            <p:childTnLst>
+                              <p:par>
+                                <p:cTn id="22" presetID="1" presetClass="entr" presetSubtype="0" fill="hold" nodeType="clickEffect">
+                                  <p:stCondLst>
+                                    <p:cond delay="0"/>
+                                  </p:stCondLst>
+                                  <p:childTnLst>
+                                    <p:set>
+                                      <p:cBhvr>
+                                        <p:cTn id="23" dur="1" fill="hold">
+                                          <p:stCondLst>
+                                            <p:cond delay="0"/>
+                                          </p:stCondLst>
+                                        </p:cTn>
+                                        <p:tgtEl>
+                                          <p:spTgt spid="1030"/>
+                                        </p:tgtEl>
+                                        <p:attrNameLst>
+                                          <p:attrName>style.visibility</p:attrName>
+                                        </p:attrNameLst>
+                                      </p:cBhvr>
+                                      <p:to>
+                                        <p:strVal val="visible"/>
+                                      </p:to>
+                                    </p:set>
+                                  </p:childTnLst>
+                                </p:cTn>
+                              </p:par>
+                            </p:childTnLst>
+                          </p:cTn>
+                        </p:par>
+                      </p:childTnLst>
+                    </p:cTn>
+                  </p:par>
+                  <p:par>
+                    <p:cTn id="24" fill="hold">
+                      <p:stCondLst>
+                        <p:cond delay="indefinite"/>
+                      </p:stCondLst>
+                      <p:childTnLst>
+                        <p:par>
+                          <p:cTn id="25" fill="hold">
+                            <p:stCondLst>
+                              <p:cond delay="0"/>
+                            </p:stCondLst>
+                            <p:childTnLst>
+                              <p:par>
+                                <p:cTn id="26" presetID="1" presetClass="exit" presetSubtype="0" fill="hold" nodeType="clickEffect">
+                                  <p:stCondLst>
+                                    <p:cond delay="0"/>
+                                  </p:stCondLst>
+                                  <p:childTnLst>
+                                    <p:set>
+                                      <p:cBhvr>
+                                        <p:cTn id="27" dur="1" fill="hold">
+                                          <p:stCondLst>
+                                            <p:cond delay="0"/>
+                                          </p:stCondLst>
+                                        </p:cTn>
+                                        <p:tgtEl>
+                                          <p:spTgt spid="1030"/>
+                                        </p:tgtEl>
+                                        <p:attrNameLst>
+                                          <p:attrName>style.visibility</p:attrName>
+                                        </p:attrNameLst>
+                                      </p:cBhvr>
+                                      <p:to>
+                                        <p:strVal val="hidden"/>
+                                      </p:to>
+                                    </p:set>
+                                  </p:childTnLst>
+                                </p:cTn>
+                              </p:par>
+                            </p:childTnLst>
+                          </p:cTn>
+                        </p:par>
+                      </p:childTnLst>
+                    </p:cTn>
+                  </p:par>
+                  <p:par>
+                    <p:cTn id="28" fill="hold">
+                      <p:stCondLst>
+                        <p:cond delay="indefinite"/>
+                      </p:stCondLst>
+                      <p:childTnLst>
+                        <p:par>
+                          <p:cTn id="29" fill="hold">
+                            <p:stCondLst>
+                              <p:cond delay="0"/>
+                            </p:stCondLst>
+                            <p:childTnLst>
+                              <p:par>
+                                <p:cTn id="30" presetID="1" presetClass="entr" presetSubtype="0" fill="hold" nodeType="clickEffect">
+                                  <p:stCondLst>
+                                    <p:cond delay="0"/>
+                                  </p:stCondLst>
+                                  <p:childTnLst>
+                                    <p:set>
+                                      <p:cBhvr>
+                                        <p:cTn id="31" dur="1" fill="hold">
+                                          <p:stCondLst>
+                                            <p:cond delay="0"/>
+                                          </p:stCondLst>
+                                        </p:cTn>
+                                        <p:tgtEl>
+                                          <p:spTgt spid="3">
+                                            <p:txEl>
+                                              <p:pRg st="4" end="4"/>
+                                            </p:txEl>
+                                          </p:spTgt>
+                                        </p:tgtEl>
+                                        <p:attrNameLst>
+                                          <p:attrName>style.visibility</p:attrName>
+                                        </p:attrNameLst>
+                                      </p:cBhvr>
+                                      <p:to>
+                                        <p:strVal val="visible"/>
+                                      </p:to>
+                                    </p:set>
+                                  </p:childTnLst>
+                                </p:cTn>
+                              </p:par>
+                            </p:childTnLst>
+                          </p:cTn>
+                        </p:par>
+                      </p:childTnLst>
+                    </p:cTn>
+                  </p:par>
+                  <p:par>
+                    <p:cTn id="32" fill="hold">
+                      <p:stCondLst>
+                        <p:cond delay="indefinite"/>
+                      </p:stCondLst>
+                      <p:childTnLst>
+                        <p:par>
+                          <p:cTn id="33" fill="hold">
+                            <p:stCondLst>
+                              <p:cond delay="0"/>
+                            </p:stCondLst>
+                            <p:childTnLst>
+                              <p:par>
+                                <p:cTn id="34" presetID="1" presetClass="entr" presetSubtype="0" fill="hold" nodeType="clickEffect">
+                                  <p:stCondLst>
+                                    <p:cond delay="0"/>
+                                  </p:stCondLst>
+                                  <p:childTnLst>
+                                    <p:set>
+                                      <p:cBhvr>
+                                        <p:cTn id="35" dur="1" fill="hold">
+                                          <p:stCondLst>
+                                            <p:cond delay="0"/>
+                                          </p:stCondLst>
+                                        </p:cTn>
+                                        <p:tgtEl>
+                                          <p:spTgt spid="3">
+                                            <p:txEl>
+                                              <p:pRg st="6" end="6"/>
+                                            </p:txEl>
+                                          </p:spTgt>
+                                        </p:tgtEl>
+                                        <p:attrNameLst>
+                                          <p:attrName>style.visibility</p:attrName>
+                                        </p:attrNameLst>
+                                      </p:cBhvr>
+                                      <p:to>
+                                        <p:strVal val="visible"/>
+                                      </p:to>
+                                    </p:set>
+                                  </p:childTnLst>
+                                </p:cTn>
+                              </p:par>
+                            </p:childTnLst>
+                          </p:cTn>
+                        </p:par>
+                      </p:childTnLst>
+                    </p:cTn>
+                  </p:par>
+                </p:childTnLst>
+              </p:cTn>
+              <p:prevCondLst>
+                <p:cond evt="onPrev" delay="0">
+                  <p:tgtEl>
+                    <p:sldTgt/>
+                  </p:tgtEl>
+                </p:cond>
+              </p:prevCondLst>
+              <p:nextCondLst>
+                <p:cond evt="onNext" delay="0">
+                  <p:tgtEl>
+                    <p:sldTgt/>
+                  </p:tgtEl>
+                </p:cond>
+              </p:nextCondLst>
+            </p:seq>
+          </p:childTnLst>
+        </p:cTn>
+      </p:par>
+    </p:tnLst>
+  </p:timing>
+</p:sld>
+</file>
+
+<file path=ppt/slides/slide5.xml><?xml version="1.0" encoding="utf-8"?>
+<p:sld xmlns:a="http://schemas.openxmlformats.org/drawingml/2006/main" xmlns:r="http://schemas.openxmlformats.org/officeDocument/2006/relationships" xmlns:p="http://schemas.openxmlformats.org/presentationml/2006/main">
+  <p:cSld>
+    <p:spTree>
+      <p:nvGrpSpPr>
+        <p:cNvPr id="1" name=""/>
+        <p:cNvGrpSpPr/>
+        <p:nvPr/>
+      </p:nvGrpSpPr>
+      <p:grpSpPr>
+        <a:xfrm>
+          <a:off x="0" y="0"/>
+          <a:ext cx="0" cy="0"/>
+          <a:chOff x="0" y="0"/>
+          <a:chExt cx="0" cy="0"/>
+        </a:xfrm>
+      </p:grpSpPr>
+      <p:sp>
+        <p:nvSpPr>
+          <p:cNvPr id="2" name="Cím 1"/>
+          <p:cNvSpPr>
+            <a:spLocks noGrp="1"/>
+          </p:cNvSpPr>
+          <p:nvPr>
+            <p:ph type="title"/>
+          </p:nvPr>
+        </p:nvSpPr>
+        <p:spPr/>
+        <p:txBody>
+          <a:bodyPr/>
+          <a:lstStyle/>
+          <a:p>
+            <a:r>
+              <a:rPr lang="hu-HU" b="1" dirty="0" smtClean="0">
+                <a:latin typeface="Comic Sans MS" panose="030F0702030302020204" pitchFamily="66" charset="0"/>
+              </a:rPr>
               <a:t>Gyártók</a:t>
             </a:r>
             <a:endParaRPr lang="hu-HU" b="1" dirty="0">
@@ -3359,7 +4725,7 @@
           </a:p>
           <a:p>
             <a:r>
-              <a:rPr lang="hu-HU" dirty="0" err="1" smtClean="0">
+              <a:rPr lang="hu-HU" b="1" dirty="0" err="1" smtClean="0">
                 <a:latin typeface="Arial Black" panose="020B0A04020102020204" pitchFamily="34" charset="0"/>
               </a:rPr>
               <a:t>nVidia</a:t>
@@ -3492,10 +4858,231 @@
   <p:clrMapOvr>
     <a:masterClrMapping/>
   </p:clrMapOvr>
+  <p:timing>
+    <p:tnLst>
+      <p:par>
+        <p:cTn id="1" dur="indefinite" restart="never" nodeType="tmRoot">
+          <p:childTnLst>
+            <p:seq concurrent="1" nextAc="seek">
+              <p:cTn id="2" dur="indefinite" nodeType="mainSeq">
+                <p:childTnLst>
+                  <p:par>
+                    <p:cTn id="3" fill="hold">
+                      <p:stCondLst>
+                        <p:cond delay="indefinite"/>
+                      </p:stCondLst>
+                      <p:childTnLst>
+                        <p:par>
+                          <p:cTn id="4" fill="hold">
+                            <p:stCondLst>
+                              <p:cond delay="0"/>
+                            </p:stCondLst>
+                            <p:childTnLst>
+                              <p:par>
+                                <p:cTn id="5" presetID="1" presetClass="entr" presetSubtype="0" fill="hold" grpId="0" nodeType="clickEffect">
+                                  <p:stCondLst>
+                                    <p:cond delay="0"/>
+                                  </p:stCondLst>
+                                  <p:childTnLst>
+                                    <p:set>
+                                      <p:cBhvr>
+                                        <p:cTn id="6" dur="1" fill="hold">
+                                          <p:stCondLst>
+                                            <p:cond delay="0"/>
+                                          </p:stCondLst>
+                                        </p:cTn>
+                                        <p:tgtEl>
+                                          <p:spTgt spid="3">
+                                            <p:txEl>
+                                              <p:pRg st="0" end="0"/>
+                                            </p:txEl>
+                                          </p:spTgt>
+                                        </p:tgtEl>
+                                        <p:attrNameLst>
+                                          <p:attrName>style.visibility</p:attrName>
+                                        </p:attrNameLst>
+                                      </p:cBhvr>
+                                      <p:to>
+                                        <p:strVal val="visible"/>
+                                      </p:to>
+                                    </p:set>
+                                  </p:childTnLst>
+                                </p:cTn>
+                              </p:par>
+                            </p:childTnLst>
+                          </p:cTn>
+                        </p:par>
+                      </p:childTnLst>
+                    </p:cTn>
+                  </p:par>
+                  <p:par>
+                    <p:cTn id="7" fill="hold">
+                      <p:stCondLst>
+                        <p:cond delay="indefinite"/>
+                      </p:stCondLst>
+                      <p:childTnLst>
+                        <p:par>
+                          <p:cTn id="8" fill="hold">
+                            <p:stCondLst>
+                              <p:cond delay="0"/>
+                            </p:stCondLst>
+                            <p:childTnLst>
+                              <p:par>
+                                <p:cTn id="9" presetID="1" presetClass="entr" presetSubtype="0" fill="hold" grpId="0" nodeType="clickEffect">
+                                  <p:stCondLst>
+                                    <p:cond delay="0"/>
+                                  </p:stCondLst>
+                                  <p:childTnLst>
+                                    <p:set>
+                                      <p:cBhvr>
+                                        <p:cTn id="10" dur="1" fill="hold">
+                                          <p:stCondLst>
+                                            <p:cond delay="0"/>
+                                          </p:stCondLst>
+                                        </p:cTn>
+                                        <p:tgtEl>
+                                          <p:spTgt spid="3">
+                                            <p:txEl>
+                                              <p:pRg st="2" end="2"/>
+                                            </p:txEl>
+                                          </p:spTgt>
+                                        </p:tgtEl>
+                                        <p:attrNameLst>
+                                          <p:attrName>style.visibility</p:attrName>
+                                        </p:attrNameLst>
+                                      </p:cBhvr>
+                                      <p:to>
+                                        <p:strVal val="visible"/>
+                                      </p:to>
+                                    </p:set>
+                                  </p:childTnLst>
+                                </p:cTn>
+                              </p:par>
+                            </p:childTnLst>
+                          </p:cTn>
+                        </p:par>
+                      </p:childTnLst>
+                    </p:cTn>
+                  </p:par>
+                  <p:par>
+                    <p:cTn id="11" fill="hold">
+                      <p:stCondLst>
+                        <p:cond delay="indefinite"/>
+                      </p:stCondLst>
+                      <p:childTnLst>
+                        <p:par>
+                          <p:cTn id="12" fill="hold">
+                            <p:stCondLst>
+                              <p:cond delay="0"/>
+                            </p:stCondLst>
+                            <p:childTnLst>
+                              <p:par>
+                                <p:cTn id="13" presetID="1" presetClass="entr" presetSubtype="0" fill="hold" nodeType="clickEffect">
+                                  <p:stCondLst>
+                                    <p:cond delay="0"/>
+                                  </p:stCondLst>
+                                  <p:childTnLst>
+                                    <p:set>
+                                      <p:cBhvr>
+                                        <p:cTn id="14" dur="1" fill="hold">
+                                          <p:stCondLst>
+                                            <p:cond delay="0"/>
+                                          </p:stCondLst>
+                                        </p:cTn>
+                                        <p:tgtEl>
+                                          <p:spTgt spid="1028"/>
+                                        </p:tgtEl>
+                                        <p:attrNameLst>
+                                          <p:attrName>style.visibility</p:attrName>
+                                        </p:attrNameLst>
+                                      </p:cBhvr>
+                                      <p:to>
+                                        <p:strVal val="visible"/>
+                                      </p:to>
+                                    </p:set>
+                                  </p:childTnLst>
+                                </p:cTn>
+                              </p:par>
+                            </p:childTnLst>
+                          </p:cTn>
+                        </p:par>
+                      </p:childTnLst>
+                    </p:cTn>
+                  </p:par>
+                  <p:par>
+                    <p:cTn id="15" fill="hold">
+                      <p:stCondLst>
+                        <p:cond delay="indefinite"/>
+                      </p:stCondLst>
+                      <p:childTnLst>
+                        <p:par>
+                          <p:cTn id="16" fill="hold">
+                            <p:stCondLst>
+                              <p:cond delay="0"/>
+                            </p:stCondLst>
+                            <p:childTnLst>
+                              <p:par>
+                                <p:cTn id="17" presetID="1" presetClass="entr" presetSubtype="0" fill="hold" nodeType="clickEffect">
+                                  <p:stCondLst>
+                                    <p:cond delay="0"/>
+                                  </p:stCondLst>
+                                  <p:childTnLst>
+                                    <p:set>
+                                      <p:cBhvr>
+                                        <p:cTn id="18" dur="1" fill="hold">
+                                          <p:stCondLst>
+                                            <p:cond delay="0"/>
+                                          </p:stCondLst>
+                                        </p:cTn>
+                                        <p:tgtEl>
+                                          <p:spTgt spid="1030"/>
+                                        </p:tgtEl>
+                                        <p:attrNameLst>
+                                          <p:attrName>style.visibility</p:attrName>
+                                        </p:attrNameLst>
+                                      </p:cBhvr>
+                                      <p:to>
+                                        <p:strVal val="visible"/>
+                                      </p:to>
+                                    </p:set>
+                                  </p:childTnLst>
+                                </p:cTn>
+                              </p:par>
+                            </p:childTnLst>
+                          </p:cTn>
+                        </p:par>
+                      </p:childTnLst>
+                    </p:cTn>
+                  </p:par>
+                </p:childTnLst>
+              </p:cTn>
+              <p:prevCondLst>
+                <p:cond evt="onPrev" delay="0">
+                  <p:tgtEl>
+                    <p:sldTgt/>
+                  </p:tgtEl>
+                </p:cond>
+              </p:prevCondLst>
+              <p:nextCondLst>
+                <p:cond evt="onNext" delay="0">
+                  <p:tgtEl>
+                    <p:sldTgt/>
+                  </p:tgtEl>
+                </p:cond>
+              </p:nextCondLst>
+            </p:seq>
+          </p:childTnLst>
+        </p:cTn>
+      </p:par>
+    </p:tnLst>
+    <p:bldLst>
+      <p:bldP spid="3" grpId="0" build="p"/>
+    </p:bldLst>
+  </p:timing>
 </p:sld>
 </file>
 
-<file path=ppt/slides/slide5.xml><?xml version="1.0" encoding="utf-8"?>
+<file path=ppt/slides/slide6.xml><?xml version="1.0" encoding="utf-8"?>
 <p:sld xmlns:a="http://schemas.openxmlformats.org/drawingml/2006/main" xmlns:r="http://schemas.openxmlformats.org/officeDocument/2006/relationships" xmlns:p="http://schemas.openxmlformats.org/presentationml/2006/main">
   <p:cSld>
     <p:spTree>
@@ -3753,8 +5340,8 @@
         </p:blipFill>
         <p:spPr>
           <a:xfrm>
-            <a:off x="5579363" y="3201923"/>
-            <a:ext cx="1033274" cy="454153"/>
+            <a:off x="7460917" y="4629149"/>
+            <a:ext cx="3577246" cy="1572300"/>
           </a:xfrm>
           <a:prstGeom prst="rect">
             <a:avLst/>
@@ -3771,74 +5358,586 @@
   <p:clrMapOvr>
     <a:masterClrMapping/>
   </p:clrMapOvr>
-</p:sld>
-</file>
-
-<file path=ppt/slides/slide6.xml><?xml version="1.0" encoding="utf-8"?>
-<p:sld xmlns:a="http://schemas.openxmlformats.org/drawingml/2006/main" xmlns:r="http://schemas.openxmlformats.org/officeDocument/2006/relationships" xmlns:p="http://schemas.openxmlformats.org/presentationml/2006/main">
-  <p:cSld>
-    <p:spTree>
-      <p:nvGrpSpPr>
-        <p:cNvPr id="1" name=""/>
-        <p:cNvGrpSpPr/>
-        <p:nvPr/>
-      </p:nvGrpSpPr>
-      <p:grpSpPr>
-        <a:xfrm>
-          <a:off x="0" y="0"/>
-          <a:ext cx="0" cy="0"/>
-          <a:chOff x="0" y="0"/>
-          <a:chExt cx="0" cy="0"/>
-        </a:xfrm>
-      </p:grpSpPr>
-      <p:sp>
-        <p:nvSpPr>
-          <p:cNvPr id="2" name="Cím 1"/>
-          <p:cNvSpPr>
-            <a:spLocks noGrp="1"/>
-          </p:cNvSpPr>
-          <p:nvPr>
-            <p:ph type="title"/>
-          </p:nvPr>
-        </p:nvSpPr>
-        <p:spPr/>
-        <p:txBody>
-          <a:bodyPr/>
-          <a:lstStyle/>
-          <a:p>
-            <a:endParaRPr lang="hu-HU"/>
-          </a:p>
-        </p:txBody>
-      </p:sp>
-      <p:sp>
-        <p:nvSpPr>
-          <p:cNvPr id="3" name="Tartalom helye 2"/>
-          <p:cNvSpPr>
-            <a:spLocks noGrp="1"/>
-          </p:cNvSpPr>
-          <p:nvPr>
-            <p:ph idx="1"/>
-          </p:nvPr>
-        </p:nvSpPr>
-        <p:spPr/>
-        <p:txBody>
-          <a:bodyPr/>
-          <a:lstStyle/>
-          <a:p>
-            <a:endParaRPr lang="hu-HU" dirty="0"/>
-          </a:p>
-        </p:txBody>
-      </p:sp>
-    </p:spTree>
-    <p:extLst>
-      <p:ext uri="{BB962C8B-B14F-4D97-AF65-F5344CB8AC3E}">
-        <p14:creationId xmlns:p14="http://schemas.microsoft.com/office/powerpoint/2010/main" val="3723105637"/>
-      </p:ext>
-    </p:extLst>
-  </p:cSld>
-  <p:clrMapOvr>
-    <a:masterClrMapping/>
-  </p:clrMapOvr>
+  <p:timing>
+    <p:tnLst>
+      <p:par>
+        <p:cTn id="1" dur="indefinite" restart="never" nodeType="tmRoot">
+          <p:childTnLst>
+            <p:seq concurrent="1" nextAc="seek">
+              <p:cTn id="2" dur="indefinite" nodeType="mainSeq">
+                <p:childTnLst>
+                  <p:par>
+                    <p:cTn id="3" fill="hold">
+                      <p:stCondLst>
+                        <p:cond delay="indefinite"/>
+                      </p:stCondLst>
+                      <p:childTnLst>
+                        <p:par>
+                          <p:cTn id="4" fill="hold">
+                            <p:stCondLst>
+                              <p:cond delay="0"/>
+                            </p:stCondLst>
+                            <p:childTnLst>
+                              <p:par>
+                                <p:cTn id="5" presetID="2" presetClass="entr" presetSubtype="8" fill="hold" grpId="0" nodeType="clickEffect">
+                                  <p:stCondLst>
+                                    <p:cond delay="0"/>
+                                  </p:stCondLst>
+                                  <p:childTnLst>
+                                    <p:set>
+                                      <p:cBhvr>
+                                        <p:cTn id="6" dur="1" fill="hold">
+                                          <p:stCondLst>
+                                            <p:cond delay="0"/>
+                                          </p:stCondLst>
+                                        </p:cTn>
+                                        <p:tgtEl>
+                                          <p:spTgt spid="3">
+                                            <p:txEl>
+                                              <p:pRg st="0" end="0"/>
+                                            </p:txEl>
+                                          </p:spTgt>
+                                        </p:tgtEl>
+                                        <p:attrNameLst>
+                                          <p:attrName>style.visibility</p:attrName>
+                                        </p:attrNameLst>
+                                      </p:cBhvr>
+                                      <p:to>
+                                        <p:strVal val="visible"/>
+                                      </p:to>
+                                    </p:set>
+                                    <p:anim calcmode="lin" valueType="num">
+                                      <p:cBhvr additive="base">
+                                        <p:cTn id="7" dur="500" fill="hold"/>
+                                        <p:tgtEl>
+                                          <p:spTgt spid="3">
+                                            <p:txEl>
+                                              <p:pRg st="0" end="0"/>
+                                            </p:txEl>
+                                          </p:spTgt>
+                                        </p:tgtEl>
+                                        <p:attrNameLst>
+                                          <p:attrName>ppt_x</p:attrName>
+                                        </p:attrNameLst>
+                                      </p:cBhvr>
+                                      <p:tavLst>
+                                        <p:tav tm="0">
+                                          <p:val>
+                                            <p:strVal val="0-#ppt_w/2"/>
+                                          </p:val>
+                                        </p:tav>
+                                        <p:tav tm="100000">
+                                          <p:val>
+                                            <p:strVal val="#ppt_x"/>
+                                          </p:val>
+                                        </p:tav>
+                                      </p:tavLst>
+                                    </p:anim>
+                                    <p:anim calcmode="lin" valueType="num">
+                                      <p:cBhvr additive="base">
+                                        <p:cTn id="8" dur="500" fill="hold"/>
+                                        <p:tgtEl>
+                                          <p:spTgt spid="3">
+                                            <p:txEl>
+                                              <p:pRg st="0" end="0"/>
+                                            </p:txEl>
+                                          </p:spTgt>
+                                        </p:tgtEl>
+                                        <p:attrNameLst>
+                                          <p:attrName>ppt_y</p:attrName>
+                                        </p:attrNameLst>
+                                      </p:cBhvr>
+                                      <p:tavLst>
+                                        <p:tav tm="0">
+                                          <p:val>
+                                            <p:strVal val="#ppt_y"/>
+                                          </p:val>
+                                        </p:tav>
+                                        <p:tav tm="100000">
+                                          <p:val>
+                                            <p:strVal val="#ppt_y"/>
+                                          </p:val>
+                                        </p:tav>
+                                      </p:tavLst>
+                                    </p:anim>
+                                  </p:childTnLst>
+                                </p:cTn>
+                              </p:par>
+                            </p:childTnLst>
+                          </p:cTn>
+                        </p:par>
+                      </p:childTnLst>
+                    </p:cTn>
+                  </p:par>
+                  <p:par>
+                    <p:cTn id="9" fill="hold">
+                      <p:stCondLst>
+                        <p:cond delay="indefinite"/>
+                      </p:stCondLst>
+                      <p:childTnLst>
+                        <p:par>
+                          <p:cTn id="10" fill="hold">
+                            <p:stCondLst>
+                              <p:cond delay="0"/>
+                            </p:stCondLst>
+                            <p:childTnLst>
+                              <p:par>
+                                <p:cTn id="11" presetID="2" presetClass="entr" presetSubtype="8" fill="hold" grpId="0" nodeType="clickEffect">
+                                  <p:stCondLst>
+                                    <p:cond delay="0"/>
+                                  </p:stCondLst>
+                                  <p:childTnLst>
+                                    <p:set>
+                                      <p:cBhvr>
+                                        <p:cTn id="12" dur="1" fill="hold">
+                                          <p:stCondLst>
+                                            <p:cond delay="0"/>
+                                          </p:stCondLst>
+                                        </p:cTn>
+                                        <p:tgtEl>
+                                          <p:spTgt spid="3">
+                                            <p:txEl>
+                                              <p:pRg st="2" end="2"/>
+                                            </p:txEl>
+                                          </p:spTgt>
+                                        </p:tgtEl>
+                                        <p:attrNameLst>
+                                          <p:attrName>style.visibility</p:attrName>
+                                        </p:attrNameLst>
+                                      </p:cBhvr>
+                                      <p:to>
+                                        <p:strVal val="visible"/>
+                                      </p:to>
+                                    </p:set>
+                                    <p:anim calcmode="lin" valueType="num">
+                                      <p:cBhvr additive="base">
+                                        <p:cTn id="13" dur="500" fill="hold"/>
+                                        <p:tgtEl>
+                                          <p:spTgt spid="3">
+                                            <p:txEl>
+                                              <p:pRg st="2" end="2"/>
+                                            </p:txEl>
+                                          </p:spTgt>
+                                        </p:tgtEl>
+                                        <p:attrNameLst>
+                                          <p:attrName>ppt_x</p:attrName>
+                                        </p:attrNameLst>
+                                      </p:cBhvr>
+                                      <p:tavLst>
+                                        <p:tav tm="0">
+                                          <p:val>
+                                            <p:strVal val="0-#ppt_w/2"/>
+                                          </p:val>
+                                        </p:tav>
+                                        <p:tav tm="100000">
+                                          <p:val>
+                                            <p:strVal val="#ppt_x"/>
+                                          </p:val>
+                                        </p:tav>
+                                      </p:tavLst>
+                                    </p:anim>
+                                    <p:anim calcmode="lin" valueType="num">
+                                      <p:cBhvr additive="base">
+                                        <p:cTn id="14" dur="500" fill="hold"/>
+                                        <p:tgtEl>
+                                          <p:spTgt spid="3">
+                                            <p:txEl>
+                                              <p:pRg st="2" end="2"/>
+                                            </p:txEl>
+                                          </p:spTgt>
+                                        </p:tgtEl>
+                                        <p:attrNameLst>
+                                          <p:attrName>ppt_y</p:attrName>
+                                        </p:attrNameLst>
+                                      </p:cBhvr>
+                                      <p:tavLst>
+                                        <p:tav tm="0">
+                                          <p:val>
+                                            <p:strVal val="#ppt_y"/>
+                                          </p:val>
+                                        </p:tav>
+                                        <p:tav tm="100000">
+                                          <p:val>
+                                            <p:strVal val="#ppt_y"/>
+                                          </p:val>
+                                        </p:tav>
+                                      </p:tavLst>
+                                    </p:anim>
+                                  </p:childTnLst>
+                                </p:cTn>
+                              </p:par>
+                            </p:childTnLst>
+                          </p:cTn>
+                        </p:par>
+                      </p:childTnLst>
+                    </p:cTn>
+                  </p:par>
+                  <p:par>
+                    <p:cTn id="15" fill="hold">
+                      <p:stCondLst>
+                        <p:cond delay="indefinite"/>
+                      </p:stCondLst>
+                      <p:childTnLst>
+                        <p:par>
+                          <p:cTn id="16" fill="hold">
+                            <p:stCondLst>
+                              <p:cond delay="0"/>
+                            </p:stCondLst>
+                            <p:childTnLst>
+                              <p:par>
+                                <p:cTn id="17" presetID="2" presetClass="entr" presetSubtype="8" fill="hold" grpId="0" nodeType="clickEffect">
+                                  <p:stCondLst>
+                                    <p:cond delay="0"/>
+                                  </p:stCondLst>
+                                  <p:childTnLst>
+                                    <p:set>
+                                      <p:cBhvr>
+                                        <p:cTn id="18" dur="1" fill="hold">
+                                          <p:stCondLst>
+                                            <p:cond delay="0"/>
+                                          </p:stCondLst>
+                                        </p:cTn>
+                                        <p:tgtEl>
+                                          <p:spTgt spid="3">
+                                            <p:txEl>
+                                              <p:pRg st="4" end="4"/>
+                                            </p:txEl>
+                                          </p:spTgt>
+                                        </p:tgtEl>
+                                        <p:attrNameLst>
+                                          <p:attrName>style.visibility</p:attrName>
+                                        </p:attrNameLst>
+                                      </p:cBhvr>
+                                      <p:to>
+                                        <p:strVal val="visible"/>
+                                      </p:to>
+                                    </p:set>
+                                    <p:anim calcmode="lin" valueType="num">
+                                      <p:cBhvr additive="base">
+                                        <p:cTn id="19" dur="500" fill="hold"/>
+                                        <p:tgtEl>
+                                          <p:spTgt spid="3">
+                                            <p:txEl>
+                                              <p:pRg st="4" end="4"/>
+                                            </p:txEl>
+                                          </p:spTgt>
+                                        </p:tgtEl>
+                                        <p:attrNameLst>
+                                          <p:attrName>ppt_x</p:attrName>
+                                        </p:attrNameLst>
+                                      </p:cBhvr>
+                                      <p:tavLst>
+                                        <p:tav tm="0">
+                                          <p:val>
+                                            <p:strVal val="0-#ppt_w/2"/>
+                                          </p:val>
+                                        </p:tav>
+                                        <p:tav tm="100000">
+                                          <p:val>
+                                            <p:strVal val="#ppt_x"/>
+                                          </p:val>
+                                        </p:tav>
+                                      </p:tavLst>
+                                    </p:anim>
+                                    <p:anim calcmode="lin" valueType="num">
+                                      <p:cBhvr additive="base">
+                                        <p:cTn id="20" dur="500" fill="hold"/>
+                                        <p:tgtEl>
+                                          <p:spTgt spid="3">
+                                            <p:txEl>
+                                              <p:pRg st="4" end="4"/>
+                                            </p:txEl>
+                                          </p:spTgt>
+                                        </p:tgtEl>
+                                        <p:attrNameLst>
+                                          <p:attrName>ppt_y</p:attrName>
+                                        </p:attrNameLst>
+                                      </p:cBhvr>
+                                      <p:tavLst>
+                                        <p:tav tm="0">
+                                          <p:val>
+                                            <p:strVal val="#ppt_y"/>
+                                          </p:val>
+                                        </p:tav>
+                                        <p:tav tm="100000">
+                                          <p:val>
+                                            <p:strVal val="#ppt_y"/>
+                                          </p:val>
+                                        </p:tav>
+                                      </p:tavLst>
+                                    </p:anim>
+                                  </p:childTnLst>
+                                </p:cTn>
+                              </p:par>
+                              <p:par>
+                                <p:cTn id="21" presetID="2" presetClass="entr" presetSubtype="4" fill="hold" nodeType="withEffect">
+                                  <p:stCondLst>
+                                    <p:cond delay="0"/>
+                                  </p:stCondLst>
+                                  <p:childTnLst>
+                                    <p:set>
+                                      <p:cBhvr>
+                                        <p:cTn id="22" dur="1" fill="hold">
+                                          <p:stCondLst>
+                                            <p:cond delay="0"/>
+                                          </p:stCondLst>
+                                        </p:cTn>
+                                        <p:tgtEl>
+                                          <p:spTgt spid="2050"/>
+                                        </p:tgtEl>
+                                        <p:attrNameLst>
+                                          <p:attrName>style.visibility</p:attrName>
+                                        </p:attrNameLst>
+                                      </p:cBhvr>
+                                      <p:to>
+                                        <p:strVal val="visible"/>
+                                      </p:to>
+                                    </p:set>
+                                    <p:anim calcmode="lin" valueType="num">
+                                      <p:cBhvr additive="base">
+                                        <p:cTn id="23" dur="500" fill="hold"/>
+                                        <p:tgtEl>
+                                          <p:spTgt spid="2050"/>
+                                        </p:tgtEl>
+                                        <p:attrNameLst>
+                                          <p:attrName>ppt_x</p:attrName>
+                                        </p:attrNameLst>
+                                      </p:cBhvr>
+                                      <p:tavLst>
+                                        <p:tav tm="0">
+                                          <p:val>
+                                            <p:strVal val="#ppt_x"/>
+                                          </p:val>
+                                        </p:tav>
+                                        <p:tav tm="100000">
+                                          <p:val>
+                                            <p:strVal val="#ppt_x"/>
+                                          </p:val>
+                                        </p:tav>
+                                      </p:tavLst>
+                                    </p:anim>
+                                    <p:anim calcmode="lin" valueType="num">
+                                      <p:cBhvr additive="base">
+                                        <p:cTn id="24" dur="500" fill="hold"/>
+                                        <p:tgtEl>
+                                          <p:spTgt spid="2050"/>
+                                        </p:tgtEl>
+                                        <p:attrNameLst>
+                                          <p:attrName>ppt_y</p:attrName>
+                                        </p:attrNameLst>
+                                      </p:cBhvr>
+                                      <p:tavLst>
+                                        <p:tav tm="0">
+                                          <p:val>
+                                            <p:strVal val="1+#ppt_h/2"/>
+                                          </p:val>
+                                        </p:tav>
+                                        <p:tav tm="100000">
+                                          <p:val>
+                                            <p:strVal val="#ppt_y"/>
+                                          </p:val>
+                                        </p:tav>
+                                      </p:tavLst>
+                                    </p:anim>
+                                  </p:childTnLst>
+                                </p:cTn>
+                              </p:par>
+                            </p:childTnLst>
+                          </p:cTn>
+                        </p:par>
+                      </p:childTnLst>
+                    </p:cTn>
+                  </p:par>
+                  <p:par>
+                    <p:cTn id="25" fill="hold">
+                      <p:stCondLst>
+                        <p:cond delay="indefinite"/>
+                      </p:stCondLst>
+                      <p:childTnLst>
+                        <p:par>
+                          <p:cTn id="26" fill="hold">
+                            <p:stCondLst>
+                              <p:cond delay="0"/>
+                            </p:stCondLst>
+                            <p:childTnLst>
+                              <p:par>
+                                <p:cTn id="27" presetID="2" presetClass="entr" presetSubtype="2" fill="hold" grpId="0" nodeType="clickEffect">
+                                  <p:stCondLst>
+                                    <p:cond delay="0"/>
+                                  </p:stCondLst>
+                                  <p:childTnLst>
+                                    <p:set>
+                                      <p:cBhvr>
+                                        <p:cTn id="28" dur="1" fill="hold">
+                                          <p:stCondLst>
+                                            <p:cond delay="0"/>
+                                          </p:stCondLst>
+                                        </p:cTn>
+                                        <p:tgtEl>
+                                          <p:spTgt spid="5"/>
+                                        </p:tgtEl>
+                                        <p:attrNameLst>
+                                          <p:attrName>style.visibility</p:attrName>
+                                        </p:attrNameLst>
+                                      </p:cBhvr>
+                                      <p:to>
+                                        <p:strVal val="visible"/>
+                                      </p:to>
+                                    </p:set>
+                                    <p:anim calcmode="lin" valueType="num">
+                                      <p:cBhvr additive="base">
+                                        <p:cTn id="29" dur="500" fill="hold"/>
+                                        <p:tgtEl>
+                                          <p:spTgt spid="5"/>
+                                        </p:tgtEl>
+                                        <p:attrNameLst>
+                                          <p:attrName>ppt_x</p:attrName>
+                                        </p:attrNameLst>
+                                      </p:cBhvr>
+                                      <p:tavLst>
+                                        <p:tav tm="0">
+                                          <p:val>
+                                            <p:strVal val="1+#ppt_w/2"/>
+                                          </p:val>
+                                        </p:tav>
+                                        <p:tav tm="100000">
+                                          <p:val>
+                                            <p:strVal val="#ppt_x"/>
+                                          </p:val>
+                                        </p:tav>
+                                      </p:tavLst>
+                                    </p:anim>
+                                    <p:anim calcmode="lin" valueType="num">
+                                      <p:cBhvr additive="base">
+                                        <p:cTn id="30" dur="500" fill="hold"/>
+                                        <p:tgtEl>
+                                          <p:spTgt spid="5"/>
+                                        </p:tgtEl>
+                                        <p:attrNameLst>
+                                          <p:attrName>ppt_y</p:attrName>
+                                        </p:attrNameLst>
+                                      </p:cBhvr>
+                                      <p:tavLst>
+                                        <p:tav tm="0">
+                                          <p:val>
+                                            <p:strVal val="#ppt_y"/>
+                                          </p:val>
+                                        </p:tav>
+                                        <p:tav tm="100000">
+                                          <p:val>
+                                            <p:strVal val="#ppt_y"/>
+                                          </p:val>
+                                        </p:tav>
+                                      </p:tavLst>
+                                    </p:anim>
+                                  </p:childTnLst>
+                                </p:cTn>
+                              </p:par>
+                              <p:par>
+                                <p:cTn id="31" presetID="2" presetClass="entr" presetSubtype="4" fill="hold" nodeType="withEffect">
+                                  <p:stCondLst>
+                                    <p:cond delay="0"/>
+                                  </p:stCondLst>
+                                  <p:childTnLst>
+                                    <p:set>
+                                      <p:cBhvr>
+                                        <p:cTn id="32" dur="1" fill="hold">
+                                          <p:stCondLst>
+                                            <p:cond delay="0"/>
+                                          </p:stCondLst>
+                                        </p:cTn>
+                                        <p:tgtEl>
+                                          <p:spTgt spid="6"/>
+                                        </p:tgtEl>
+                                        <p:attrNameLst>
+                                          <p:attrName>style.visibility</p:attrName>
+                                        </p:attrNameLst>
+                                      </p:cBhvr>
+                                      <p:to>
+                                        <p:strVal val="visible"/>
+                                      </p:to>
+                                    </p:set>
+                                    <p:anim calcmode="lin" valueType="num">
+                                      <p:cBhvr additive="base">
+                                        <p:cTn id="33" dur="500" fill="hold"/>
+                                        <p:tgtEl>
+                                          <p:spTgt spid="6"/>
+                                        </p:tgtEl>
+                                        <p:attrNameLst>
+                                          <p:attrName>ppt_x</p:attrName>
+                                        </p:attrNameLst>
+                                      </p:cBhvr>
+                                      <p:tavLst>
+                                        <p:tav tm="0">
+                                          <p:val>
+                                            <p:strVal val="#ppt_x"/>
+                                          </p:val>
+                                        </p:tav>
+                                        <p:tav tm="100000">
+                                          <p:val>
+                                            <p:strVal val="#ppt_x"/>
+                                          </p:val>
+                                        </p:tav>
+                                      </p:tavLst>
+                                    </p:anim>
+                                    <p:anim calcmode="lin" valueType="num">
+                                      <p:cBhvr additive="base">
+                                        <p:cTn id="34" dur="500" fill="hold"/>
+                                        <p:tgtEl>
+                                          <p:spTgt spid="6"/>
+                                        </p:tgtEl>
+                                        <p:attrNameLst>
+                                          <p:attrName>ppt_y</p:attrName>
+                                        </p:attrNameLst>
+                                      </p:cBhvr>
+                                      <p:tavLst>
+                                        <p:tav tm="0">
+                                          <p:val>
+                                            <p:strVal val="1+#ppt_h/2"/>
+                                          </p:val>
+                                        </p:tav>
+                                        <p:tav tm="100000">
+                                          <p:val>
+                                            <p:strVal val="#ppt_y"/>
+                                          </p:val>
+                                        </p:tav>
+                                      </p:tavLst>
+                                    </p:anim>
+                                  </p:childTnLst>
+                                </p:cTn>
+                              </p:par>
+                            </p:childTnLst>
+                          </p:cTn>
+                        </p:par>
+                      </p:childTnLst>
+                    </p:cTn>
+                  </p:par>
+                </p:childTnLst>
+              </p:cTn>
+              <p:prevCondLst>
+                <p:cond evt="onPrev" delay="0">
+                  <p:tgtEl>
+                    <p:sldTgt/>
+                  </p:tgtEl>
+                </p:cond>
+              </p:prevCondLst>
+              <p:nextCondLst>
+                <p:cond evt="onNext" delay="0">
+                  <p:tgtEl>
+                    <p:sldTgt/>
+                  </p:tgtEl>
+                </p:cond>
+              </p:nextCondLst>
+            </p:seq>
+          </p:childTnLst>
+        </p:cTn>
+      </p:par>
+    </p:tnLst>
+    <p:bldLst>
+      <p:bldP spid="3" grpId="0" build="p"/>
+      <p:bldP spid="5" grpId="0"/>
+    </p:bldLst>
+  </p:timing>
 </p:sld>
 </file>
 
@@ -3892,6 +5991,211 @@
           </a:p>
         </p:txBody>
       </p:sp>
+      <p:pic>
+        <p:nvPicPr>
+          <p:cNvPr id="2050" name="Picture 2" descr="3,403 Thumbs Up Emoji Illustrations &amp; Clip Art - iStock"/>
+          <p:cNvPicPr>
+            <a:picLocks noChangeAspect="1" noChangeArrowheads="1"/>
+          </p:cNvPicPr>
+          <p:nvPr/>
+        </p:nvPicPr>
+        <p:blipFill>
+          <a:blip r:embed="rId2">
+            <a:extLst>
+              <a:ext uri="{28A0092B-C50C-407E-A947-70E740481C1C}">
+                <a14:useLocalDpi xmlns:a14="http://schemas.microsoft.com/office/drawing/2010/main" val="0"/>
+              </a:ext>
+            </a:extLst>
+          </a:blip>
+          <a:srcRect/>
+          <a:stretch>
+            <a:fillRect/>
+          </a:stretch>
+        </p:blipFill>
+        <p:spPr bwMode="auto">
+          <a:xfrm>
+            <a:off x="2573413" y="127844"/>
+            <a:ext cx="6872427" cy="6580461"/>
+          </a:xfrm>
+          <a:prstGeom prst="rect">
+            <a:avLst/>
+          </a:prstGeom>
+          <a:noFill/>
+          <a:extLst>
+            <a:ext uri="{909E8E84-426E-40DD-AFC4-6F175D3DCCD1}">
+              <a14:hiddenFill xmlns:a14="http://schemas.microsoft.com/office/drawing/2010/main">
+                <a:solidFill>
+                  <a:srgbClr val="FFFFFF"/>
+                </a:solidFill>
+              </a14:hiddenFill>
+            </a:ext>
+          </a:extLst>
+        </p:spPr>
+      </p:pic>
+      <p:pic>
+        <p:nvPicPr>
+          <p:cNvPr id="2052" name="Picture 4" descr="Explosive light effect material, blast, light effect png | PNGEgg"/>
+          <p:cNvPicPr>
+            <a:picLocks noChangeAspect="1" noChangeArrowheads="1"/>
+          </p:cNvPicPr>
+          <p:nvPr/>
+        </p:nvPicPr>
+        <p:blipFill>
+          <a:blip r:embed="rId3" cstate="print">
+            <a:extLst>
+              <a:ext uri="{28A0092B-C50C-407E-A947-70E740481C1C}">
+                <a14:useLocalDpi xmlns:a14="http://schemas.microsoft.com/office/drawing/2010/main" val="0"/>
+              </a:ext>
+            </a:extLst>
+          </a:blip>
+          <a:srcRect/>
+          <a:stretch>
+            <a:fillRect/>
+          </a:stretch>
+        </p:blipFill>
+        <p:spPr bwMode="auto">
+          <a:xfrm>
+            <a:off x="8651779" y="490442"/>
+            <a:ext cx="2872761" cy="2553565"/>
+          </a:xfrm>
+          <a:prstGeom prst="rect">
+            <a:avLst/>
+          </a:prstGeom>
+          <a:noFill/>
+          <a:extLst>
+            <a:ext uri="{909E8E84-426E-40DD-AFC4-6F175D3DCCD1}">
+              <a14:hiddenFill xmlns:a14="http://schemas.microsoft.com/office/drawing/2010/main">
+                <a:solidFill>
+                  <a:srgbClr val="FFFFFF"/>
+                </a:solidFill>
+              </a14:hiddenFill>
+            </a:ext>
+          </a:extLst>
+        </p:spPr>
+      </p:pic>
+      <p:pic>
+        <p:nvPicPr>
+          <p:cNvPr id="2054" name="Picture 6" descr="Explosive light effect material, blast, light effect png | PNGEgg"/>
+          <p:cNvPicPr>
+            <a:picLocks noChangeAspect="1" noChangeArrowheads="1"/>
+          </p:cNvPicPr>
+          <p:nvPr/>
+        </p:nvPicPr>
+        <p:blipFill>
+          <a:blip r:embed="rId3" cstate="print">
+            <a:extLst>
+              <a:ext uri="{28A0092B-C50C-407E-A947-70E740481C1C}">
+                <a14:useLocalDpi xmlns:a14="http://schemas.microsoft.com/office/drawing/2010/main" val="0"/>
+              </a:ext>
+            </a:extLst>
+          </a:blip>
+          <a:srcRect/>
+          <a:stretch>
+            <a:fillRect/>
+          </a:stretch>
+        </p:blipFill>
+        <p:spPr bwMode="auto">
+          <a:xfrm>
+            <a:off x="497149" y="3673339"/>
+            <a:ext cx="3186189" cy="2832168"/>
+          </a:xfrm>
+          <a:prstGeom prst="rect">
+            <a:avLst/>
+          </a:prstGeom>
+          <a:noFill/>
+          <a:extLst>
+            <a:ext uri="{909E8E84-426E-40DD-AFC4-6F175D3DCCD1}">
+              <a14:hiddenFill xmlns:a14="http://schemas.microsoft.com/office/drawing/2010/main">
+                <a:solidFill>
+                  <a:srgbClr val="FFFFFF"/>
+                </a:solidFill>
+              </a14:hiddenFill>
+            </a:ext>
+          </a:extLst>
+        </p:spPr>
+      </p:pic>
+      <p:pic>
+        <p:nvPicPr>
+          <p:cNvPr id="6" name="Picture 2" descr="3,403 Thumbs Up Emoji Illustrations &amp; Clip Art - iStock"/>
+          <p:cNvPicPr>
+            <a:picLocks noChangeAspect="1" noChangeArrowheads="1"/>
+          </p:cNvPicPr>
+          <p:nvPr/>
+        </p:nvPicPr>
+        <p:blipFill>
+          <a:blip r:embed="rId2" cstate="print">
+            <a:extLst>
+              <a:ext uri="{28A0092B-C50C-407E-A947-70E740481C1C}">
+                <a14:useLocalDpi xmlns:a14="http://schemas.microsoft.com/office/drawing/2010/main" val="0"/>
+              </a:ext>
+            </a:extLst>
+          </a:blip>
+          <a:srcRect/>
+          <a:stretch>
+            <a:fillRect/>
+          </a:stretch>
+        </p:blipFill>
+        <p:spPr bwMode="auto">
+          <a:xfrm>
+            <a:off x="204555" y="127844"/>
+            <a:ext cx="2136471" cy="2045706"/>
+          </a:xfrm>
+          <a:prstGeom prst="rect">
+            <a:avLst/>
+          </a:prstGeom>
+          <a:noFill/>
+          <a:extLst>
+            <a:ext uri="{909E8E84-426E-40DD-AFC4-6F175D3DCCD1}">
+              <a14:hiddenFill xmlns:a14="http://schemas.microsoft.com/office/drawing/2010/main">
+                <a:solidFill>
+                  <a:srgbClr val="FFFFFF"/>
+                </a:solidFill>
+              </a14:hiddenFill>
+            </a:ext>
+          </a:extLst>
+        </p:spPr>
+      </p:pic>
+      <p:pic>
+        <p:nvPicPr>
+          <p:cNvPr id="7" name="Picture 2" descr="3,403 Thumbs Up Emoji Illustrations &amp; Clip Art - iStock"/>
+          <p:cNvPicPr>
+            <a:picLocks noChangeAspect="1" noChangeArrowheads="1"/>
+          </p:cNvPicPr>
+          <p:nvPr/>
+        </p:nvPicPr>
+        <p:blipFill>
+          <a:blip r:embed="rId2" cstate="print">
+            <a:extLst>
+              <a:ext uri="{28A0092B-C50C-407E-A947-70E740481C1C}">
+                <a14:useLocalDpi xmlns:a14="http://schemas.microsoft.com/office/drawing/2010/main" val="0"/>
+              </a:ext>
+            </a:extLst>
+          </a:blip>
+          <a:srcRect/>
+          <a:stretch>
+            <a:fillRect/>
+          </a:stretch>
+        </p:blipFill>
+        <p:spPr bwMode="auto">
+          <a:xfrm>
+            <a:off x="9678227" y="4662599"/>
+            <a:ext cx="2136471" cy="2045706"/>
+          </a:xfrm>
+          <a:prstGeom prst="rect">
+            <a:avLst/>
+          </a:prstGeom>
+          <a:noFill/>
+          <a:extLst>
+            <a:ext uri="{909E8E84-426E-40DD-AFC4-6F175D3DCCD1}">
+              <a14:hiddenFill xmlns:a14="http://schemas.microsoft.com/office/drawing/2010/main">
+                <a:solidFill>
+                  <a:srgbClr val="FFFFFF"/>
+                </a:solidFill>
+              </a14:hiddenFill>
+            </a:ext>
+          </a:extLst>
+        </p:spPr>
+      </p:pic>
     </p:spTree>
     <p:extLst>
       <p:ext uri="{BB962C8B-B14F-4D97-AF65-F5344CB8AC3E}">
@@ -3902,6 +6206,2025 @@
   <p:clrMapOvr>
     <a:masterClrMapping/>
   </p:clrMapOvr>
+  <p:timing>
+    <p:tnLst>
+      <p:par>
+        <p:cTn id="1" dur="indefinite" restart="never" nodeType="tmRoot">
+          <p:childTnLst>
+            <p:seq concurrent="1" nextAc="seek">
+              <p:cTn id="2" dur="indefinite" nodeType="mainSeq">
+                <p:childTnLst>
+                  <p:par>
+                    <p:cTn id="3" fill="hold">
+                      <p:stCondLst>
+                        <p:cond delay="indefinite"/>
+                      </p:stCondLst>
+                      <p:childTnLst>
+                        <p:par>
+                          <p:cTn id="4" fill="hold">
+                            <p:stCondLst>
+                              <p:cond delay="0"/>
+                            </p:stCondLst>
+                            <p:childTnLst>
+                              <p:par>
+                                <p:cTn id="5" presetID="1" presetClass="entr" presetSubtype="0" fill="hold" nodeType="clickEffect">
+                                  <p:stCondLst>
+                                    <p:cond delay="0"/>
+                                  </p:stCondLst>
+                                  <p:childTnLst>
+                                    <p:set>
+                                      <p:cBhvr>
+                                        <p:cTn id="6" dur="1" fill="hold">
+                                          <p:stCondLst>
+                                            <p:cond delay="0"/>
+                                          </p:stCondLst>
+                                        </p:cTn>
+                                        <p:tgtEl>
+                                          <p:spTgt spid="2052"/>
+                                        </p:tgtEl>
+                                        <p:attrNameLst>
+                                          <p:attrName>style.visibility</p:attrName>
+                                        </p:attrNameLst>
+                                      </p:cBhvr>
+                                      <p:to>
+                                        <p:strVal val="visible"/>
+                                      </p:to>
+                                    </p:set>
+                                  </p:childTnLst>
+                                </p:cTn>
+                              </p:par>
+                              <p:par>
+                                <p:cTn id="7" presetID="1" presetClass="entr" presetSubtype="0" fill="hold" nodeType="withEffect">
+                                  <p:stCondLst>
+                                    <p:cond delay="0"/>
+                                  </p:stCondLst>
+                                  <p:childTnLst>
+                                    <p:set>
+                                      <p:cBhvr>
+                                        <p:cTn id="8" dur="1" fill="hold">
+                                          <p:stCondLst>
+                                            <p:cond delay="0"/>
+                                          </p:stCondLst>
+                                        </p:cTn>
+                                        <p:tgtEl>
+                                          <p:spTgt spid="2054"/>
+                                        </p:tgtEl>
+                                        <p:attrNameLst>
+                                          <p:attrName>style.visibility</p:attrName>
+                                        </p:attrNameLst>
+                                      </p:cBhvr>
+                                      <p:to>
+                                        <p:strVal val="visible"/>
+                                      </p:to>
+                                    </p:set>
+                                  </p:childTnLst>
+                                </p:cTn>
+                              </p:par>
+                            </p:childTnLst>
+                          </p:cTn>
+                        </p:par>
+                      </p:childTnLst>
+                    </p:cTn>
+                  </p:par>
+                  <p:par>
+                    <p:cTn id="9" fill="hold">
+                      <p:stCondLst>
+                        <p:cond delay="indefinite"/>
+                      </p:stCondLst>
+                      <p:childTnLst>
+                        <p:par>
+                          <p:cTn id="10" fill="hold">
+                            <p:stCondLst>
+                              <p:cond delay="0"/>
+                            </p:stCondLst>
+                            <p:childTnLst>
+                              <p:par>
+                                <p:cTn id="11" presetID="1" presetClass="exit" presetSubtype="0" fill="hold" nodeType="clickEffect">
+                                  <p:stCondLst>
+                                    <p:cond delay="0"/>
+                                  </p:stCondLst>
+                                  <p:childTnLst>
+                                    <p:set>
+                                      <p:cBhvr>
+                                        <p:cTn id="12" dur="1" fill="hold">
+                                          <p:stCondLst>
+                                            <p:cond delay="0"/>
+                                          </p:stCondLst>
+                                        </p:cTn>
+                                        <p:tgtEl>
+                                          <p:spTgt spid="2052"/>
+                                        </p:tgtEl>
+                                        <p:attrNameLst>
+                                          <p:attrName>style.visibility</p:attrName>
+                                        </p:attrNameLst>
+                                      </p:cBhvr>
+                                      <p:to>
+                                        <p:strVal val="hidden"/>
+                                      </p:to>
+                                    </p:set>
+                                  </p:childTnLst>
+                                </p:cTn>
+                              </p:par>
+                              <p:par>
+                                <p:cTn id="13" presetID="1" presetClass="exit" presetSubtype="0" fill="hold" nodeType="withEffect">
+                                  <p:stCondLst>
+                                    <p:cond delay="0"/>
+                                  </p:stCondLst>
+                                  <p:childTnLst>
+                                    <p:set>
+                                      <p:cBhvr>
+                                        <p:cTn id="14" dur="1" fill="hold">
+                                          <p:stCondLst>
+                                            <p:cond delay="0"/>
+                                          </p:stCondLst>
+                                        </p:cTn>
+                                        <p:tgtEl>
+                                          <p:spTgt spid="2054"/>
+                                        </p:tgtEl>
+                                        <p:attrNameLst>
+                                          <p:attrName>style.visibility</p:attrName>
+                                        </p:attrNameLst>
+                                      </p:cBhvr>
+                                      <p:to>
+                                        <p:strVal val="hidden"/>
+                                      </p:to>
+                                    </p:set>
+                                  </p:childTnLst>
+                                </p:cTn>
+                              </p:par>
+                            </p:childTnLst>
+                          </p:cTn>
+                        </p:par>
+                      </p:childTnLst>
+                    </p:cTn>
+                  </p:par>
+                  <p:par>
+                    <p:cTn id="15" fill="hold">
+                      <p:stCondLst>
+                        <p:cond delay="indefinite"/>
+                      </p:stCondLst>
+                      <p:childTnLst>
+                        <p:par>
+                          <p:cTn id="16" fill="hold">
+                            <p:stCondLst>
+                              <p:cond delay="0"/>
+                            </p:stCondLst>
+                            <p:childTnLst>
+                              <p:par>
+                                <p:cTn id="17" presetID="45" presetClass="entr" presetSubtype="0" fill="hold" nodeType="clickEffect">
+                                  <p:stCondLst>
+                                    <p:cond delay="0"/>
+                                  </p:stCondLst>
+                                  <p:childTnLst>
+                                    <p:set>
+                                      <p:cBhvr>
+                                        <p:cTn id="18" dur="1" fill="hold">
+                                          <p:stCondLst>
+                                            <p:cond delay="0"/>
+                                          </p:stCondLst>
+                                        </p:cTn>
+                                        <p:tgtEl>
+                                          <p:spTgt spid="2050"/>
+                                        </p:tgtEl>
+                                        <p:attrNameLst>
+                                          <p:attrName>style.visibility</p:attrName>
+                                        </p:attrNameLst>
+                                      </p:cBhvr>
+                                      <p:to>
+                                        <p:strVal val="visible"/>
+                                      </p:to>
+                                    </p:set>
+                                    <p:animEffect transition="in" filter="fade">
+                                      <p:cBhvr>
+                                        <p:cTn id="19" dur="2000"/>
+                                        <p:tgtEl>
+                                          <p:spTgt spid="2050"/>
+                                        </p:tgtEl>
+                                      </p:cBhvr>
+                                    </p:animEffect>
+                                    <p:anim calcmode="lin" valueType="num">
+                                      <p:cBhvr>
+                                        <p:cTn id="20" dur="2000" fill="hold"/>
+                                        <p:tgtEl>
+                                          <p:spTgt spid="2050"/>
+                                        </p:tgtEl>
+                                        <p:attrNameLst>
+                                          <p:attrName>ppt_w</p:attrName>
+                                        </p:attrNameLst>
+                                      </p:cBhvr>
+                                      <p:tavLst>
+                                        <p:tav tm="0" fmla="#ppt_w*sin(2.5*pi*$)">
+                                          <p:val>
+                                            <p:fltVal val="0"/>
+                                          </p:val>
+                                        </p:tav>
+                                        <p:tav tm="100000">
+                                          <p:val>
+                                            <p:fltVal val="1"/>
+                                          </p:val>
+                                        </p:tav>
+                                      </p:tavLst>
+                                    </p:anim>
+                                    <p:anim calcmode="lin" valueType="num">
+                                      <p:cBhvr>
+                                        <p:cTn id="21" dur="2000" fill="hold"/>
+                                        <p:tgtEl>
+                                          <p:spTgt spid="2050"/>
+                                        </p:tgtEl>
+                                        <p:attrNameLst>
+                                          <p:attrName>ppt_h</p:attrName>
+                                        </p:attrNameLst>
+                                      </p:cBhvr>
+                                      <p:tavLst>
+                                        <p:tav tm="0">
+                                          <p:val>
+                                            <p:strVal val="#ppt_h"/>
+                                          </p:val>
+                                        </p:tav>
+                                        <p:tav tm="100000">
+                                          <p:val>
+                                            <p:strVal val="#ppt_h"/>
+                                          </p:val>
+                                        </p:tav>
+                                      </p:tavLst>
+                                    </p:anim>
+                                  </p:childTnLst>
+                                </p:cTn>
+                              </p:par>
+                              <p:par>
+                                <p:cTn id="22" presetID="45" presetClass="entr" presetSubtype="0" fill="hold" nodeType="withEffect">
+                                  <p:stCondLst>
+                                    <p:cond delay="0"/>
+                                  </p:stCondLst>
+                                  <p:childTnLst>
+                                    <p:set>
+                                      <p:cBhvr>
+                                        <p:cTn id="23" dur="1" fill="hold">
+                                          <p:stCondLst>
+                                            <p:cond delay="0"/>
+                                          </p:stCondLst>
+                                        </p:cTn>
+                                        <p:tgtEl>
+                                          <p:spTgt spid="6"/>
+                                        </p:tgtEl>
+                                        <p:attrNameLst>
+                                          <p:attrName>style.visibility</p:attrName>
+                                        </p:attrNameLst>
+                                      </p:cBhvr>
+                                      <p:to>
+                                        <p:strVal val="visible"/>
+                                      </p:to>
+                                    </p:set>
+                                    <p:animEffect transition="in" filter="fade">
+                                      <p:cBhvr>
+                                        <p:cTn id="24" dur="2000"/>
+                                        <p:tgtEl>
+                                          <p:spTgt spid="6"/>
+                                        </p:tgtEl>
+                                      </p:cBhvr>
+                                    </p:animEffect>
+                                    <p:anim calcmode="lin" valueType="num">
+                                      <p:cBhvr>
+                                        <p:cTn id="25" dur="2000" fill="hold"/>
+                                        <p:tgtEl>
+                                          <p:spTgt spid="6"/>
+                                        </p:tgtEl>
+                                        <p:attrNameLst>
+                                          <p:attrName>ppt_w</p:attrName>
+                                        </p:attrNameLst>
+                                      </p:cBhvr>
+                                      <p:tavLst>
+                                        <p:tav tm="0" fmla="#ppt_w*sin(2.5*pi*$)">
+                                          <p:val>
+                                            <p:fltVal val="0"/>
+                                          </p:val>
+                                        </p:tav>
+                                        <p:tav tm="100000">
+                                          <p:val>
+                                            <p:fltVal val="1"/>
+                                          </p:val>
+                                        </p:tav>
+                                      </p:tavLst>
+                                    </p:anim>
+                                    <p:anim calcmode="lin" valueType="num">
+                                      <p:cBhvr>
+                                        <p:cTn id="26" dur="2000" fill="hold"/>
+                                        <p:tgtEl>
+                                          <p:spTgt spid="6"/>
+                                        </p:tgtEl>
+                                        <p:attrNameLst>
+                                          <p:attrName>ppt_h</p:attrName>
+                                        </p:attrNameLst>
+                                      </p:cBhvr>
+                                      <p:tavLst>
+                                        <p:tav tm="0">
+                                          <p:val>
+                                            <p:strVal val="#ppt_h"/>
+                                          </p:val>
+                                        </p:tav>
+                                        <p:tav tm="100000">
+                                          <p:val>
+                                            <p:strVal val="#ppt_h"/>
+                                          </p:val>
+                                        </p:tav>
+                                      </p:tavLst>
+                                    </p:anim>
+                                  </p:childTnLst>
+                                </p:cTn>
+                              </p:par>
+                              <p:par>
+                                <p:cTn id="27" presetID="45" presetClass="entr" presetSubtype="0" fill="hold" nodeType="withEffect">
+                                  <p:stCondLst>
+                                    <p:cond delay="0"/>
+                                  </p:stCondLst>
+                                  <p:childTnLst>
+                                    <p:set>
+                                      <p:cBhvr>
+                                        <p:cTn id="28" dur="1" fill="hold">
+                                          <p:stCondLst>
+                                            <p:cond delay="0"/>
+                                          </p:stCondLst>
+                                        </p:cTn>
+                                        <p:tgtEl>
+                                          <p:spTgt spid="7"/>
+                                        </p:tgtEl>
+                                        <p:attrNameLst>
+                                          <p:attrName>style.visibility</p:attrName>
+                                        </p:attrNameLst>
+                                      </p:cBhvr>
+                                      <p:to>
+                                        <p:strVal val="visible"/>
+                                      </p:to>
+                                    </p:set>
+                                    <p:animEffect transition="in" filter="fade">
+                                      <p:cBhvr>
+                                        <p:cTn id="29" dur="2000"/>
+                                        <p:tgtEl>
+                                          <p:spTgt spid="7"/>
+                                        </p:tgtEl>
+                                      </p:cBhvr>
+                                    </p:animEffect>
+                                    <p:anim calcmode="lin" valueType="num">
+                                      <p:cBhvr>
+                                        <p:cTn id="30" dur="2000" fill="hold"/>
+                                        <p:tgtEl>
+                                          <p:spTgt spid="7"/>
+                                        </p:tgtEl>
+                                        <p:attrNameLst>
+                                          <p:attrName>ppt_w</p:attrName>
+                                        </p:attrNameLst>
+                                      </p:cBhvr>
+                                      <p:tavLst>
+                                        <p:tav tm="0" fmla="#ppt_w*sin(2.5*pi*$)">
+                                          <p:val>
+                                            <p:fltVal val="0"/>
+                                          </p:val>
+                                        </p:tav>
+                                        <p:tav tm="100000">
+                                          <p:val>
+                                            <p:fltVal val="1"/>
+                                          </p:val>
+                                        </p:tav>
+                                      </p:tavLst>
+                                    </p:anim>
+                                    <p:anim calcmode="lin" valueType="num">
+                                      <p:cBhvr>
+                                        <p:cTn id="31" dur="2000" fill="hold"/>
+                                        <p:tgtEl>
+                                          <p:spTgt spid="7"/>
+                                        </p:tgtEl>
+                                        <p:attrNameLst>
+                                          <p:attrName>ppt_h</p:attrName>
+                                        </p:attrNameLst>
+                                      </p:cBhvr>
+                                      <p:tavLst>
+                                        <p:tav tm="0">
+                                          <p:val>
+                                            <p:strVal val="#ppt_h"/>
+                                          </p:val>
+                                        </p:tav>
+                                        <p:tav tm="100000">
+                                          <p:val>
+                                            <p:strVal val="#ppt_h"/>
+                                          </p:val>
+                                        </p:tav>
+                                      </p:tavLst>
+                                    </p:anim>
+                                  </p:childTnLst>
+                                </p:cTn>
+                              </p:par>
+                            </p:childTnLst>
+                          </p:cTn>
+                        </p:par>
+                      </p:childTnLst>
+                    </p:cTn>
+                  </p:par>
+                  <p:par>
+                    <p:cTn id="32" fill="hold">
+                      <p:stCondLst>
+                        <p:cond delay="indefinite"/>
+                      </p:stCondLst>
+                      <p:childTnLst>
+                        <p:par>
+                          <p:cTn id="33" fill="hold">
+                            <p:stCondLst>
+                              <p:cond delay="0"/>
+                            </p:stCondLst>
+                            <p:childTnLst>
+                              <p:par>
+                                <p:cTn id="34" presetID="26" presetClass="exit" presetSubtype="0" fill="hold" nodeType="clickEffect">
+                                  <p:stCondLst>
+                                    <p:cond delay="0"/>
+                                  </p:stCondLst>
+                                  <p:childTnLst>
+                                    <p:animEffect transition="out" filter="wipe(down)">
+                                      <p:cBhvr>
+                                        <p:cTn id="35" dur="180" accel="50000">
+                                          <p:stCondLst>
+                                            <p:cond delay="1820"/>
+                                          </p:stCondLst>
+                                        </p:cTn>
+                                        <p:tgtEl>
+                                          <p:spTgt spid="2050"/>
+                                        </p:tgtEl>
+                                      </p:cBhvr>
+                                    </p:animEffect>
+                                    <p:anim calcmode="lin" valueType="num">
+                                      <p:cBhvr>
+                                        <p:cTn id="36" dur="1822" tmFilter="0,0; 0.14,0.31; 0.43,0.73; 0.71,0.91; 1.0,1.0">
+                                          <p:stCondLst>
+                                            <p:cond delay="0"/>
+                                          </p:stCondLst>
+                                        </p:cTn>
+                                        <p:tgtEl>
+                                          <p:spTgt spid="2050"/>
+                                        </p:tgtEl>
+                                        <p:attrNameLst>
+                                          <p:attrName>ppt_x</p:attrName>
+                                        </p:attrNameLst>
+                                      </p:cBhvr>
+                                      <p:tavLst>
+                                        <p:tav tm="0">
+                                          <p:val>
+                                            <p:strVal val="ppt_x"/>
+                                          </p:val>
+                                        </p:tav>
+                                        <p:tav tm="100000">
+                                          <p:val>
+                                            <p:strVal val="#ppt_x+0.25"/>
+                                          </p:val>
+                                        </p:tav>
+                                      </p:tavLst>
+                                    </p:anim>
+                                    <p:anim calcmode="lin" valueType="num">
+                                      <p:cBhvr>
+                                        <p:cTn id="37" dur="178">
+                                          <p:stCondLst>
+                                            <p:cond delay="1822"/>
+                                          </p:stCondLst>
+                                        </p:cTn>
+                                        <p:tgtEl>
+                                          <p:spTgt spid="2050"/>
+                                        </p:tgtEl>
+                                        <p:attrNameLst>
+                                          <p:attrName>ppt_x</p:attrName>
+                                        </p:attrNameLst>
+                                      </p:cBhvr>
+                                      <p:tavLst>
+                                        <p:tav tm="0">
+                                          <p:val>
+                                            <p:strVal val="ppt_x"/>
+                                          </p:val>
+                                        </p:tav>
+                                        <p:tav tm="100000">
+                                          <p:val>
+                                            <p:strVal val="ppt_x"/>
+                                          </p:val>
+                                        </p:tav>
+                                      </p:tavLst>
+                                    </p:anim>
+                                    <p:anim calcmode="lin" valueType="num">
+                                      <p:cBhvr>
+                                        <p:cTn id="38" dur="664" tmFilter="0.0,0.0;0.25,0.07;0.50,0.2;0.75,0.467;1.0,1.0">
+                                          <p:stCondLst>
+                                            <p:cond delay="0"/>
+                                          </p:stCondLst>
+                                        </p:cTn>
+                                        <p:tgtEl>
+                                          <p:spTgt spid="2050"/>
+                                        </p:tgtEl>
+                                        <p:attrNameLst>
+                                          <p:attrName>ppt_y</p:attrName>
+                                        </p:attrNameLst>
+                                      </p:cBhvr>
+                                      <p:tavLst>
+                                        <p:tav tm="0">
+                                          <p:val>
+                                            <p:strVal val="ppt_y"/>
+                                          </p:val>
+                                        </p:tav>
+                                        <p:tav tm="5000">
+                                          <p:val>
+                                            <p:strVal val="ppt_y+0.026"/>
+                                          </p:val>
+                                        </p:tav>
+                                        <p:tav tm="10000">
+                                          <p:val>
+                                            <p:strVal val="ppt_y+0.052"/>
+                                          </p:val>
+                                        </p:tav>
+                                        <p:tav tm="15000">
+                                          <p:val>
+                                            <p:strVal val="ppt_y+0.078"/>
+                                          </p:val>
+                                        </p:tav>
+                                        <p:tav tm="20000">
+                                          <p:val>
+                                            <p:strVal val="ppt_y+0.103"/>
+                                          </p:val>
+                                        </p:tav>
+                                        <p:tav tm="30000">
+                                          <p:val>
+                                            <p:strVal val="ppt_y+0.151"/>
+                                          </p:val>
+                                        </p:tav>
+                                        <p:tav tm="40000">
+                                          <p:val>
+                                            <p:strVal val="ppt_y+0.196"/>
+                                          </p:val>
+                                        </p:tav>
+                                        <p:tav tm="50000">
+                                          <p:val>
+                                            <p:strVal val="ppt_y+0.236"/>
+                                          </p:val>
+                                        </p:tav>
+                                        <p:tav tm="60000">
+                                          <p:val>
+                                            <p:strVal val="ppt_y+0.270"/>
+                                          </p:val>
+                                        </p:tav>
+                                        <p:tav tm="70000">
+                                          <p:val>
+                                            <p:strVal val="ppt_y+0.297"/>
+                                          </p:val>
+                                        </p:tav>
+                                        <p:tav tm="80000">
+                                          <p:val>
+                                            <p:strVal val="ppt_y+0.317"/>
+                                          </p:val>
+                                        </p:tav>
+                                        <p:tav tm="90000">
+                                          <p:val>
+                                            <p:strVal val="ppt_y+0.329"/>
+                                          </p:val>
+                                        </p:tav>
+                                        <p:tav tm="100000">
+                                          <p:val>
+                                            <p:strVal val="ppt_y+0.333"/>
+                                          </p:val>
+                                        </p:tav>
+                                      </p:tavLst>
+                                    </p:anim>
+                                    <p:anim calcmode="lin" valueType="num">
+                                      <p:cBhvr>
+                                        <p:cTn id="39" dur="664" tmFilter="0, 0; 0.125,0.2665; 0.25,0.4; 0.375,0.465; 0.5,0.5;  0.625,0.535; 0.75,0.6; 0.875,0.7335; 1,1">
+                                          <p:stCondLst>
+                                            <p:cond delay="664"/>
+                                          </p:stCondLst>
+                                        </p:cTn>
+                                        <p:tgtEl>
+                                          <p:spTgt spid="2050"/>
+                                        </p:tgtEl>
+                                        <p:attrNameLst>
+                                          <p:attrName>ppt_y</p:attrName>
+                                        </p:attrNameLst>
+                                      </p:cBhvr>
+                                      <p:tavLst>
+                                        <p:tav tm="0">
+                                          <p:val>
+                                            <p:strVal val="ppt_y"/>
+                                          </p:val>
+                                        </p:tav>
+                                        <p:tav tm="10000">
+                                          <p:val>
+                                            <p:strVal val="ppt_y-0.034"/>
+                                          </p:val>
+                                        </p:tav>
+                                        <p:tav tm="20000">
+                                          <p:val>
+                                            <p:strVal val="ppt_y-0.065"/>
+                                          </p:val>
+                                        </p:tav>
+                                        <p:tav tm="30000">
+                                          <p:val>
+                                            <p:strVal val="ppt_y-0.090"/>
+                                          </p:val>
+                                        </p:tav>
+                                        <p:tav tm="40000">
+                                          <p:val>
+                                            <p:strVal val="ppt_y-0.106"/>
+                                          </p:val>
+                                        </p:tav>
+                                        <p:tav tm="50000">
+                                          <p:val>
+                                            <p:strVal val="ppt_y-0.111"/>
+                                          </p:val>
+                                        </p:tav>
+                                        <p:tav tm="60000">
+                                          <p:val>
+                                            <p:strVal val="ppt_y-0.106"/>
+                                          </p:val>
+                                        </p:tav>
+                                        <p:tav tm="70000">
+                                          <p:val>
+                                            <p:strVal val="ppt_y-0.090"/>
+                                          </p:val>
+                                        </p:tav>
+                                        <p:tav tm="80000">
+                                          <p:val>
+                                            <p:strVal val="ppt_y-0.065"/>
+                                          </p:val>
+                                        </p:tav>
+                                        <p:tav tm="90000">
+                                          <p:val>
+                                            <p:strVal val="ppt_y-0.034"/>
+                                          </p:val>
+                                        </p:tav>
+                                        <p:tav tm="100000">
+                                          <p:val>
+                                            <p:strVal val="ppt_y"/>
+                                          </p:val>
+                                        </p:tav>
+                                      </p:tavLst>
+                                    </p:anim>
+                                    <p:anim calcmode="lin" valueType="num">
+                                      <p:cBhvr>
+                                        <p:cTn id="40" dur="332" tmFilter="0, 0; 0.125,0.2665; 0.25,0.4; 0.375,0.465; 0.5,0.5;  0.625,0.535; 0.75,0.6; 0.875,0.7335; 1,1">
+                                          <p:stCondLst>
+                                            <p:cond delay="1324"/>
+                                          </p:stCondLst>
+                                        </p:cTn>
+                                        <p:tgtEl>
+                                          <p:spTgt spid="2050"/>
+                                        </p:tgtEl>
+                                        <p:attrNameLst>
+                                          <p:attrName>ppt_y</p:attrName>
+                                        </p:attrNameLst>
+                                      </p:cBhvr>
+                                      <p:tavLst>
+                                        <p:tav tm="0">
+                                          <p:val>
+                                            <p:strVal val="ppt_y"/>
+                                          </p:val>
+                                        </p:tav>
+                                        <p:tav tm="10000">
+                                          <p:val>
+                                            <p:strVal val="ppt_y-0.011"/>
+                                          </p:val>
+                                        </p:tav>
+                                        <p:tav tm="20000">
+                                          <p:val>
+                                            <p:strVal val="ppt_y-0.022"/>
+                                          </p:val>
+                                        </p:tav>
+                                        <p:tav tm="30000">
+                                          <p:val>
+                                            <p:strVal val="ppt_y-0.030"/>
+                                          </p:val>
+                                        </p:tav>
+                                        <p:tav tm="40000">
+                                          <p:val>
+                                            <p:strVal val="ppt_y-0.035"/>
+                                          </p:val>
+                                        </p:tav>
+                                        <p:tav tm="50000">
+                                          <p:val>
+                                            <p:strVal val="ppt_y-0.037"/>
+                                          </p:val>
+                                        </p:tav>
+                                        <p:tav tm="60000">
+                                          <p:val>
+                                            <p:strVal val="ppt_y-0.035"/>
+                                          </p:val>
+                                        </p:tav>
+                                        <p:tav tm="70000">
+                                          <p:val>
+                                            <p:strVal val="ppt_y-0.030"/>
+                                          </p:val>
+                                        </p:tav>
+                                        <p:tav tm="80000">
+                                          <p:val>
+                                            <p:strVal val="ppt_y-0.022"/>
+                                          </p:val>
+                                        </p:tav>
+                                        <p:tav tm="90000">
+                                          <p:val>
+                                            <p:strVal val="ppt_y-0.011"/>
+                                          </p:val>
+                                        </p:tav>
+                                        <p:tav tm="100000">
+                                          <p:val>
+                                            <p:strVal val="ppt_y"/>
+                                          </p:val>
+                                        </p:tav>
+                                      </p:tavLst>
+                                    </p:anim>
+                                    <p:anim calcmode="lin" valueType="num">
+                                      <p:cBhvr>
+                                        <p:cTn id="41" dur="164" tmFilter="0, 0; 0.125,0.2665; 0.25,0.4; 0.375,0.465; 0.5,0.5;  0.625,0.535; 0.75,0.6; 0.875,0.7335; 1,1">
+                                          <p:stCondLst>
+                                            <p:cond delay="1656"/>
+                                          </p:stCondLst>
+                                        </p:cTn>
+                                        <p:tgtEl>
+                                          <p:spTgt spid="2050"/>
+                                        </p:tgtEl>
+                                        <p:attrNameLst>
+                                          <p:attrName>ppt_y</p:attrName>
+                                        </p:attrNameLst>
+                                      </p:cBhvr>
+                                      <p:tavLst>
+                                        <p:tav tm="0">
+                                          <p:val>
+                                            <p:strVal val="ppt_y"/>
+                                          </p:val>
+                                        </p:tav>
+                                        <p:tav tm="10000">
+                                          <p:val>
+                                            <p:strVal val="ppt_y-0.004"/>
+                                          </p:val>
+                                        </p:tav>
+                                        <p:tav tm="20000">
+                                          <p:val>
+                                            <p:strVal val="ppt_y-0.007"/>
+                                          </p:val>
+                                        </p:tav>
+                                        <p:tav tm="30000">
+                                          <p:val>
+                                            <p:strVal val="ppt_y-0.010"/>
+                                          </p:val>
+                                        </p:tav>
+                                        <p:tav tm="40000">
+                                          <p:val>
+                                            <p:strVal val="ppt_y-0.012"/>
+                                          </p:val>
+                                        </p:tav>
+                                        <p:tav tm="50000">
+                                          <p:val>
+                                            <p:strVal val="ppt_y-0.0123"/>
+                                          </p:val>
+                                        </p:tav>
+                                        <p:tav tm="60000">
+                                          <p:val>
+                                            <p:strVal val="ppt_y-0.012"/>
+                                          </p:val>
+                                        </p:tav>
+                                        <p:tav tm="70000">
+                                          <p:val>
+                                            <p:strVal val="ppt_y-0.010"/>
+                                          </p:val>
+                                        </p:tav>
+                                        <p:tav tm="80000">
+                                          <p:val>
+                                            <p:strVal val="ppt_y-0.007"/>
+                                          </p:val>
+                                        </p:tav>
+                                        <p:tav tm="90000">
+                                          <p:val>
+                                            <p:strVal val="ppt_y-0.004"/>
+                                          </p:val>
+                                        </p:tav>
+                                        <p:tav tm="100000">
+                                          <p:val>
+                                            <p:strVal val="ppt_y"/>
+                                          </p:val>
+                                        </p:tav>
+                                      </p:tavLst>
+                                    </p:anim>
+                                    <p:anim calcmode="lin" valueType="num">
+                                      <p:cBhvr>
+                                        <p:cTn id="42" dur="180" accel="50000">
+                                          <p:stCondLst>
+                                            <p:cond delay="1820"/>
+                                          </p:stCondLst>
+                                        </p:cTn>
+                                        <p:tgtEl>
+                                          <p:spTgt spid="2050"/>
+                                        </p:tgtEl>
+                                        <p:attrNameLst>
+                                          <p:attrName>ppt_y</p:attrName>
+                                        </p:attrNameLst>
+                                      </p:cBhvr>
+                                      <p:tavLst>
+                                        <p:tav tm="0">
+                                          <p:val>
+                                            <p:strVal val="ppt_y"/>
+                                          </p:val>
+                                        </p:tav>
+                                        <p:tav tm="100000">
+                                          <p:val>
+                                            <p:strVal val="ppt_y+ppt_h"/>
+                                          </p:val>
+                                        </p:tav>
+                                      </p:tavLst>
+                                    </p:anim>
+                                    <p:animScale>
+                                      <p:cBhvr>
+                                        <p:cTn id="43" dur="26">
+                                          <p:stCondLst>
+                                            <p:cond delay="620"/>
+                                          </p:stCondLst>
+                                        </p:cTn>
+                                        <p:tgtEl>
+                                          <p:spTgt spid="2050"/>
+                                        </p:tgtEl>
+                                      </p:cBhvr>
+                                      <p:to x="100000" y="60000"/>
+                                    </p:animScale>
+                                    <p:animScale>
+                                      <p:cBhvr>
+                                        <p:cTn id="44" dur="166" decel="50000">
+                                          <p:stCondLst>
+                                            <p:cond delay="646"/>
+                                          </p:stCondLst>
+                                        </p:cTn>
+                                        <p:tgtEl>
+                                          <p:spTgt spid="2050"/>
+                                        </p:tgtEl>
+                                      </p:cBhvr>
+                                      <p:to x="100000" y="100000"/>
+                                    </p:animScale>
+                                    <p:animScale>
+                                      <p:cBhvr>
+                                        <p:cTn id="45" dur="26">
+                                          <p:stCondLst>
+                                            <p:cond delay="1312"/>
+                                          </p:stCondLst>
+                                        </p:cTn>
+                                        <p:tgtEl>
+                                          <p:spTgt spid="2050"/>
+                                        </p:tgtEl>
+                                      </p:cBhvr>
+                                      <p:to x="100000" y="80000"/>
+                                    </p:animScale>
+                                    <p:animScale>
+                                      <p:cBhvr>
+                                        <p:cTn id="46" dur="166" decel="50000">
+                                          <p:stCondLst>
+                                            <p:cond delay="1338"/>
+                                          </p:stCondLst>
+                                        </p:cTn>
+                                        <p:tgtEl>
+                                          <p:spTgt spid="2050"/>
+                                        </p:tgtEl>
+                                      </p:cBhvr>
+                                      <p:to x="100000" y="100000"/>
+                                    </p:animScale>
+                                    <p:animScale>
+                                      <p:cBhvr>
+                                        <p:cTn id="47" dur="26">
+                                          <p:stCondLst>
+                                            <p:cond delay="1642"/>
+                                          </p:stCondLst>
+                                        </p:cTn>
+                                        <p:tgtEl>
+                                          <p:spTgt spid="2050"/>
+                                        </p:tgtEl>
+                                      </p:cBhvr>
+                                      <p:to x="100000" y="90000"/>
+                                    </p:animScale>
+                                    <p:animScale>
+                                      <p:cBhvr>
+                                        <p:cTn id="48" dur="166" decel="50000">
+                                          <p:stCondLst>
+                                            <p:cond delay="1668"/>
+                                          </p:stCondLst>
+                                        </p:cTn>
+                                        <p:tgtEl>
+                                          <p:spTgt spid="2050"/>
+                                        </p:tgtEl>
+                                      </p:cBhvr>
+                                      <p:to x="100000" y="100000"/>
+                                    </p:animScale>
+                                    <p:animScale>
+                                      <p:cBhvr>
+                                        <p:cTn id="49" dur="26">
+                                          <p:stCondLst>
+                                            <p:cond delay="1808"/>
+                                          </p:stCondLst>
+                                        </p:cTn>
+                                        <p:tgtEl>
+                                          <p:spTgt spid="2050"/>
+                                        </p:tgtEl>
+                                      </p:cBhvr>
+                                      <p:to x="100000" y="95000"/>
+                                    </p:animScale>
+                                    <p:animScale>
+                                      <p:cBhvr>
+                                        <p:cTn id="50" dur="166" decel="50000">
+                                          <p:stCondLst>
+                                            <p:cond delay="1834"/>
+                                          </p:stCondLst>
+                                        </p:cTn>
+                                        <p:tgtEl>
+                                          <p:spTgt spid="2050"/>
+                                        </p:tgtEl>
+                                      </p:cBhvr>
+                                      <p:to x="100000" y="100000"/>
+                                    </p:animScale>
+                                    <p:set>
+                                      <p:cBhvr>
+                                        <p:cTn id="51" dur="1" fill="hold">
+                                          <p:stCondLst>
+                                            <p:cond delay="1999"/>
+                                          </p:stCondLst>
+                                        </p:cTn>
+                                        <p:tgtEl>
+                                          <p:spTgt spid="2050"/>
+                                        </p:tgtEl>
+                                        <p:attrNameLst>
+                                          <p:attrName>style.visibility</p:attrName>
+                                        </p:attrNameLst>
+                                      </p:cBhvr>
+                                      <p:to>
+                                        <p:strVal val="hidden"/>
+                                      </p:to>
+                                    </p:set>
+                                  </p:childTnLst>
+                                </p:cTn>
+                              </p:par>
+                              <p:par>
+                                <p:cTn id="52" presetID="26" presetClass="exit" presetSubtype="0" fill="hold" nodeType="withEffect">
+                                  <p:stCondLst>
+                                    <p:cond delay="0"/>
+                                  </p:stCondLst>
+                                  <p:childTnLst>
+                                    <p:animEffect transition="out" filter="wipe(down)">
+                                      <p:cBhvr>
+                                        <p:cTn id="53" dur="180" accel="50000">
+                                          <p:stCondLst>
+                                            <p:cond delay="1820"/>
+                                          </p:stCondLst>
+                                        </p:cTn>
+                                        <p:tgtEl>
+                                          <p:spTgt spid="6"/>
+                                        </p:tgtEl>
+                                      </p:cBhvr>
+                                    </p:animEffect>
+                                    <p:anim calcmode="lin" valueType="num">
+                                      <p:cBhvr>
+                                        <p:cTn id="54" dur="1822" tmFilter="0,0; 0.14,0.31; 0.43,0.73; 0.71,0.91; 1.0,1.0">
+                                          <p:stCondLst>
+                                            <p:cond delay="0"/>
+                                          </p:stCondLst>
+                                        </p:cTn>
+                                        <p:tgtEl>
+                                          <p:spTgt spid="6"/>
+                                        </p:tgtEl>
+                                        <p:attrNameLst>
+                                          <p:attrName>ppt_x</p:attrName>
+                                        </p:attrNameLst>
+                                      </p:cBhvr>
+                                      <p:tavLst>
+                                        <p:tav tm="0">
+                                          <p:val>
+                                            <p:strVal val="ppt_x"/>
+                                          </p:val>
+                                        </p:tav>
+                                        <p:tav tm="100000">
+                                          <p:val>
+                                            <p:strVal val="#ppt_x+0.25"/>
+                                          </p:val>
+                                        </p:tav>
+                                      </p:tavLst>
+                                    </p:anim>
+                                    <p:anim calcmode="lin" valueType="num">
+                                      <p:cBhvr>
+                                        <p:cTn id="55" dur="178">
+                                          <p:stCondLst>
+                                            <p:cond delay="1822"/>
+                                          </p:stCondLst>
+                                        </p:cTn>
+                                        <p:tgtEl>
+                                          <p:spTgt spid="6"/>
+                                        </p:tgtEl>
+                                        <p:attrNameLst>
+                                          <p:attrName>ppt_x</p:attrName>
+                                        </p:attrNameLst>
+                                      </p:cBhvr>
+                                      <p:tavLst>
+                                        <p:tav tm="0">
+                                          <p:val>
+                                            <p:strVal val="ppt_x"/>
+                                          </p:val>
+                                        </p:tav>
+                                        <p:tav tm="100000">
+                                          <p:val>
+                                            <p:strVal val="ppt_x"/>
+                                          </p:val>
+                                        </p:tav>
+                                      </p:tavLst>
+                                    </p:anim>
+                                    <p:anim calcmode="lin" valueType="num">
+                                      <p:cBhvr>
+                                        <p:cTn id="56" dur="664" tmFilter="0.0,0.0;0.25,0.07;0.50,0.2;0.75,0.467;1.0,1.0">
+                                          <p:stCondLst>
+                                            <p:cond delay="0"/>
+                                          </p:stCondLst>
+                                        </p:cTn>
+                                        <p:tgtEl>
+                                          <p:spTgt spid="6"/>
+                                        </p:tgtEl>
+                                        <p:attrNameLst>
+                                          <p:attrName>ppt_y</p:attrName>
+                                        </p:attrNameLst>
+                                      </p:cBhvr>
+                                      <p:tavLst>
+                                        <p:tav tm="0">
+                                          <p:val>
+                                            <p:strVal val="ppt_y"/>
+                                          </p:val>
+                                        </p:tav>
+                                        <p:tav tm="5000">
+                                          <p:val>
+                                            <p:strVal val="ppt_y+0.026"/>
+                                          </p:val>
+                                        </p:tav>
+                                        <p:tav tm="10000">
+                                          <p:val>
+                                            <p:strVal val="ppt_y+0.052"/>
+                                          </p:val>
+                                        </p:tav>
+                                        <p:tav tm="15000">
+                                          <p:val>
+                                            <p:strVal val="ppt_y+0.078"/>
+                                          </p:val>
+                                        </p:tav>
+                                        <p:tav tm="20000">
+                                          <p:val>
+                                            <p:strVal val="ppt_y+0.103"/>
+                                          </p:val>
+                                        </p:tav>
+                                        <p:tav tm="30000">
+                                          <p:val>
+                                            <p:strVal val="ppt_y+0.151"/>
+                                          </p:val>
+                                        </p:tav>
+                                        <p:tav tm="40000">
+                                          <p:val>
+                                            <p:strVal val="ppt_y+0.196"/>
+                                          </p:val>
+                                        </p:tav>
+                                        <p:tav tm="50000">
+                                          <p:val>
+                                            <p:strVal val="ppt_y+0.236"/>
+                                          </p:val>
+                                        </p:tav>
+                                        <p:tav tm="60000">
+                                          <p:val>
+                                            <p:strVal val="ppt_y+0.270"/>
+                                          </p:val>
+                                        </p:tav>
+                                        <p:tav tm="70000">
+                                          <p:val>
+                                            <p:strVal val="ppt_y+0.297"/>
+                                          </p:val>
+                                        </p:tav>
+                                        <p:tav tm="80000">
+                                          <p:val>
+                                            <p:strVal val="ppt_y+0.317"/>
+                                          </p:val>
+                                        </p:tav>
+                                        <p:tav tm="90000">
+                                          <p:val>
+                                            <p:strVal val="ppt_y+0.329"/>
+                                          </p:val>
+                                        </p:tav>
+                                        <p:tav tm="100000">
+                                          <p:val>
+                                            <p:strVal val="ppt_y+0.333"/>
+                                          </p:val>
+                                        </p:tav>
+                                      </p:tavLst>
+                                    </p:anim>
+                                    <p:anim calcmode="lin" valueType="num">
+                                      <p:cBhvr>
+                                        <p:cTn id="57" dur="664" tmFilter="0, 0; 0.125,0.2665; 0.25,0.4; 0.375,0.465; 0.5,0.5;  0.625,0.535; 0.75,0.6; 0.875,0.7335; 1,1">
+                                          <p:stCondLst>
+                                            <p:cond delay="664"/>
+                                          </p:stCondLst>
+                                        </p:cTn>
+                                        <p:tgtEl>
+                                          <p:spTgt spid="6"/>
+                                        </p:tgtEl>
+                                        <p:attrNameLst>
+                                          <p:attrName>ppt_y</p:attrName>
+                                        </p:attrNameLst>
+                                      </p:cBhvr>
+                                      <p:tavLst>
+                                        <p:tav tm="0">
+                                          <p:val>
+                                            <p:strVal val="ppt_y"/>
+                                          </p:val>
+                                        </p:tav>
+                                        <p:tav tm="10000">
+                                          <p:val>
+                                            <p:strVal val="ppt_y-0.034"/>
+                                          </p:val>
+                                        </p:tav>
+                                        <p:tav tm="20000">
+                                          <p:val>
+                                            <p:strVal val="ppt_y-0.065"/>
+                                          </p:val>
+                                        </p:tav>
+                                        <p:tav tm="30000">
+                                          <p:val>
+                                            <p:strVal val="ppt_y-0.090"/>
+                                          </p:val>
+                                        </p:tav>
+                                        <p:tav tm="40000">
+                                          <p:val>
+                                            <p:strVal val="ppt_y-0.106"/>
+                                          </p:val>
+                                        </p:tav>
+                                        <p:tav tm="50000">
+                                          <p:val>
+                                            <p:strVal val="ppt_y-0.111"/>
+                                          </p:val>
+                                        </p:tav>
+                                        <p:tav tm="60000">
+                                          <p:val>
+                                            <p:strVal val="ppt_y-0.106"/>
+                                          </p:val>
+                                        </p:tav>
+                                        <p:tav tm="70000">
+                                          <p:val>
+                                            <p:strVal val="ppt_y-0.090"/>
+                                          </p:val>
+                                        </p:tav>
+                                        <p:tav tm="80000">
+                                          <p:val>
+                                            <p:strVal val="ppt_y-0.065"/>
+                                          </p:val>
+                                        </p:tav>
+                                        <p:tav tm="90000">
+                                          <p:val>
+                                            <p:strVal val="ppt_y-0.034"/>
+                                          </p:val>
+                                        </p:tav>
+                                        <p:tav tm="100000">
+                                          <p:val>
+                                            <p:strVal val="ppt_y"/>
+                                          </p:val>
+                                        </p:tav>
+                                      </p:tavLst>
+                                    </p:anim>
+                                    <p:anim calcmode="lin" valueType="num">
+                                      <p:cBhvr>
+                                        <p:cTn id="58" dur="332" tmFilter="0, 0; 0.125,0.2665; 0.25,0.4; 0.375,0.465; 0.5,0.5;  0.625,0.535; 0.75,0.6; 0.875,0.7335; 1,1">
+                                          <p:stCondLst>
+                                            <p:cond delay="1324"/>
+                                          </p:stCondLst>
+                                        </p:cTn>
+                                        <p:tgtEl>
+                                          <p:spTgt spid="6"/>
+                                        </p:tgtEl>
+                                        <p:attrNameLst>
+                                          <p:attrName>ppt_y</p:attrName>
+                                        </p:attrNameLst>
+                                      </p:cBhvr>
+                                      <p:tavLst>
+                                        <p:tav tm="0">
+                                          <p:val>
+                                            <p:strVal val="ppt_y"/>
+                                          </p:val>
+                                        </p:tav>
+                                        <p:tav tm="10000">
+                                          <p:val>
+                                            <p:strVal val="ppt_y-0.011"/>
+                                          </p:val>
+                                        </p:tav>
+                                        <p:tav tm="20000">
+                                          <p:val>
+                                            <p:strVal val="ppt_y-0.022"/>
+                                          </p:val>
+                                        </p:tav>
+                                        <p:tav tm="30000">
+                                          <p:val>
+                                            <p:strVal val="ppt_y-0.030"/>
+                                          </p:val>
+                                        </p:tav>
+                                        <p:tav tm="40000">
+                                          <p:val>
+                                            <p:strVal val="ppt_y-0.035"/>
+                                          </p:val>
+                                        </p:tav>
+                                        <p:tav tm="50000">
+                                          <p:val>
+                                            <p:strVal val="ppt_y-0.037"/>
+                                          </p:val>
+                                        </p:tav>
+                                        <p:tav tm="60000">
+                                          <p:val>
+                                            <p:strVal val="ppt_y-0.035"/>
+                                          </p:val>
+                                        </p:tav>
+                                        <p:tav tm="70000">
+                                          <p:val>
+                                            <p:strVal val="ppt_y-0.030"/>
+                                          </p:val>
+                                        </p:tav>
+                                        <p:tav tm="80000">
+                                          <p:val>
+                                            <p:strVal val="ppt_y-0.022"/>
+                                          </p:val>
+                                        </p:tav>
+                                        <p:tav tm="90000">
+                                          <p:val>
+                                            <p:strVal val="ppt_y-0.011"/>
+                                          </p:val>
+                                        </p:tav>
+                                        <p:tav tm="100000">
+                                          <p:val>
+                                            <p:strVal val="ppt_y"/>
+                                          </p:val>
+                                        </p:tav>
+                                      </p:tavLst>
+                                    </p:anim>
+                                    <p:anim calcmode="lin" valueType="num">
+                                      <p:cBhvr>
+                                        <p:cTn id="59" dur="164" tmFilter="0, 0; 0.125,0.2665; 0.25,0.4; 0.375,0.465; 0.5,0.5;  0.625,0.535; 0.75,0.6; 0.875,0.7335; 1,1">
+                                          <p:stCondLst>
+                                            <p:cond delay="1656"/>
+                                          </p:stCondLst>
+                                        </p:cTn>
+                                        <p:tgtEl>
+                                          <p:spTgt spid="6"/>
+                                        </p:tgtEl>
+                                        <p:attrNameLst>
+                                          <p:attrName>ppt_y</p:attrName>
+                                        </p:attrNameLst>
+                                      </p:cBhvr>
+                                      <p:tavLst>
+                                        <p:tav tm="0">
+                                          <p:val>
+                                            <p:strVal val="ppt_y"/>
+                                          </p:val>
+                                        </p:tav>
+                                        <p:tav tm="10000">
+                                          <p:val>
+                                            <p:strVal val="ppt_y-0.004"/>
+                                          </p:val>
+                                        </p:tav>
+                                        <p:tav tm="20000">
+                                          <p:val>
+                                            <p:strVal val="ppt_y-0.007"/>
+                                          </p:val>
+                                        </p:tav>
+                                        <p:tav tm="30000">
+                                          <p:val>
+                                            <p:strVal val="ppt_y-0.010"/>
+                                          </p:val>
+                                        </p:tav>
+                                        <p:tav tm="40000">
+                                          <p:val>
+                                            <p:strVal val="ppt_y-0.012"/>
+                                          </p:val>
+                                        </p:tav>
+                                        <p:tav tm="50000">
+                                          <p:val>
+                                            <p:strVal val="ppt_y-0.0123"/>
+                                          </p:val>
+                                        </p:tav>
+                                        <p:tav tm="60000">
+                                          <p:val>
+                                            <p:strVal val="ppt_y-0.012"/>
+                                          </p:val>
+                                        </p:tav>
+                                        <p:tav tm="70000">
+                                          <p:val>
+                                            <p:strVal val="ppt_y-0.010"/>
+                                          </p:val>
+                                        </p:tav>
+                                        <p:tav tm="80000">
+                                          <p:val>
+                                            <p:strVal val="ppt_y-0.007"/>
+                                          </p:val>
+                                        </p:tav>
+                                        <p:tav tm="90000">
+                                          <p:val>
+                                            <p:strVal val="ppt_y-0.004"/>
+                                          </p:val>
+                                        </p:tav>
+                                        <p:tav tm="100000">
+                                          <p:val>
+                                            <p:strVal val="ppt_y"/>
+                                          </p:val>
+                                        </p:tav>
+                                      </p:tavLst>
+                                    </p:anim>
+                                    <p:anim calcmode="lin" valueType="num">
+                                      <p:cBhvr>
+                                        <p:cTn id="60" dur="180" accel="50000">
+                                          <p:stCondLst>
+                                            <p:cond delay="1820"/>
+                                          </p:stCondLst>
+                                        </p:cTn>
+                                        <p:tgtEl>
+                                          <p:spTgt spid="6"/>
+                                        </p:tgtEl>
+                                        <p:attrNameLst>
+                                          <p:attrName>ppt_y</p:attrName>
+                                        </p:attrNameLst>
+                                      </p:cBhvr>
+                                      <p:tavLst>
+                                        <p:tav tm="0">
+                                          <p:val>
+                                            <p:strVal val="ppt_y"/>
+                                          </p:val>
+                                        </p:tav>
+                                        <p:tav tm="100000">
+                                          <p:val>
+                                            <p:strVal val="ppt_y+ppt_h"/>
+                                          </p:val>
+                                        </p:tav>
+                                      </p:tavLst>
+                                    </p:anim>
+                                    <p:animScale>
+                                      <p:cBhvr>
+                                        <p:cTn id="61" dur="26">
+                                          <p:stCondLst>
+                                            <p:cond delay="620"/>
+                                          </p:stCondLst>
+                                        </p:cTn>
+                                        <p:tgtEl>
+                                          <p:spTgt spid="6"/>
+                                        </p:tgtEl>
+                                      </p:cBhvr>
+                                      <p:to x="100000" y="60000"/>
+                                    </p:animScale>
+                                    <p:animScale>
+                                      <p:cBhvr>
+                                        <p:cTn id="62" dur="166" decel="50000">
+                                          <p:stCondLst>
+                                            <p:cond delay="646"/>
+                                          </p:stCondLst>
+                                        </p:cTn>
+                                        <p:tgtEl>
+                                          <p:spTgt spid="6"/>
+                                        </p:tgtEl>
+                                      </p:cBhvr>
+                                      <p:to x="100000" y="100000"/>
+                                    </p:animScale>
+                                    <p:animScale>
+                                      <p:cBhvr>
+                                        <p:cTn id="63" dur="26">
+                                          <p:stCondLst>
+                                            <p:cond delay="1312"/>
+                                          </p:stCondLst>
+                                        </p:cTn>
+                                        <p:tgtEl>
+                                          <p:spTgt spid="6"/>
+                                        </p:tgtEl>
+                                      </p:cBhvr>
+                                      <p:to x="100000" y="80000"/>
+                                    </p:animScale>
+                                    <p:animScale>
+                                      <p:cBhvr>
+                                        <p:cTn id="64" dur="166" decel="50000">
+                                          <p:stCondLst>
+                                            <p:cond delay="1338"/>
+                                          </p:stCondLst>
+                                        </p:cTn>
+                                        <p:tgtEl>
+                                          <p:spTgt spid="6"/>
+                                        </p:tgtEl>
+                                      </p:cBhvr>
+                                      <p:to x="100000" y="100000"/>
+                                    </p:animScale>
+                                    <p:animScale>
+                                      <p:cBhvr>
+                                        <p:cTn id="65" dur="26">
+                                          <p:stCondLst>
+                                            <p:cond delay="1642"/>
+                                          </p:stCondLst>
+                                        </p:cTn>
+                                        <p:tgtEl>
+                                          <p:spTgt spid="6"/>
+                                        </p:tgtEl>
+                                      </p:cBhvr>
+                                      <p:to x="100000" y="90000"/>
+                                    </p:animScale>
+                                    <p:animScale>
+                                      <p:cBhvr>
+                                        <p:cTn id="66" dur="166" decel="50000">
+                                          <p:stCondLst>
+                                            <p:cond delay="1668"/>
+                                          </p:stCondLst>
+                                        </p:cTn>
+                                        <p:tgtEl>
+                                          <p:spTgt spid="6"/>
+                                        </p:tgtEl>
+                                      </p:cBhvr>
+                                      <p:to x="100000" y="100000"/>
+                                    </p:animScale>
+                                    <p:animScale>
+                                      <p:cBhvr>
+                                        <p:cTn id="67" dur="26">
+                                          <p:stCondLst>
+                                            <p:cond delay="1808"/>
+                                          </p:stCondLst>
+                                        </p:cTn>
+                                        <p:tgtEl>
+                                          <p:spTgt spid="6"/>
+                                        </p:tgtEl>
+                                      </p:cBhvr>
+                                      <p:to x="100000" y="95000"/>
+                                    </p:animScale>
+                                    <p:animScale>
+                                      <p:cBhvr>
+                                        <p:cTn id="68" dur="166" decel="50000">
+                                          <p:stCondLst>
+                                            <p:cond delay="1834"/>
+                                          </p:stCondLst>
+                                        </p:cTn>
+                                        <p:tgtEl>
+                                          <p:spTgt spid="6"/>
+                                        </p:tgtEl>
+                                      </p:cBhvr>
+                                      <p:to x="100000" y="100000"/>
+                                    </p:animScale>
+                                    <p:set>
+                                      <p:cBhvr>
+                                        <p:cTn id="69" dur="1" fill="hold">
+                                          <p:stCondLst>
+                                            <p:cond delay="1999"/>
+                                          </p:stCondLst>
+                                        </p:cTn>
+                                        <p:tgtEl>
+                                          <p:spTgt spid="6"/>
+                                        </p:tgtEl>
+                                        <p:attrNameLst>
+                                          <p:attrName>style.visibility</p:attrName>
+                                        </p:attrNameLst>
+                                      </p:cBhvr>
+                                      <p:to>
+                                        <p:strVal val="hidden"/>
+                                      </p:to>
+                                    </p:set>
+                                  </p:childTnLst>
+                                </p:cTn>
+                              </p:par>
+                              <p:par>
+                                <p:cTn id="70" presetID="26" presetClass="exit" presetSubtype="0" fill="hold" nodeType="withEffect">
+                                  <p:stCondLst>
+                                    <p:cond delay="0"/>
+                                  </p:stCondLst>
+                                  <p:childTnLst>
+                                    <p:animEffect transition="out" filter="wipe(down)">
+                                      <p:cBhvr>
+                                        <p:cTn id="71" dur="180" accel="50000">
+                                          <p:stCondLst>
+                                            <p:cond delay="1820"/>
+                                          </p:stCondLst>
+                                        </p:cTn>
+                                        <p:tgtEl>
+                                          <p:spTgt spid="7"/>
+                                        </p:tgtEl>
+                                      </p:cBhvr>
+                                    </p:animEffect>
+                                    <p:anim calcmode="lin" valueType="num">
+                                      <p:cBhvr>
+                                        <p:cTn id="72" dur="1822" tmFilter="0,0; 0.14,0.31; 0.43,0.73; 0.71,0.91; 1.0,1.0">
+                                          <p:stCondLst>
+                                            <p:cond delay="0"/>
+                                          </p:stCondLst>
+                                        </p:cTn>
+                                        <p:tgtEl>
+                                          <p:spTgt spid="7"/>
+                                        </p:tgtEl>
+                                        <p:attrNameLst>
+                                          <p:attrName>ppt_x</p:attrName>
+                                        </p:attrNameLst>
+                                      </p:cBhvr>
+                                      <p:tavLst>
+                                        <p:tav tm="0">
+                                          <p:val>
+                                            <p:strVal val="ppt_x"/>
+                                          </p:val>
+                                        </p:tav>
+                                        <p:tav tm="100000">
+                                          <p:val>
+                                            <p:strVal val="#ppt_x+0.25"/>
+                                          </p:val>
+                                        </p:tav>
+                                      </p:tavLst>
+                                    </p:anim>
+                                    <p:anim calcmode="lin" valueType="num">
+                                      <p:cBhvr>
+                                        <p:cTn id="73" dur="178">
+                                          <p:stCondLst>
+                                            <p:cond delay="1822"/>
+                                          </p:stCondLst>
+                                        </p:cTn>
+                                        <p:tgtEl>
+                                          <p:spTgt spid="7"/>
+                                        </p:tgtEl>
+                                        <p:attrNameLst>
+                                          <p:attrName>ppt_x</p:attrName>
+                                        </p:attrNameLst>
+                                      </p:cBhvr>
+                                      <p:tavLst>
+                                        <p:tav tm="0">
+                                          <p:val>
+                                            <p:strVal val="ppt_x"/>
+                                          </p:val>
+                                        </p:tav>
+                                        <p:tav tm="100000">
+                                          <p:val>
+                                            <p:strVal val="ppt_x"/>
+                                          </p:val>
+                                        </p:tav>
+                                      </p:tavLst>
+                                    </p:anim>
+                                    <p:anim calcmode="lin" valueType="num">
+                                      <p:cBhvr>
+                                        <p:cTn id="74" dur="664" tmFilter="0.0,0.0;0.25,0.07;0.50,0.2;0.75,0.467;1.0,1.0">
+                                          <p:stCondLst>
+                                            <p:cond delay="0"/>
+                                          </p:stCondLst>
+                                        </p:cTn>
+                                        <p:tgtEl>
+                                          <p:spTgt spid="7"/>
+                                        </p:tgtEl>
+                                        <p:attrNameLst>
+                                          <p:attrName>ppt_y</p:attrName>
+                                        </p:attrNameLst>
+                                      </p:cBhvr>
+                                      <p:tavLst>
+                                        <p:tav tm="0">
+                                          <p:val>
+                                            <p:strVal val="ppt_y"/>
+                                          </p:val>
+                                        </p:tav>
+                                        <p:tav tm="5000">
+                                          <p:val>
+                                            <p:strVal val="ppt_y+0.026"/>
+                                          </p:val>
+                                        </p:tav>
+                                        <p:tav tm="10000">
+                                          <p:val>
+                                            <p:strVal val="ppt_y+0.052"/>
+                                          </p:val>
+                                        </p:tav>
+                                        <p:tav tm="15000">
+                                          <p:val>
+                                            <p:strVal val="ppt_y+0.078"/>
+                                          </p:val>
+                                        </p:tav>
+                                        <p:tav tm="20000">
+                                          <p:val>
+                                            <p:strVal val="ppt_y+0.103"/>
+                                          </p:val>
+                                        </p:tav>
+                                        <p:tav tm="30000">
+                                          <p:val>
+                                            <p:strVal val="ppt_y+0.151"/>
+                                          </p:val>
+                                        </p:tav>
+                                        <p:tav tm="40000">
+                                          <p:val>
+                                            <p:strVal val="ppt_y+0.196"/>
+                                          </p:val>
+                                        </p:tav>
+                                        <p:tav tm="50000">
+                                          <p:val>
+                                            <p:strVal val="ppt_y+0.236"/>
+                                          </p:val>
+                                        </p:tav>
+                                        <p:tav tm="60000">
+                                          <p:val>
+                                            <p:strVal val="ppt_y+0.270"/>
+                                          </p:val>
+                                        </p:tav>
+                                        <p:tav tm="70000">
+                                          <p:val>
+                                            <p:strVal val="ppt_y+0.297"/>
+                                          </p:val>
+                                        </p:tav>
+                                        <p:tav tm="80000">
+                                          <p:val>
+                                            <p:strVal val="ppt_y+0.317"/>
+                                          </p:val>
+                                        </p:tav>
+                                        <p:tav tm="90000">
+                                          <p:val>
+                                            <p:strVal val="ppt_y+0.329"/>
+                                          </p:val>
+                                        </p:tav>
+                                        <p:tav tm="100000">
+                                          <p:val>
+                                            <p:strVal val="ppt_y+0.333"/>
+                                          </p:val>
+                                        </p:tav>
+                                      </p:tavLst>
+                                    </p:anim>
+                                    <p:anim calcmode="lin" valueType="num">
+                                      <p:cBhvr>
+                                        <p:cTn id="75" dur="664" tmFilter="0, 0; 0.125,0.2665; 0.25,0.4; 0.375,0.465; 0.5,0.5;  0.625,0.535; 0.75,0.6; 0.875,0.7335; 1,1">
+                                          <p:stCondLst>
+                                            <p:cond delay="664"/>
+                                          </p:stCondLst>
+                                        </p:cTn>
+                                        <p:tgtEl>
+                                          <p:spTgt spid="7"/>
+                                        </p:tgtEl>
+                                        <p:attrNameLst>
+                                          <p:attrName>ppt_y</p:attrName>
+                                        </p:attrNameLst>
+                                      </p:cBhvr>
+                                      <p:tavLst>
+                                        <p:tav tm="0">
+                                          <p:val>
+                                            <p:strVal val="ppt_y"/>
+                                          </p:val>
+                                        </p:tav>
+                                        <p:tav tm="10000">
+                                          <p:val>
+                                            <p:strVal val="ppt_y-0.034"/>
+                                          </p:val>
+                                        </p:tav>
+                                        <p:tav tm="20000">
+                                          <p:val>
+                                            <p:strVal val="ppt_y-0.065"/>
+                                          </p:val>
+                                        </p:tav>
+                                        <p:tav tm="30000">
+                                          <p:val>
+                                            <p:strVal val="ppt_y-0.090"/>
+                                          </p:val>
+                                        </p:tav>
+                                        <p:tav tm="40000">
+                                          <p:val>
+                                            <p:strVal val="ppt_y-0.106"/>
+                                          </p:val>
+                                        </p:tav>
+                                        <p:tav tm="50000">
+                                          <p:val>
+                                            <p:strVal val="ppt_y-0.111"/>
+                                          </p:val>
+                                        </p:tav>
+                                        <p:tav tm="60000">
+                                          <p:val>
+                                            <p:strVal val="ppt_y-0.106"/>
+                                          </p:val>
+                                        </p:tav>
+                                        <p:tav tm="70000">
+                                          <p:val>
+                                            <p:strVal val="ppt_y-0.090"/>
+                                          </p:val>
+                                        </p:tav>
+                                        <p:tav tm="80000">
+                                          <p:val>
+                                            <p:strVal val="ppt_y-0.065"/>
+                                          </p:val>
+                                        </p:tav>
+                                        <p:tav tm="90000">
+                                          <p:val>
+                                            <p:strVal val="ppt_y-0.034"/>
+                                          </p:val>
+                                        </p:tav>
+                                        <p:tav tm="100000">
+                                          <p:val>
+                                            <p:strVal val="ppt_y"/>
+                                          </p:val>
+                                        </p:tav>
+                                      </p:tavLst>
+                                    </p:anim>
+                                    <p:anim calcmode="lin" valueType="num">
+                                      <p:cBhvr>
+                                        <p:cTn id="76" dur="332" tmFilter="0, 0; 0.125,0.2665; 0.25,0.4; 0.375,0.465; 0.5,0.5;  0.625,0.535; 0.75,0.6; 0.875,0.7335; 1,1">
+                                          <p:stCondLst>
+                                            <p:cond delay="1324"/>
+                                          </p:stCondLst>
+                                        </p:cTn>
+                                        <p:tgtEl>
+                                          <p:spTgt spid="7"/>
+                                        </p:tgtEl>
+                                        <p:attrNameLst>
+                                          <p:attrName>ppt_y</p:attrName>
+                                        </p:attrNameLst>
+                                      </p:cBhvr>
+                                      <p:tavLst>
+                                        <p:tav tm="0">
+                                          <p:val>
+                                            <p:strVal val="ppt_y"/>
+                                          </p:val>
+                                        </p:tav>
+                                        <p:tav tm="10000">
+                                          <p:val>
+                                            <p:strVal val="ppt_y-0.011"/>
+                                          </p:val>
+                                        </p:tav>
+                                        <p:tav tm="20000">
+                                          <p:val>
+                                            <p:strVal val="ppt_y-0.022"/>
+                                          </p:val>
+                                        </p:tav>
+                                        <p:tav tm="30000">
+                                          <p:val>
+                                            <p:strVal val="ppt_y-0.030"/>
+                                          </p:val>
+                                        </p:tav>
+                                        <p:tav tm="40000">
+                                          <p:val>
+                                            <p:strVal val="ppt_y-0.035"/>
+                                          </p:val>
+                                        </p:tav>
+                                        <p:tav tm="50000">
+                                          <p:val>
+                                            <p:strVal val="ppt_y-0.037"/>
+                                          </p:val>
+                                        </p:tav>
+                                        <p:tav tm="60000">
+                                          <p:val>
+                                            <p:strVal val="ppt_y-0.035"/>
+                                          </p:val>
+                                        </p:tav>
+                                        <p:tav tm="70000">
+                                          <p:val>
+                                            <p:strVal val="ppt_y-0.030"/>
+                                          </p:val>
+                                        </p:tav>
+                                        <p:tav tm="80000">
+                                          <p:val>
+                                            <p:strVal val="ppt_y-0.022"/>
+                                          </p:val>
+                                        </p:tav>
+                                        <p:tav tm="90000">
+                                          <p:val>
+                                            <p:strVal val="ppt_y-0.011"/>
+                                          </p:val>
+                                        </p:tav>
+                                        <p:tav tm="100000">
+                                          <p:val>
+                                            <p:strVal val="ppt_y"/>
+                                          </p:val>
+                                        </p:tav>
+                                      </p:tavLst>
+                                    </p:anim>
+                                    <p:anim calcmode="lin" valueType="num">
+                                      <p:cBhvr>
+                                        <p:cTn id="77" dur="164" tmFilter="0, 0; 0.125,0.2665; 0.25,0.4; 0.375,0.465; 0.5,0.5;  0.625,0.535; 0.75,0.6; 0.875,0.7335; 1,1">
+                                          <p:stCondLst>
+                                            <p:cond delay="1656"/>
+                                          </p:stCondLst>
+                                        </p:cTn>
+                                        <p:tgtEl>
+                                          <p:spTgt spid="7"/>
+                                        </p:tgtEl>
+                                        <p:attrNameLst>
+                                          <p:attrName>ppt_y</p:attrName>
+                                        </p:attrNameLst>
+                                      </p:cBhvr>
+                                      <p:tavLst>
+                                        <p:tav tm="0">
+                                          <p:val>
+                                            <p:strVal val="ppt_y"/>
+                                          </p:val>
+                                        </p:tav>
+                                        <p:tav tm="10000">
+                                          <p:val>
+                                            <p:strVal val="ppt_y-0.004"/>
+                                          </p:val>
+                                        </p:tav>
+                                        <p:tav tm="20000">
+                                          <p:val>
+                                            <p:strVal val="ppt_y-0.007"/>
+                                          </p:val>
+                                        </p:tav>
+                                        <p:tav tm="30000">
+                                          <p:val>
+                                            <p:strVal val="ppt_y-0.010"/>
+                                          </p:val>
+                                        </p:tav>
+                                        <p:tav tm="40000">
+                                          <p:val>
+                                            <p:strVal val="ppt_y-0.012"/>
+                                          </p:val>
+                                        </p:tav>
+                                        <p:tav tm="50000">
+                                          <p:val>
+                                            <p:strVal val="ppt_y-0.0123"/>
+                                          </p:val>
+                                        </p:tav>
+                                        <p:tav tm="60000">
+                                          <p:val>
+                                            <p:strVal val="ppt_y-0.012"/>
+                                          </p:val>
+                                        </p:tav>
+                                        <p:tav tm="70000">
+                                          <p:val>
+                                            <p:strVal val="ppt_y-0.010"/>
+                                          </p:val>
+                                        </p:tav>
+                                        <p:tav tm="80000">
+                                          <p:val>
+                                            <p:strVal val="ppt_y-0.007"/>
+                                          </p:val>
+                                        </p:tav>
+                                        <p:tav tm="90000">
+                                          <p:val>
+                                            <p:strVal val="ppt_y-0.004"/>
+                                          </p:val>
+                                        </p:tav>
+                                        <p:tav tm="100000">
+                                          <p:val>
+                                            <p:strVal val="ppt_y"/>
+                                          </p:val>
+                                        </p:tav>
+                                      </p:tavLst>
+                                    </p:anim>
+                                    <p:anim calcmode="lin" valueType="num">
+                                      <p:cBhvr>
+                                        <p:cTn id="78" dur="180" accel="50000">
+                                          <p:stCondLst>
+                                            <p:cond delay="1820"/>
+                                          </p:stCondLst>
+                                        </p:cTn>
+                                        <p:tgtEl>
+                                          <p:spTgt spid="7"/>
+                                        </p:tgtEl>
+                                        <p:attrNameLst>
+                                          <p:attrName>ppt_y</p:attrName>
+                                        </p:attrNameLst>
+                                      </p:cBhvr>
+                                      <p:tavLst>
+                                        <p:tav tm="0">
+                                          <p:val>
+                                            <p:strVal val="ppt_y"/>
+                                          </p:val>
+                                        </p:tav>
+                                        <p:tav tm="100000">
+                                          <p:val>
+                                            <p:strVal val="ppt_y+ppt_h"/>
+                                          </p:val>
+                                        </p:tav>
+                                      </p:tavLst>
+                                    </p:anim>
+                                    <p:animScale>
+                                      <p:cBhvr>
+                                        <p:cTn id="79" dur="26">
+                                          <p:stCondLst>
+                                            <p:cond delay="620"/>
+                                          </p:stCondLst>
+                                        </p:cTn>
+                                        <p:tgtEl>
+                                          <p:spTgt spid="7"/>
+                                        </p:tgtEl>
+                                      </p:cBhvr>
+                                      <p:to x="100000" y="60000"/>
+                                    </p:animScale>
+                                    <p:animScale>
+                                      <p:cBhvr>
+                                        <p:cTn id="80" dur="166" decel="50000">
+                                          <p:stCondLst>
+                                            <p:cond delay="646"/>
+                                          </p:stCondLst>
+                                        </p:cTn>
+                                        <p:tgtEl>
+                                          <p:spTgt spid="7"/>
+                                        </p:tgtEl>
+                                      </p:cBhvr>
+                                      <p:to x="100000" y="100000"/>
+                                    </p:animScale>
+                                    <p:animScale>
+                                      <p:cBhvr>
+                                        <p:cTn id="81" dur="26">
+                                          <p:stCondLst>
+                                            <p:cond delay="1312"/>
+                                          </p:stCondLst>
+                                        </p:cTn>
+                                        <p:tgtEl>
+                                          <p:spTgt spid="7"/>
+                                        </p:tgtEl>
+                                      </p:cBhvr>
+                                      <p:to x="100000" y="80000"/>
+                                    </p:animScale>
+                                    <p:animScale>
+                                      <p:cBhvr>
+                                        <p:cTn id="82" dur="166" decel="50000">
+                                          <p:stCondLst>
+                                            <p:cond delay="1338"/>
+                                          </p:stCondLst>
+                                        </p:cTn>
+                                        <p:tgtEl>
+                                          <p:spTgt spid="7"/>
+                                        </p:tgtEl>
+                                      </p:cBhvr>
+                                      <p:to x="100000" y="100000"/>
+                                    </p:animScale>
+                                    <p:animScale>
+                                      <p:cBhvr>
+                                        <p:cTn id="83" dur="26">
+                                          <p:stCondLst>
+                                            <p:cond delay="1642"/>
+                                          </p:stCondLst>
+                                        </p:cTn>
+                                        <p:tgtEl>
+                                          <p:spTgt spid="7"/>
+                                        </p:tgtEl>
+                                      </p:cBhvr>
+                                      <p:to x="100000" y="90000"/>
+                                    </p:animScale>
+                                    <p:animScale>
+                                      <p:cBhvr>
+                                        <p:cTn id="84" dur="166" decel="50000">
+                                          <p:stCondLst>
+                                            <p:cond delay="1668"/>
+                                          </p:stCondLst>
+                                        </p:cTn>
+                                        <p:tgtEl>
+                                          <p:spTgt spid="7"/>
+                                        </p:tgtEl>
+                                      </p:cBhvr>
+                                      <p:to x="100000" y="100000"/>
+                                    </p:animScale>
+                                    <p:animScale>
+                                      <p:cBhvr>
+                                        <p:cTn id="85" dur="26">
+                                          <p:stCondLst>
+                                            <p:cond delay="1808"/>
+                                          </p:stCondLst>
+                                        </p:cTn>
+                                        <p:tgtEl>
+                                          <p:spTgt spid="7"/>
+                                        </p:tgtEl>
+                                      </p:cBhvr>
+                                      <p:to x="100000" y="95000"/>
+                                    </p:animScale>
+                                    <p:animScale>
+                                      <p:cBhvr>
+                                        <p:cTn id="86" dur="166" decel="50000">
+                                          <p:stCondLst>
+                                            <p:cond delay="1834"/>
+                                          </p:stCondLst>
+                                        </p:cTn>
+                                        <p:tgtEl>
+                                          <p:spTgt spid="7"/>
+                                        </p:tgtEl>
+                                      </p:cBhvr>
+                                      <p:to x="100000" y="100000"/>
+                                    </p:animScale>
+                                    <p:set>
+                                      <p:cBhvr>
+                                        <p:cTn id="87" dur="1" fill="hold">
+                                          <p:stCondLst>
+                                            <p:cond delay="1999"/>
+                                          </p:stCondLst>
+                                        </p:cTn>
+                                        <p:tgtEl>
+                                          <p:spTgt spid="7"/>
+                                        </p:tgtEl>
+                                        <p:attrNameLst>
+                                          <p:attrName>style.visibility</p:attrName>
+                                        </p:attrNameLst>
+                                      </p:cBhvr>
+                                      <p:to>
+                                        <p:strVal val="hidden"/>
+                                      </p:to>
+                                    </p:set>
+                                  </p:childTnLst>
+                                </p:cTn>
+                              </p:par>
+                            </p:childTnLst>
+                          </p:cTn>
+                        </p:par>
+                      </p:childTnLst>
+                    </p:cTn>
+                  </p:par>
+                </p:childTnLst>
+              </p:cTn>
+              <p:prevCondLst>
+                <p:cond evt="onPrev" delay="0">
+                  <p:tgtEl>
+                    <p:sldTgt/>
+                  </p:tgtEl>
+                </p:cond>
+              </p:prevCondLst>
+              <p:nextCondLst>
+                <p:cond evt="onNext" delay="0">
+                  <p:tgtEl>
+                    <p:sldTgt/>
+                  </p:tgtEl>
+                </p:cond>
+              </p:nextCondLst>
+            </p:seq>
+          </p:childTnLst>
+        </p:cTn>
+      </p:par>
+    </p:tnLst>
+  </p:timing>
 </p:sld>
 </file>
 

--- a/Videókártya.pptx
+++ b/Videókártya.pptx
@@ -11,8 +11,8 @@
     <p:sldId id="260" r:id="rId5"/>
     <p:sldId id="261" r:id="rId6"/>
     <p:sldId id="262" r:id="rId7"/>
-    <p:sldId id="263" r:id="rId8"/>
-    <p:sldId id="257" r:id="rId9"/>
+    <p:sldId id="257" r:id="rId8"/>
+    <p:sldId id="263" r:id="rId9"/>
   </p:sldIdLst>
   <p:sldSz cx="12192000" cy="6858000"/>
   <p:notesSz cx="6858000" cy="9144000"/>
@@ -250,7 +250,7 @@
           <a:p>
             <a:fld id="{DDF4C3AF-97CB-4A1C-B018-4E87782109B9}" type="datetimeFigureOut">
               <a:rPr lang="hu-HU" smtClean="0"/>
-              <a:t>2022.09.12.</a:t>
+              <a:t>2022.09.21.</a:t>
             </a:fld>
             <a:endParaRPr lang="hu-HU"/>
           </a:p>
@@ -420,7 +420,7 @@
           <a:p>
             <a:fld id="{DDF4C3AF-97CB-4A1C-B018-4E87782109B9}" type="datetimeFigureOut">
               <a:rPr lang="hu-HU" smtClean="0"/>
-              <a:t>2022.09.12.</a:t>
+              <a:t>2022.09.21.</a:t>
             </a:fld>
             <a:endParaRPr lang="hu-HU"/>
           </a:p>
@@ -600,7 +600,7 @@
           <a:p>
             <a:fld id="{DDF4C3AF-97CB-4A1C-B018-4E87782109B9}" type="datetimeFigureOut">
               <a:rPr lang="hu-HU" smtClean="0"/>
-              <a:t>2022.09.12.</a:t>
+              <a:t>2022.09.21.</a:t>
             </a:fld>
             <a:endParaRPr lang="hu-HU"/>
           </a:p>
@@ -770,7 +770,7 @@
           <a:p>
             <a:fld id="{DDF4C3AF-97CB-4A1C-B018-4E87782109B9}" type="datetimeFigureOut">
               <a:rPr lang="hu-HU" smtClean="0"/>
-              <a:t>2022.09.12.</a:t>
+              <a:t>2022.09.21.</a:t>
             </a:fld>
             <a:endParaRPr lang="hu-HU"/>
           </a:p>
@@ -1016,7 +1016,7 @@
           <a:p>
             <a:fld id="{DDF4C3AF-97CB-4A1C-B018-4E87782109B9}" type="datetimeFigureOut">
               <a:rPr lang="hu-HU" smtClean="0"/>
-              <a:t>2022.09.12.</a:t>
+              <a:t>2022.09.21.</a:t>
             </a:fld>
             <a:endParaRPr lang="hu-HU"/>
           </a:p>
@@ -1248,7 +1248,7 @@
           <a:p>
             <a:fld id="{DDF4C3AF-97CB-4A1C-B018-4E87782109B9}" type="datetimeFigureOut">
               <a:rPr lang="hu-HU" smtClean="0"/>
-              <a:t>2022.09.12.</a:t>
+              <a:t>2022.09.21.</a:t>
             </a:fld>
             <a:endParaRPr lang="hu-HU"/>
           </a:p>
@@ -1615,7 +1615,7 @@
           <a:p>
             <a:fld id="{DDF4C3AF-97CB-4A1C-B018-4E87782109B9}" type="datetimeFigureOut">
               <a:rPr lang="hu-HU" smtClean="0"/>
-              <a:t>2022.09.12.</a:t>
+              <a:t>2022.09.21.</a:t>
             </a:fld>
             <a:endParaRPr lang="hu-HU"/>
           </a:p>
@@ -1733,7 +1733,7 @@
           <a:p>
             <a:fld id="{DDF4C3AF-97CB-4A1C-B018-4E87782109B9}" type="datetimeFigureOut">
               <a:rPr lang="hu-HU" smtClean="0"/>
-              <a:t>2022.09.12.</a:t>
+              <a:t>2022.09.21.</a:t>
             </a:fld>
             <a:endParaRPr lang="hu-HU"/>
           </a:p>
@@ -1828,7 +1828,7 @@
           <a:p>
             <a:fld id="{DDF4C3AF-97CB-4A1C-B018-4E87782109B9}" type="datetimeFigureOut">
               <a:rPr lang="hu-HU" smtClean="0"/>
-              <a:t>2022.09.12.</a:t>
+              <a:t>2022.09.21.</a:t>
             </a:fld>
             <a:endParaRPr lang="hu-HU"/>
           </a:p>
@@ -2105,7 +2105,7 @@
           <a:p>
             <a:fld id="{DDF4C3AF-97CB-4A1C-B018-4E87782109B9}" type="datetimeFigureOut">
               <a:rPr lang="hu-HU" smtClean="0"/>
-              <a:t>2022.09.12.</a:t>
+              <a:t>2022.09.21.</a:t>
             </a:fld>
             <a:endParaRPr lang="hu-HU"/>
           </a:p>
@@ -2358,7 +2358,7 @@
           <a:p>
             <a:fld id="{DDF4C3AF-97CB-4A1C-B018-4E87782109B9}" type="datetimeFigureOut">
               <a:rPr lang="hu-HU" smtClean="0"/>
-              <a:t>2022.09.12.</a:t>
+              <a:t>2022.09.21.</a:t>
             </a:fld>
             <a:endParaRPr lang="hu-HU"/>
           </a:p>
@@ -2424,30 +2424,15 @@
   <p:cSld>
     <p:bg>
       <p:bgPr>
-        <a:gradFill flip="none" rotWithShape="1">
-          <a:gsLst>
-            <a:gs pos="0">
-              <a:schemeClr val="bg1"/>
-            </a:gs>
-            <a:gs pos="25000">
-              <a:schemeClr val="accent1">
-                <a:lumMod val="45000"/>
-                <a:lumOff val="55000"/>
-              </a:schemeClr>
-            </a:gs>
-            <a:gs pos="75000">
-              <a:schemeClr val="accent1">
-                <a:lumMod val="45000"/>
-                <a:lumOff val="55000"/>
-              </a:schemeClr>
-            </a:gs>
-            <a:gs pos="100000">
-              <a:schemeClr val="bg1"/>
-            </a:gs>
-          </a:gsLst>
-          <a:lin ang="5400000" scaled="1"/>
-          <a:tileRect/>
-        </a:gradFill>
+        <a:blipFill dpi="0" rotWithShape="1">
+          <a:blip r:embed="rId13">
+            <a:lum/>
+          </a:blip>
+          <a:srcRect/>
+          <a:stretch>
+            <a:fillRect t="-9000" b="-9000"/>
+          </a:stretch>
+        </a:blipFill>
         <a:effectLst/>
       </p:bgPr>
     </p:bg>
@@ -2595,7 +2580,7 @@
           <a:p>
             <a:fld id="{DDF4C3AF-97CB-4A1C-B018-4E87782109B9}" type="datetimeFigureOut">
               <a:rPr lang="hu-HU" smtClean="0"/>
-              <a:t>2022.09.12.</a:t>
+              <a:t>2022.09.21.</a:t>
             </a:fld>
             <a:endParaRPr lang="hu-HU"/>
           </a:p>
@@ -3017,11 +3002,17 @@
           <a:p>
             <a:r>
               <a:rPr lang="hu-HU" b="1" dirty="0" smtClean="0">
+                <a:solidFill>
+                  <a:schemeClr val="bg1"/>
+                </a:solidFill>
                 <a:latin typeface="Comic Sans MS" panose="030F0702030302020204" pitchFamily="66" charset="0"/>
               </a:rPr>
               <a:t>Videókártya</a:t>
             </a:r>
             <a:endParaRPr lang="hu-HU" b="1" dirty="0">
+              <a:solidFill>
+                <a:schemeClr val="bg1"/>
+              </a:solidFill>
               <a:latin typeface="Comic Sans MS" panose="030F0702030302020204" pitchFamily="66" charset="0"/>
             </a:endParaRPr>
           </a:p>
@@ -3044,11 +3035,17 @@
           <a:p>
             <a:r>
               <a:rPr lang="hu-HU" i="1" dirty="0" smtClean="0">
+                <a:solidFill>
+                  <a:schemeClr val="bg1"/>
+                </a:solidFill>
                 <a:latin typeface="Arial Black" panose="020B0A04020102020204" pitchFamily="34" charset="0"/>
               </a:rPr>
               <a:t>Készítette: Schauer Olivér 10.A</a:t>
             </a:r>
             <a:endParaRPr lang="hu-HU" i="1" dirty="0">
+              <a:solidFill>
+                <a:schemeClr val="bg1"/>
+              </a:solidFill>
               <a:latin typeface="Arial Black" panose="020B0A04020102020204" pitchFamily="34" charset="0"/>
             </a:endParaRPr>
           </a:p>
@@ -3064,6 +3061,13 @@
   <p:clrMapOvr>
     <a:masterClrMapping/>
   </p:clrMapOvr>
+  <p:timing>
+    <p:tnLst>
+      <p:par>
+        <p:cTn id="1" dur="indefinite" restart="never" nodeType="tmRoot"/>
+      </p:par>
+    </p:tnLst>
+  </p:timing>
 </p:sld>
 </file>
 
@@ -3101,11 +3105,17 @@
           <a:p>
             <a:r>
               <a:rPr lang="hu-HU" b="1" dirty="0" smtClean="0">
+                <a:solidFill>
+                  <a:schemeClr val="bg1"/>
+                </a:solidFill>
                 <a:latin typeface="Comic Sans MS" panose="030F0702030302020204" pitchFamily="66" charset="0"/>
               </a:rPr>
               <a:t>A videókártya szerepe</a:t>
             </a:r>
             <a:endParaRPr lang="hu-HU" b="1" dirty="0">
+              <a:solidFill>
+                <a:schemeClr val="bg1"/>
+              </a:solidFill>
               <a:latin typeface="Comic Sans MS" panose="030F0702030302020204" pitchFamily="66" charset="0"/>
             </a:endParaRPr>
           </a:p>
@@ -3128,6 +3138,9 @@
           <a:p>
             <a:r>
               <a:rPr lang="hu-HU" b="1" dirty="0" smtClean="0">
+                <a:solidFill>
+                  <a:schemeClr val="bg1"/>
+                </a:solidFill>
                 <a:latin typeface="Arial Black" panose="020B0A04020102020204" pitchFamily="34" charset="0"/>
               </a:rPr>
               <a:t>Megjelenítésért felelős</a:t>
@@ -3135,19 +3148,59 @@
           </a:p>
           <a:p>
             <a:endParaRPr lang="hu-HU" b="1" dirty="0" smtClean="0">
+              <a:solidFill>
+                <a:schemeClr val="bg1"/>
+              </a:solidFill>
               <a:latin typeface="Arial Black" panose="020B0A04020102020204" pitchFamily="34" charset="0"/>
             </a:endParaRPr>
           </a:p>
           <a:p>
             <a:r>
               <a:rPr lang="hu-HU" b="1" dirty="0" smtClean="0">
+                <a:solidFill>
+                  <a:schemeClr val="bg1"/>
+                </a:solidFill>
                 <a:latin typeface="Arial Black" panose="020B0A04020102020204" pitchFamily="34" charset="0"/>
               </a:rPr>
-              <a:t>Analóg jelekké alakít</a:t>
-            </a:r>
-          </a:p>
-          <a:p>
-            <a:endParaRPr lang="hu-HU" b="1">
+              <a:t>Analóg jelekké </a:t>
+            </a:r>
+            <a:r>
+              <a:rPr lang="hu-HU" b="1" dirty="0" smtClean="0">
+                <a:solidFill>
+                  <a:schemeClr val="bg1"/>
+                </a:solidFill>
+                <a:latin typeface="Arial Black" panose="020B0A04020102020204" pitchFamily="34" charset="0"/>
+              </a:rPr>
+              <a:t>alakít</a:t>
+            </a:r>
+          </a:p>
+          <a:p>
+            <a:endParaRPr lang="hu-HU" b="1" dirty="0">
+              <a:solidFill>
+                <a:schemeClr val="bg1"/>
+              </a:solidFill>
+              <a:latin typeface="Arial Black" panose="020B0A04020102020204" pitchFamily="34" charset="0"/>
+            </a:endParaRPr>
+          </a:p>
+          <a:p>
+            <a:r>
+              <a:rPr lang="hu-HU" b="1" dirty="0" smtClean="0">
+                <a:solidFill>
+                  <a:schemeClr val="bg1"/>
+                </a:solidFill>
+                <a:latin typeface="Arial Black" panose="020B0A04020102020204" pitchFamily="34" charset="0"/>
+              </a:rPr>
+              <a:t>Továbbítja a jeleket</a:t>
+            </a:r>
+            <a:endParaRPr lang="hu-HU" b="1" dirty="0" smtClean="0">
+              <a:solidFill>
+                <a:schemeClr val="bg1"/>
+              </a:solidFill>
+              <a:latin typeface="Arial Black" panose="020B0A04020102020204" pitchFamily="34" charset="0"/>
+            </a:endParaRPr>
+          </a:p>
+          <a:p>
+            <a:endParaRPr lang="hu-HU" b="1" dirty="0">
               <a:latin typeface="Arial Black" panose="020B0A04020102020204" pitchFamily="34" charset="0"/>
             </a:endParaRPr>
           </a:p>
@@ -3168,6 +3221,393 @@
   <p:clrMapOvr>
     <a:masterClrMapping/>
   </p:clrMapOvr>
+  <p:timing>
+    <p:tnLst>
+      <p:par>
+        <p:cTn id="1" dur="indefinite" restart="never" nodeType="tmRoot">
+          <p:childTnLst>
+            <p:seq concurrent="1" nextAc="seek">
+              <p:cTn id="2" dur="indefinite" nodeType="mainSeq">
+                <p:childTnLst>
+                  <p:par>
+                    <p:cTn id="3" fill="hold">
+                      <p:stCondLst>
+                        <p:cond delay="indefinite"/>
+                      </p:stCondLst>
+                      <p:childTnLst>
+                        <p:par>
+                          <p:cTn id="4" fill="hold">
+                            <p:stCondLst>
+                              <p:cond delay="0"/>
+                            </p:stCondLst>
+                            <p:childTnLst>
+                              <p:par>
+                                <p:cTn id="5" presetID="1" presetClass="entr" presetSubtype="0" fill="hold" grpId="0" nodeType="clickEffect">
+                                  <p:stCondLst>
+                                    <p:cond delay="0"/>
+                                  </p:stCondLst>
+                                  <p:childTnLst>
+                                    <p:set>
+                                      <p:cBhvr>
+                                        <p:cTn id="6" dur="1" fill="hold">
+                                          <p:stCondLst>
+                                            <p:cond delay="0"/>
+                                          </p:stCondLst>
+                                        </p:cTn>
+                                        <p:tgtEl>
+                                          <p:spTgt spid="2"/>
+                                        </p:tgtEl>
+                                        <p:attrNameLst>
+                                          <p:attrName>style.visibility</p:attrName>
+                                        </p:attrNameLst>
+                                      </p:cBhvr>
+                                      <p:to>
+                                        <p:strVal val="visible"/>
+                                      </p:to>
+                                    </p:set>
+                                  </p:childTnLst>
+                                </p:cTn>
+                              </p:par>
+                            </p:childTnLst>
+                          </p:cTn>
+                        </p:par>
+                      </p:childTnLst>
+                    </p:cTn>
+                  </p:par>
+                  <p:par>
+                    <p:cTn id="7" fill="hold">
+                      <p:stCondLst>
+                        <p:cond delay="indefinite"/>
+                      </p:stCondLst>
+                      <p:childTnLst>
+                        <p:par>
+                          <p:cTn id="8" fill="hold">
+                            <p:stCondLst>
+                              <p:cond delay="0"/>
+                            </p:stCondLst>
+                            <p:childTnLst>
+                              <p:par>
+                                <p:cTn id="9" presetID="2" presetClass="entr" presetSubtype="4" fill="hold" nodeType="clickEffect">
+                                  <p:stCondLst>
+                                    <p:cond delay="0"/>
+                                  </p:stCondLst>
+                                  <p:childTnLst>
+                                    <p:set>
+                                      <p:cBhvr>
+                                        <p:cTn id="10" dur="1" fill="hold">
+                                          <p:stCondLst>
+                                            <p:cond delay="0"/>
+                                          </p:stCondLst>
+                                        </p:cTn>
+                                        <p:tgtEl>
+                                          <p:spTgt spid="3">
+                                            <p:txEl>
+                                              <p:pRg st="0" end="0"/>
+                                            </p:txEl>
+                                          </p:spTgt>
+                                        </p:tgtEl>
+                                        <p:attrNameLst>
+                                          <p:attrName>style.visibility</p:attrName>
+                                        </p:attrNameLst>
+                                      </p:cBhvr>
+                                      <p:to>
+                                        <p:strVal val="visible"/>
+                                      </p:to>
+                                    </p:set>
+                                    <p:anim calcmode="lin" valueType="num">
+                                      <p:cBhvr additive="base">
+                                        <p:cTn id="11" dur="250" fill="hold"/>
+                                        <p:tgtEl>
+                                          <p:spTgt spid="3">
+                                            <p:txEl>
+                                              <p:pRg st="0" end="0"/>
+                                            </p:txEl>
+                                          </p:spTgt>
+                                        </p:tgtEl>
+                                        <p:attrNameLst>
+                                          <p:attrName>ppt_x</p:attrName>
+                                        </p:attrNameLst>
+                                      </p:cBhvr>
+                                      <p:tavLst>
+                                        <p:tav tm="0">
+                                          <p:val>
+                                            <p:strVal val="#ppt_x"/>
+                                          </p:val>
+                                        </p:tav>
+                                        <p:tav tm="100000">
+                                          <p:val>
+                                            <p:strVal val="#ppt_x"/>
+                                          </p:val>
+                                        </p:tav>
+                                      </p:tavLst>
+                                    </p:anim>
+                                    <p:anim calcmode="lin" valueType="num">
+                                      <p:cBhvr additive="base">
+                                        <p:cTn id="12" dur="250" fill="hold"/>
+                                        <p:tgtEl>
+                                          <p:spTgt spid="3">
+                                            <p:txEl>
+                                              <p:pRg st="0" end="0"/>
+                                            </p:txEl>
+                                          </p:spTgt>
+                                        </p:tgtEl>
+                                        <p:attrNameLst>
+                                          <p:attrName>ppt_y</p:attrName>
+                                        </p:attrNameLst>
+                                      </p:cBhvr>
+                                      <p:tavLst>
+                                        <p:tav tm="0">
+                                          <p:val>
+                                            <p:strVal val="1+#ppt_h/2"/>
+                                          </p:val>
+                                        </p:tav>
+                                        <p:tav tm="100000">
+                                          <p:val>
+                                            <p:strVal val="#ppt_y"/>
+                                          </p:val>
+                                        </p:tav>
+                                      </p:tavLst>
+                                    </p:anim>
+                                  </p:childTnLst>
+                                </p:cTn>
+                              </p:par>
+                            </p:childTnLst>
+                          </p:cTn>
+                        </p:par>
+                      </p:childTnLst>
+                    </p:cTn>
+                  </p:par>
+                  <p:par>
+                    <p:cTn id="13" fill="hold">
+                      <p:stCondLst>
+                        <p:cond delay="indefinite"/>
+                      </p:stCondLst>
+                      <p:childTnLst>
+                        <p:par>
+                          <p:cTn id="14" fill="hold">
+                            <p:stCondLst>
+                              <p:cond delay="0"/>
+                            </p:stCondLst>
+                            <p:childTnLst>
+                              <p:par>
+                                <p:cTn id="15" presetID="2" presetClass="entr" presetSubtype="4" fill="hold" nodeType="clickEffect">
+                                  <p:stCondLst>
+                                    <p:cond delay="0"/>
+                                  </p:stCondLst>
+                                  <p:childTnLst>
+                                    <p:set>
+                                      <p:cBhvr>
+                                        <p:cTn id="16" dur="1" fill="hold">
+                                          <p:stCondLst>
+                                            <p:cond delay="0"/>
+                                          </p:stCondLst>
+                                        </p:cTn>
+                                        <p:tgtEl>
+                                          <p:spTgt spid="3">
+                                            <p:txEl>
+                                              <p:pRg st="2" end="2"/>
+                                            </p:txEl>
+                                          </p:spTgt>
+                                        </p:tgtEl>
+                                        <p:attrNameLst>
+                                          <p:attrName>style.visibility</p:attrName>
+                                        </p:attrNameLst>
+                                      </p:cBhvr>
+                                      <p:to>
+                                        <p:strVal val="visible"/>
+                                      </p:to>
+                                    </p:set>
+                                    <p:anim calcmode="lin" valueType="num">
+                                      <p:cBhvr additive="base">
+                                        <p:cTn id="17" dur="250" fill="hold"/>
+                                        <p:tgtEl>
+                                          <p:spTgt spid="3">
+                                            <p:txEl>
+                                              <p:pRg st="2" end="2"/>
+                                            </p:txEl>
+                                          </p:spTgt>
+                                        </p:tgtEl>
+                                        <p:attrNameLst>
+                                          <p:attrName>ppt_x</p:attrName>
+                                        </p:attrNameLst>
+                                      </p:cBhvr>
+                                      <p:tavLst>
+                                        <p:tav tm="0">
+                                          <p:val>
+                                            <p:strVal val="#ppt_x"/>
+                                          </p:val>
+                                        </p:tav>
+                                        <p:tav tm="100000">
+                                          <p:val>
+                                            <p:strVal val="#ppt_x"/>
+                                          </p:val>
+                                        </p:tav>
+                                      </p:tavLst>
+                                    </p:anim>
+                                    <p:anim calcmode="lin" valueType="num">
+                                      <p:cBhvr additive="base">
+                                        <p:cTn id="18" dur="250" fill="hold"/>
+                                        <p:tgtEl>
+                                          <p:spTgt spid="3">
+                                            <p:txEl>
+                                              <p:pRg st="2" end="2"/>
+                                            </p:txEl>
+                                          </p:spTgt>
+                                        </p:tgtEl>
+                                        <p:attrNameLst>
+                                          <p:attrName>ppt_y</p:attrName>
+                                        </p:attrNameLst>
+                                      </p:cBhvr>
+                                      <p:tavLst>
+                                        <p:tav tm="0">
+                                          <p:val>
+                                            <p:strVal val="1+#ppt_h/2"/>
+                                          </p:val>
+                                        </p:tav>
+                                        <p:tav tm="100000">
+                                          <p:val>
+                                            <p:strVal val="#ppt_y"/>
+                                          </p:val>
+                                        </p:tav>
+                                      </p:tavLst>
+                                    </p:anim>
+                                  </p:childTnLst>
+                                </p:cTn>
+                              </p:par>
+                            </p:childTnLst>
+                          </p:cTn>
+                        </p:par>
+                      </p:childTnLst>
+                    </p:cTn>
+                  </p:par>
+                  <p:par>
+                    <p:cTn id="19" fill="hold">
+                      <p:stCondLst>
+                        <p:cond delay="indefinite"/>
+                      </p:stCondLst>
+                      <p:childTnLst>
+                        <p:par>
+                          <p:cTn id="20" fill="hold">
+                            <p:stCondLst>
+                              <p:cond delay="0"/>
+                            </p:stCondLst>
+                            <p:childTnLst>
+                              <p:par>
+                                <p:cTn id="21" presetID="2" presetClass="entr" presetSubtype="4" fill="hold" nodeType="clickEffect">
+                                  <p:stCondLst>
+                                    <p:cond delay="0"/>
+                                  </p:stCondLst>
+                                  <p:childTnLst>
+                                    <p:set>
+                                      <p:cBhvr>
+                                        <p:cTn id="22" dur="1" fill="hold">
+                                          <p:stCondLst>
+                                            <p:cond delay="0"/>
+                                          </p:stCondLst>
+                                        </p:cTn>
+                                        <p:tgtEl>
+                                          <p:spTgt spid="3">
+                                            <p:txEl>
+                                              <p:pRg st="4" end="4"/>
+                                            </p:txEl>
+                                          </p:spTgt>
+                                        </p:tgtEl>
+                                        <p:attrNameLst>
+                                          <p:attrName>style.visibility</p:attrName>
+                                        </p:attrNameLst>
+                                      </p:cBhvr>
+                                      <p:to>
+                                        <p:strVal val="visible"/>
+                                      </p:to>
+                                    </p:set>
+                                    <p:anim calcmode="lin" valueType="num">
+                                      <p:cBhvr additive="base">
+                                        <p:cTn id="23" dur="250" fill="hold"/>
+                                        <p:tgtEl>
+                                          <p:spTgt spid="3">
+                                            <p:txEl>
+                                              <p:pRg st="4" end="4"/>
+                                            </p:txEl>
+                                          </p:spTgt>
+                                        </p:tgtEl>
+                                        <p:attrNameLst>
+                                          <p:attrName>ppt_x</p:attrName>
+                                        </p:attrNameLst>
+                                      </p:cBhvr>
+                                      <p:tavLst>
+                                        <p:tav tm="0">
+                                          <p:val>
+                                            <p:strVal val="#ppt_x"/>
+                                          </p:val>
+                                        </p:tav>
+                                        <p:tav tm="100000">
+                                          <p:val>
+                                            <p:strVal val="#ppt_x"/>
+                                          </p:val>
+                                        </p:tav>
+                                      </p:tavLst>
+                                    </p:anim>
+                                    <p:anim calcmode="lin" valueType="num">
+                                      <p:cBhvr additive="base">
+                                        <p:cTn id="24" dur="250" fill="hold"/>
+                                        <p:tgtEl>
+                                          <p:spTgt spid="3">
+                                            <p:txEl>
+                                              <p:pRg st="4" end="4"/>
+                                            </p:txEl>
+                                          </p:spTgt>
+                                        </p:tgtEl>
+                                        <p:attrNameLst>
+                                          <p:attrName>ppt_y</p:attrName>
+                                        </p:attrNameLst>
+                                      </p:cBhvr>
+                                      <p:tavLst>
+                                        <p:tav tm="0">
+                                          <p:val>
+                                            <p:strVal val="1+#ppt_h/2"/>
+                                          </p:val>
+                                        </p:tav>
+                                        <p:tav tm="100000">
+                                          <p:val>
+                                            <p:strVal val="#ppt_y"/>
+                                          </p:val>
+                                        </p:tav>
+                                      </p:tavLst>
+                                    </p:anim>
+                                  </p:childTnLst>
+                                </p:cTn>
+                              </p:par>
+                            </p:childTnLst>
+                          </p:cTn>
+                        </p:par>
+                      </p:childTnLst>
+                    </p:cTn>
+                  </p:par>
+                </p:childTnLst>
+              </p:cTn>
+              <p:prevCondLst>
+                <p:cond evt="onPrev" delay="0">
+                  <p:tgtEl>
+                    <p:sldTgt/>
+                  </p:tgtEl>
+                </p:cond>
+              </p:prevCondLst>
+              <p:nextCondLst>
+                <p:cond evt="onNext" delay="0">
+                  <p:tgtEl>
+                    <p:sldTgt/>
+                  </p:tgtEl>
+                </p:cond>
+              </p:nextCondLst>
+            </p:seq>
+          </p:childTnLst>
+        </p:cTn>
+      </p:par>
+    </p:tnLst>
+    <p:bldLst>
+      <p:bldP spid="2" grpId="0"/>
+    </p:bldLst>
+  </p:timing>
 </p:sld>
 </file>
 
@@ -3203,7 +3643,21 @@
           <a:bodyPr/>
           <a:lstStyle/>
           <a:p>
-            <a:endParaRPr lang="hu-HU"/>
+            <a:r>
+              <a:rPr lang="hu-HU" b="1" dirty="0" smtClean="0">
+                <a:solidFill>
+                  <a:schemeClr val="bg1"/>
+                </a:solidFill>
+                <a:latin typeface="Comic Sans MS" panose="030F0702030302020204" pitchFamily="66" charset="0"/>
+              </a:rPr>
+              <a:t>Történetük</a:t>
+            </a:r>
+            <a:endParaRPr lang="hu-HU" b="1" dirty="0">
+              <a:solidFill>
+                <a:schemeClr val="bg1"/>
+              </a:solidFill>
+              <a:latin typeface="Comic Sans MS" panose="030F0702030302020204" pitchFamily="66" charset="0"/>
+            </a:endParaRPr>
           </a:p>
         </p:txBody>
       </p:sp>
@@ -3222,10 +3676,92 @@
           <a:bodyPr/>
           <a:lstStyle/>
           <a:p>
-            <a:endParaRPr lang="hu-HU"/>
-          </a:p>
-        </p:txBody>
-      </p:sp>
+            <a:r>
+              <a:rPr lang="hu-HU" b="1" dirty="0" smtClean="0">
+                <a:solidFill>
+                  <a:schemeClr val="bg1"/>
+                </a:solidFill>
+                <a:latin typeface="Arial Black" panose="020B0A04020102020204" pitchFamily="34" charset="0"/>
+              </a:rPr>
+              <a:t>Első grafikus kártya 1977 (Apple)</a:t>
+            </a:r>
+          </a:p>
+          <a:p>
+            <a:endParaRPr lang="hu-HU" b="1" dirty="0">
+              <a:solidFill>
+                <a:schemeClr val="bg1"/>
+              </a:solidFill>
+              <a:latin typeface="Arial Black" panose="020B0A04020102020204" pitchFamily="34" charset="0"/>
+            </a:endParaRPr>
+          </a:p>
+          <a:p>
+            <a:r>
+              <a:rPr lang="hu-HU" b="1" dirty="0" smtClean="0">
+                <a:solidFill>
+                  <a:schemeClr val="bg1"/>
+                </a:solidFill>
+                <a:latin typeface="Arial Black" panose="020B0A04020102020204" pitchFamily="34" charset="0"/>
+              </a:rPr>
+              <a:t>1981 IBM MDA</a:t>
+            </a:r>
+          </a:p>
+          <a:p>
+            <a:endParaRPr lang="hu-HU" b="1" dirty="0">
+              <a:solidFill>
+                <a:schemeClr val="bg1"/>
+              </a:solidFill>
+              <a:latin typeface="Arial Black" panose="020B0A04020102020204" pitchFamily="34" charset="0"/>
+            </a:endParaRPr>
+          </a:p>
+          <a:p>
+            <a:r>
+              <a:rPr lang="hu-HU" b="1" dirty="0" smtClean="0">
+                <a:solidFill>
+                  <a:schemeClr val="bg1"/>
+                </a:solidFill>
+                <a:latin typeface="Arial Black" panose="020B0A04020102020204" pitchFamily="34" charset="0"/>
+              </a:rPr>
+              <a:t>1982 IBM HGC</a:t>
+            </a:r>
+            <a:endParaRPr lang="hu-HU" b="1" dirty="0">
+              <a:solidFill>
+                <a:schemeClr val="bg1"/>
+              </a:solidFill>
+              <a:latin typeface="Arial Black" panose="020B0A04020102020204" pitchFamily="34" charset="0"/>
+            </a:endParaRPr>
+          </a:p>
+        </p:txBody>
+      </p:sp>
+      <p:pic>
+        <p:nvPicPr>
+          <p:cNvPr id="4" name="Kép 3"/>
+          <p:cNvPicPr>
+            <a:picLocks noChangeAspect="1"/>
+          </p:cNvPicPr>
+          <p:nvPr/>
+        </p:nvPicPr>
+        <p:blipFill>
+          <a:blip r:embed="rId2" cstate="print">
+            <a:extLst>
+              <a:ext uri="{28A0092B-C50C-407E-A947-70E740481C1C}">
+                <a14:useLocalDpi xmlns:a14="http://schemas.microsoft.com/office/drawing/2010/main" val="0"/>
+              </a:ext>
+            </a:extLst>
+          </a:blip>
+          <a:stretch>
+            <a:fillRect/>
+          </a:stretch>
+        </p:blipFill>
+        <p:spPr>
+          <a:xfrm>
+            <a:off x="7013460" y="2277043"/>
+            <a:ext cx="4340340" cy="1906650"/>
+          </a:xfrm>
+          <a:prstGeom prst="rect">
+            <a:avLst/>
+          </a:prstGeom>
+        </p:spPr>
+      </p:pic>
     </p:spTree>
     <p:extLst>
       <p:ext uri="{BB962C8B-B14F-4D97-AF65-F5344CB8AC3E}">
@@ -3236,6 +3772,578 @@
   <p:clrMapOvr>
     <a:masterClrMapping/>
   </p:clrMapOvr>
+  <p:timing>
+    <p:tnLst>
+      <p:par>
+        <p:cTn id="1" dur="indefinite" restart="never" nodeType="tmRoot">
+          <p:childTnLst>
+            <p:seq concurrent="1" nextAc="seek">
+              <p:cTn id="2" dur="indefinite" nodeType="mainSeq">
+                <p:childTnLst>
+                  <p:par>
+                    <p:cTn id="3" fill="hold">
+                      <p:stCondLst>
+                        <p:cond delay="indefinite"/>
+                      </p:stCondLst>
+                      <p:childTnLst>
+                        <p:par>
+                          <p:cTn id="4" fill="hold">
+                            <p:stCondLst>
+                              <p:cond delay="0"/>
+                            </p:stCondLst>
+                            <p:childTnLst>
+                              <p:par>
+                                <p:cTn id="5" presetID="1" presetClass="entr" presetSubtype="0" fill="hold" grpId="0" nodeType="clickEffect">
+                                  <p:stCondLst>
+                                    <p:cond delay="0"/>
+                                  </p:stCondLst>
+                                  <p:childTnLst>
+                                    <p:set>
+                                      <p:cBhvr>
+                                        <p:cTn id="6" dur="1" fill="hold">
+                                          <p:stCondLst>
+                                            <p:cond delay="0"/>
+                                          </p:stCondLst>
+                                        </p:cTn>
+                                        <p:tgtEl>
+                                          <p:spTgt spid="2"/>
+                                        </p:tgtEl>
+                                        <p:attrNameLst>
+                                          <p:attrName>style.visibility</p:attrName>
+                                        </p:attrNameLst>
+                                      </p:cBhvr>
+                                      <p:to>
+                                        <p:strVal val="visible"/>
+                                      </p:to>
+                                    </p:set>
+                                  </p:childTnLst>
+                                </p:cTn>
+                              </p:par>
+                            </p:childTnLst>
+                          </p:cTn>
+                        </p:par>
+                      </p:childTnLst>
+                    </p:cTn>
+                  </p:par>
+                  <p:par>
+                    <p:cTn id="7" fill="hold">
+                      <p:stCondLst>
+                        <p:cond delay="indefinite"/>
+                      </p:stCondLst>
+                      <p:childTnLst>
+                        <p:par>
+                          <p:cTn id="8" fill="hold">
+                            <p:stCondLst>
+                              <p:cond delay="0"/>
+                            </p:stCondLst>
+                            <p:childTnLst>
+                              <p:par>
+                                <p:cTn id="9" presetID="2" presetClass="entr" presetSubtype="4" fill="hold" nodeType="clickEffect">
+                                  <p:stCondLst>
+                                    <p:cond delay="0"/>
+                                  </p:stCondLst>
+                                  <p:childTnLst>
+                                    <p:set>
+                                      <p:cBhvr>
+                                        <p:cTn id="10" dur="1" fill="hold">
+                                          <p:stCondLst>
+                                            <p:cond delay="0"/>
+                                          </p:stCondLst>
+                                        </p:cTn>
+                                        <p:tgtEl>
+                                          <p:spTgt spid="3">
+                                            <p:txEl>
+                                              <p:pRg st="0" end="0"/>
+                                            </p:txEl>
+                                          </p:spTgt>
+                                        </p:tgtEl>
+                                        <p:attrNameLst>
+                                          <p:attrName>style.visibility</p:attrName>
+                                        </p:attrNameLst>
+                                      </p:cBhvr>
+                                      <p:to>
+                                        <p:strVal val="visible"/>
+                                      </p:to>
+                                    </p:set>
+                                    <p:anim calcmode="lin" valueType="num">
+                                      <p:cBhvr additive="base">
+                                        <p:cTn id="11" dur="250" fill="hold"/>
+                                        <p:tgtEl>
+                                          <p:spTgt spid="3">
+                                            <p:txEl>
+                                              <p:pRg st="0" end="0"/>
+                                            </p:txEl>
+                                          </p:spTgt>
+                                        </p:tgtEl>
+                                        <p:attrNameLst>
+                                          <p:attrName>ppt_x</p:attrName>
+                                        </p:attrNameLst>
+                                      </p:cBhvr>
+                                      <p:tavLst>
+                                        <p:tav tm="0">
+                                          <p:val>
+                                            <p:strVal val="#ppt_x"/>
+                                          </p:val>
+                                        </p:tav>
+                                        <p:tav tm="100000">
+                                          <p:val>
+                                            <p:strVal val="#ppt_x"/>
+                                          </p:val>
+                                        </p:tav>
+                                      </p:tavLst>
+                                    </p:anim>
+                                    <p:anim calcmode="lin" valueType="num">
+                                      <p:cBhvr additive="base">
+                                        <p:cTn id="12" dur="250" fill="hold"/>
+                                        <p:tgtEl>
+                                          <p:spTgt spid="3">
+                                            <p:txEl>
+                                              <p:pRg st="0" end="0"/>
+                                            </p:txEl>
+                                          </p:spTgt>
+                                        </p:tgtEl>
+                                        <p:attrNameLst>
+                                          <p:attrName>ppt_y</p:attrName>
+                                        </p:attrNameLst>
+                                      </p:cBhvr>
+                                      <p:tavLst>
+                                        <p:tav tm="0">
+                                          <p:val>
+                                            <p:strVal val="1+#ppt_h/2"/>
+                                          </p:val>
+                                        </p:tav>
+                                        <p:tav tm="100000">
+                                          <p:val>
+                                            <p:strVal val="#ppt_y"/>
+                                          </p:val>
+                                        </p:tav>
+                                      </p:tavLst>
+                                    </p:anim>
+                                  </p:childTnLst>
+                                </p:cTn>
+                              </p:par>
+                            </p:childTnLst>
+                          </p:cTn>
+                        </p:par>
+                      </p:childTnLst>
+                    </p:cTn>
+                  </p:par>
+                  <p:par>
+                    <p:cTn id="13" fill="hold">
+                      <p:stCondLst>
+                        <p:cond delay="indefinite"/>
+                      </p:stCondLst>
+                      <p:childTnLst>
+                        <p:par>
+                          <p:cTn id="14" fill="hold">
+                            <p:stCondLst>
+                              <p:cond delay="0"/>
+                            </p:stCondLst>
+                            <p:childTnLst>
+                              <p:par>
+                                <p:cTn id="15" presetID="2" presetClass="entr" presetSubtype="4" fill="hold" nodeType="clickEffect">
+                                  <p:stCondLst>
+                                    <p:cond delay="0"/>
+                                  </p:stCondLst>
+                                  <p:childTnLst>
+                                    <p:set>
+                                      <p:cBhvr>
+                                        <p:cTn id="16" dur="1" fill="hold">
+                                          <p:stCondLst>
+                                            <p:cond delay="0"/>
+                                          </p:stCondLst>
+                                        </p:cTn>
+                                        <p:tgtEl>
+                                          <p:spTgt spid="3">
+                                            <p:txEl>
+                                              <p:pRg st="2" end="2"/>
+                                            </p:txEl>
+                                          </p:spTgt>
+                                        </p:tgtEl>
+                                        <p:attrNameLst>
+                                          <p:attrName>style.visibility</p:attrName>
+                                        </p:attrNameLst>
+                                      </p:cBhvr>
+                                      <p:to>
+                                        <p:strVal val="visible"/>
+                                      </p:to>
+                                    </p:set>
+                                    <p:anim calcmode="lin" valueType="num">
+                                      <p:cBhvr additive="base">
+                                        <p:cTn id="17" dur="250" fill="hold"/>
+                                        <p:tgtEl>
+                                          <p:spTgt spid="3">
+                                            <p:txEl>
+                                              <p:pRg st="2" end="2"/>
+                                            </p:txEl>
+                                          </p:spTgt>
+                                        </p:tgtEl>
+                                        <p:attrNameLst>
+                                          <p:attrName>ppt_x</p:attrName>
+                                        </p:attrNameLst>
+                                      </p:cBhvr>
+                                      <p:tavLst>
+                                        <p:tav tm="0">
+                                          <p:val>
+                                            <p:strVal val="#ppt_x"/>
+                                          </p:val>
+                                        </p:tav>
+                                        <p:tav tm="100000">
+                                          <p:val>
+                                            <p:strVal val="#ppt_x"/>
+                                          </p:val>
+                                        </p:tav>
+                                      </p:tavLst>
+                                    </p:anim>
+                                    <p:anim calcmode="lin" valueType="num">
+                                      <p:cBhvr additive="base">
+                                        <p:cTn id="18" dur="250" fill="hold"/>
+                                        <p:tgtEl>
+                                          <p:spTgt spid="3">
+                                            <p:txEl>
+                                              <p:pRg st="2" end="2"/>
+                                            </p:txEl>
+                                          </p:spTgt>
+                                        </p:tgtEl>
+                                        <p:attrNameLst>
+                                          <p:attrName>ppt_y</p:attrName>
+                                        </p:attrNameLst>
+                                      </p:cBhvr>
+                                      <p:tavLst>
+                                        <p:tav tm="0">
+                                          <p:val>
+                                            <p:strVal val="1+#ppt_h/2"/>
+                                          </p:val>
+                                        </p:tav>
+                                        <p:tav tm="100000">
+                                          <p:val>
+                                            <p:strVal val="#ppt_y"/>
+                                          </p:val>
+                                        </p:tav>
+                                      </p:tavLst>
+                                    </p:anim>
+                                  </p:childTnLst>
+                                </p:cTn>
+                              </p:par>
+                              <p:par>
+                                <p:cTn id="19" presetID="42" presetClass="entr" presetSubtype="0" fill="hold" nodeType="withEffect">
+                                  <p:stCondLst>
+                                    <p:cond delay="0"/>
+                                  </p:stCondLst>
+                                  <p:childTnLst>
+                                    <p:set>
+                                      <p:cBhvr>
+                                        <p:cTn id="20" dur="1" fill="hold">
+                                          <p:stCondLst>
+                                            <p:cond delay="0"/>
+                                          </p:stCondLst>
+                                        </p:cTn>
+                                        <p:tgtEl>
+                                          <p:spTgt spid="4"/>
+                                        </p:tgtEl>
+                                        <p:attrNameLst>
+                                          <p:attrName>style.visibility</p:attrName>
+                                        </p:attrNameLst>
+                                      </p:cBhvr>
+                                      <p:to>
+                                        <p:strVal val="visible"/>
+                                      </p:to>
+                                    </p:set>
+                                    <p:animEffect transition="in" filter="fade">
+                                      <p:cBhvr>
+                                        <p:cTn id="21" dur="250"/>
+                                        <p:tgtEl>
+                                          <p:spTgt spid="4"/>
+                                        </p:tgtEl>
+                                      </p:cBhvr>
+                                    </p:animEffect>
+                                    <p:anim calcmode="lin" valueType="num">
+                                      <p:cBhvr>
+                                        <p:cTn id="22" dur="250" fill="hold"/>
+                                        <p:tgtEl>
+                                          <p:spTgt spid="4"/>
+                                        </p:tgtEl>
+                                        <p:attrNameLst>
+                                          <p:attrName>ppt_x</p:attrName>
+                                        </p:attrNameLst>
+                                      </p:cBhvr>
+                                      <p:tavLst>
+                                        <p:tav tm="0">
+                                          <p:val>
+                                            <p:strVal val="#ppt_x"/>
+                                          </p:val>
+                                        </p:tav>
+                                        <p:tav tm="100000">
+                                          <p:val>
+                                            <p:strVal val="#ppt_x"/>
+                                          </p:val>
+                                        </p:tav>
+                                      </p:tavLst>
+                                    </p:anim>
+                                    <p:anim calcmode="lin" valueType="num">
+                                      <p:cBhvr>
+                                        <p:cTn id="23" dur="250" fill="hold"/>
+                                        <p:tgtEl>
+                                          <p:spTgt spid="4"/>
+                                        </p:tgtEl>
+                                        <p:attrNameLst>
+                                          <p:attrName>ppt_y</p:attrName>
+                                        </p:attrNameLst>
+                                      </p:cBhvr>
+                                      <p:tavLst>
+                                        <p:tav tm="0">
+                                          <p:val>
+                                            <p:strVal val="#ppt_y+.1"/>
+                                          </p:val>
+                                        </p:tav>
+                                        <p:tav tm="100000">
+                                          <p:val>
+                                            <p:strVal val="#ppt_y"/>
+                                          </p:val>
+                                        </p:tav>
+                                      </p:tavLst>
+                                    </p:anim>
+                                  </p:childTnLst>
+                                </p:cTn>
+                              </p:par>
+                            </p:childTnLst>
+                          </p:cTn>
+                        </p:par>
+                      </p:childTnLst>
+                    </p:cTn>
+                  </p:par>
+                  <p:par>
+                    <p:cTn id="24" fill="hold">
+                      <p:stCondLst>
+                        <p:cond delay="indefinite"/>
+                      </p:stCondLst>
+                      <p:childTnLst>
+                        <p:par>
+                          <p:cTn id="25" fill="hold">
+                            <p:stCondLst>
+                              <p:cond delay="0"/>
+                            </p:stCondLst>
+                            <p:childTnLst>
+                              <p:par>
+                                <p:cTn id="26" presetID="31" presetClass="exit" presetSubtype="0" fill="hold" nodeType="clickEffect">
+                                  <p:stCondLst>
+                                    <p:cond delay="0"/>
+                                  </p:stCondLst>
+                                  <p:childTnLst>
+                                    <p:anim calcmode="lin" valueType="num">
+                                      <p:cBhvr>
+                                        <p:cTn id="27" dur="500"/>
+                                        <p:tgtEl>
+                                          <p:spTgt spid="4"/>
+                                        </p:tgtEl>
+                                        <p:attrNameLst>
+                                          <p:attrName>ppt_w</p:attrName>
+                                        </p:attrNameLst>
+                                      </p:cBhvr>
+                                      <p:tavLst>
+                                        <p:tav tm="0">
+                                          <p:val>
+                                            <p:strVal val="ppt_w"/>
+                                          </p:val>
+                                        </p:tav>
+                                        <p:tav tm="100000">
+                                          <p:val>
+                                            <p:fltVal val="0"/>
+                                          </p:val>
+                                        </p:tav>
+                                      </p:tavLst>
+                                    </p:anim>
+                                    <p:anim calcmode="lin" valueType="num">
+                                      <p:cBhvr>
+                                        <p:cTn id="28" dur="500"/>
+                                        <p:tgtEl>
+                                          <p:spTgt spid="4"/>
+                                        </p:tgtEl>
+                                        <p:attrNameLst>
+                                          <p:attrName>ppt_h</p:attrName>
+                                        </p:attrNameLst>
+                                      </p:cBhvr>
+                                      <p:tavLst>
+                                        <p:tav tm="0">
+                                          <p:val>
+                                            <p:strVal val="ppt_h"/>
+                                          </p:val>
+                                        </p:tav>
+                                        <p:tav tm="100000">
+                                          <p:val>
+                                            <p:fltVal val="0"/>
+                                          </p:val>
+                                        </p:tav>
+                                      </p:tavLst>
+                                    </p:anim>
+                                    <p:anim calcmode="lin" valueType="num">
+                                      <p:cBhvr>
+                                        <p:cTn id="29" dur="500"/>
+                                        <p:tgtEl>
+                                          <p:spTgt spid="4"/>
+                                        </p:tgtEl>
+                                        <p:attrNameLst>
+                                          <p:attrName>style.rotation</p:attrName>
+                                        </p:attrNameLst>
+                                      </p:cBhvr>
+                                      <p:tavLst>
+                                        <p:tav tm="0">
+                                          <p:val>
+                                            <p:fltVal val="0"/>
+                                          </p:val>
+                                        </p:tav>
+                                        <p:tav tm="100000">
+                                          <p:val>
+                                            <p:fltVal val="90"/>
+                                          </p:val>
+                                        </p:tav>
+                                      </p:tavLst>
+                                    </p:anim>
+                                    <p:animEffect transition="out" filter="fade">
+                                      <p:cBhvr>
+                                        <p:cTn id="30" dur="500"/>
+                                        <p:tgtEl>
+                                          <p:spTgt spid="4"/>
+                                        </p:tgtEl>
+                                      </p:cBhvr>
+                                    </p:animEffect>
+                                    <p:set>
+                                      <p:cBhvr>
+                                        <p:cTn id="31" dur="1" fill="hold">
+                                          <p:stCondLst>
+                                            <p:cond delay="499"/>
+                                          </p:stCondLst>
+                                        </p:cTn>
+                                        <p:tgtEl>
+                                          <p:spTgt spid="4"/>
+                                        </p:tgtEl>
+                                        <p:attrNameLst>
+                                          <p:attrName>style.visibility</p:attrName>
+                                        </p:attrNameLst>
+                                      </p:cBhvr>
+                                      <p:to>
+                                        <p:strVal val="hidden"/>
+                                      </p:to>
+                                    </p:set>
+                                  </p:childTnLst>
+                                </p:cTn>
+                              </p:par>
+                              <p:par>
+                                <p:cTn id="32" presetID="2" presetClass="entr" presetSubtype="4" fill="hold" nodeType="withEffect">
+                                  <p:stCondLst>
+                                    <p:cond delay="0"/>
+                                  </p:stCondLst>
+                                  <p:childTnLst>
+                                    <p:set>
+                                      <p:cBhvr>
+                                        <p:cTn id="33" dur="1" fill="hold">
+                                          <p:stCondLst>
+                                            <p:cond delay="0"/>
+                                          </p:stCondLst>
+                                        </p:cTn>
+                                        <p:tgtEl>
+                                          <p:spTgt spid="3">
+                                            <p:txEl>
+                                              <p:pRg st="4" end="4"/>
+                                            </p:txEl>
+                                          </p:spTgt>
+                                        </p:tgtEl>
+                                        <p:attrNameLst>
+                                          <p:attrName>style.visibility</p:attrName>
+                                        </p:attrNameLst>
+                                      </p:cBhvr>
+                                      <p:to>
+                                        <p:strVal val="visible"/>
+                                      </p:to>
+                                    </p:set>
+                                    <p:anim calcmode="lin" valueType="num">
+                                      <p:cBhvr additive="base">
+                                        <p:cTn id="34" dur="250" fill="hold"/>
+                                        <p:tgtEl>
+                                          <p:spTgt spid="3">
+                                            <p:txEl>
+                                              <p:pRg st="4" end="4"/>
+                                            </p:txEl>
+                                          </p:spTgt>
+                                        </p:tgtEl>
+                                        <p:attrNameLst>
+                                          <p:attrName>ppt_x</p:attrName>
+                                        </p:attrNameLst>
+                                      </p:cBhvr>
+                                      <p:tavLst>
+                                        <p:tav tm="0">
+                                          <p:val>
+                                            <p:strVal val="#ppt_x"/>
+                                          </p:val>
+                                        </p:tav>
+                                        <p:tav tm="100000">
+                                          <p:val>
+                                            <p:strVal val="#ppt_x"/>
+                                          </p:val>
+                                        </p:tav>
+                                      </p:tavLst>
+                                    </p:anim>
+                                    <p:anim calcmode="lin" valueType="num">
+                                      <p:cBhvr additive="base">
+                                        <p:cTn id="35" dur="250" fill="hold"/>
+                                        <p:tgtEl>
+                                          <p:spTgt spid="3">
+                                            <p:txEl>
+                                              <p:pRg st="4" end="4"/>
+                                            </p:txEl>
+                                          </p:spTgt>
+                                        </p:tgtEl>
+                                        <p:attrNameLst>
+                                          <p:attrName>ppt_y</p:attrName>
+                                        </p:attrNameLst>
+                                      </p:cBhvr>
+                                      <p:tavLst>
+                                        <p:tav tm="0">
+                                          <p:val>
+                                            <p:strVal val="1+#ppt_h/2"/>
+                                          </p:val>
+                                        </p:tav>
+                                        <p:tav tm="100000">
+                                          <p:val>
+                                            <p:strVal val="#ppt_y"/>
+                                          </p:val>
+                                        </p:tav>
+                                      </p:tavLst>
+                                    </p:anim>
+                                  </p:childTnLst>
+                                </p:cTn>
+                              </p:par>
+                            </p:childTnLst>
+                          </p:cTn>
+                        </p:par>
+                      </p:childTnLst>
+                    </p:cTn>
+                  </p:par>
+                </p:childTnLst>
+              </p:cTn>
+              <p:prevCondLst>
+                <p:cond evt="onPrev" delay="0">
+                  <p:tgtEl>
+                    <p:sldTgt/>
+                  </p:tgtEl>
+                </p:cond>
+              </p:prevCondLst>
+              <p:nextCondLst>
+                <p:cond evt="onNext" delay="0">
+                  <p:tgtEl>
+                    <p:sldTgt/>
+                  </p:tgtEl>
+                </p:cond>
+              </p:nextCondLst>
+            </p:seq>
+          </p:childTnLst>
+        </p:cTn>
+      </p:par>
+    </p:tnLst>
+    <p:bldLst>
+      <p:bldP spid="2" grpId="0"/>
+    </p:bldLst>
+  </p:timing>
 </p:sld>
 </file>
 
@@ -3271,7 +4379,21 @@
           <a:bodyPr/>
           <a:lstStyle/>
           <a:p>
-            <a:endParaRPr lang="hu-HU"/>
+            <a:r>
+              <a:rPr lang="hu-HU" b="1" dirty="0" smtClean="0">
+                <a:solidFill>
+                  <a:schemeClr val="bg1"/>
+                </a:solidFill>
+                <a:latin typeface="Comic Sans MS" panose="030F0702030302020204" pitchFamily="66" charset="0"/>
+              </a:rPr>
+              <a:t>Gyártók</a:t>
+            </a:r>
+            <a:endParaRPr lang="hu-HU" b="1" dirty="0">
+              <a:solidFill>
+                <a:schemeClr val="bg1"/>
+              </a:solidFill>
+              <a:latin typeface="Comic Sans MS" panose="030F0702030302020204" pitchFamily="66" charset="0"/>
+            </a:endParaRPr>
           </a:p>
         </p:txBody>
       </p:sp>
@@ -3285,12 +4407,208 @@
             <p:ph idx="1"/>
           </p:nvPr>
         </p:nvSpPr>
-        <p:spPr/>
-        <p:txBody>
-          <a:bodyPr/>
+        <p:spPr>
+          <a:xfrm>
+            <a:off x="838200" y="1825625"/>
+            <a:ext cx="10515600" cy="1654554"/>
+          </a:xfrm>
+        </p:spPr>
+        <p:txBody>
+          <a:bodyPr>
+            <a:normAutofit/>
+          </a:bodyPr>
           <a:lstStyle/>
           <a:p>
-            <a:endParaRPr lang="hu-HU"/>
+            <a:pPr algn="ctr"/>
+            <a:r>
+              <a:rPr lang="hu-HU" dirty="0" smtClean="0">
+                <a:solidFill>
+                  <a:schemeClr val="bg1"/>
+                </a:solidFill>
+                <a:latin typeface="Arial Black" panose="020B0A04020102020204" pitchFamily="34" charset="0"/>
+              </a:rPr>
+              <a:t>2 főbb gyártó:</a:t>
+            </a:r>
+          </a:p>
+          <a:p>
+            <a:endParaRPr lang="hu-HU" dirty="0">
+              <a:solidFill>
+                <a:schemeClr val="bg1"/>
+              </a:solidFill>
+              <a:latin typeface="Arial Black" panose="020B0A04020102020204" pitchFamily="34" charset="0"/>
+            </a:endParaRPr>
+          </a:p>
+          <a:p>
+            <a:r>
+              <a:rPr lang="hu-HU" dirty="0" err="1" smtClean="0">
+                <a:solidFill>
+                  <a:schemeClr val="bg1"/>
+                </a:solidFill>
+                <a:latin typeface="Arial Black" panose="020B0A04020102020204" pitchFamily="34" charset="0"/>
+              </a:rPr>
+              <a:t>nVidia</a:t>
+            </a:r>
+            <a:r>
+              <a:rPr lang="hu-HU" dirty="0" smtClean="0">
+                <a:solidFill>
+                  <a:schemeClr val="bg1"/>
+                </a:solidFill>
+                <a:latin typeface="Arial Black" panose="020B0A04020102020204" pitchFamily="34" charset="0"/>
+              </a:rPr>
+              <a:t> 						</a:t>
+            </a:r>
+          </a:p>
+          <a:p>
+            <a:pPr marL="0" indent="0">
+              <a:buNone/>
+            </a:pPr>
+            <a:endParaRPr lang="hu-HU" dirty="0">
+              <a:solidFill>
+                <a:schemeClr val="bg1"/>
+              </a:solidFill>
+              <a:latin typeface="Arial Black" panose="020B0A04020102020204" pitchFamily="34" charset="0"/>
+            </a:endParaRPr>
+          </a:p>
+          <a:p>
+            <a:pPr marL="0" indent="0">
+              <a:buNone/>
+            </a:pPr>
+            <a:endParaRPr lang="hu-HU" dirty="0">
+              <a:solidFill>
+                <a:schemeClr val="bg1"/>
+              </a:solidFill>
+              <a:latin typeface="Arial Black" panose="020B0A04020102020204" pitchFamily="34" charset="0"/>
+            </a:endParaRPr>
+          </a:p>
+        </p:txBody>
+      </p:sp>
+      <p:pic>
+        <p:nvPicPr>
+          <p:cNvPr id="1028" name="Picture 4" descr="Nvidia – Logos Download"/>
+          <p:cNvPicPr>
+            <a:picLocks noChangeAspect="1" noChangeArrowheads="1"/>
+          </p:cNvPicPr>
+          <p:nvPr/>
+        </p:nvPicPr>
+        <p:blipFill>
+          <a:blip r:embed="rId2" cstate="print">
+            <a:extLst>
+              <a:ext uri="{28A0092B-C50C-407E-A947-70E740481C1C}">
+                <a14:useLocalDpi xmlns:a14="http://schemas.microsoft.com/office/drawing/2010/main" val="0"/>
+              </a:ext>
+            </a:extLst>
+          </a:blip>
+          <a:srcRect/>
+          <a:stretch>
+            <a:fillRect/>
+          </a:stretch>
+        </p:blipFill>
+        <p:spPr bwMode="auto">
+          <a:xfrm>
+            <a:off x="838200" y="3615116"/>
+            <a:ext cx="2341911" cy="410131"/>
+          </a:xfrm>
+          <a:prstGeom prst="rect">
+            <a:avLst/>
+          </a:prstGeom>
+          <a:noFill/>
+          <a:extLst>
+            <a:ext uri="{909E8E84-426E-40DD-AFC4-6F175D3DCCD1}">
+              <a14:hiddenFill xmlns:a14="http://schemas.microsoft.com/office/drawing/2010/main">
+                <a:solidFill>
+                  <a:srgbClr val="FFFFFF"/>
+                </a:solidFill>
+              </a14:hiddenFill>
+            </a:ext>
+          </a:extLst>
+        </p:spPr>
+      </p:pic>
+      <p:pic>
+        <p:nvPicPr>
+          <p:cNvPr id="1030" name="Picture 6" descr="AMD Radeon Memory Logo PNG Vector (AI) Free Download"/>
+          <p:cNvPicPr>
+            <a:picLocks noChangeAspect="1" noChangeArrowheads="1"/>
+          </p:cNvPicPr>
+          <p:nvPr/>
+        </p:nvPicPr>
+        <p:blipFill>
+          <a:blip r:embed="rId3" cstate="print">
+            <a:extLst>
+              <a:ext uri="{28A0092B-C50C-407E-A947-70E740481C1C}">
+                <a14:useLocalDpi xmlns:a14="http://schemas.microsoft.com/office/drawing/2010/main" val="0"/>
+              </a:ext>
+            </a:extLst>
+          </a:blip>
+          <a:srcRect/>
+          <a:stretch>
+            <a:fillRect/>
+          </a:stretch>
+        </p:blipFill>
+        <p:spPr bwMode="auto">
+          <a:xfrm>
+            <a:off x="8497352" y="3615116"/>
+            <a:ext cx="1222084" cy="1038771"/>
+          </a:xfrm>
+          <a:prstGeom prst="rect">
+            <a:avLst/>
+          </a:prstGeom>
+          <a:noFill/>
+          <a:extLst>
+            <a:ext uri="{909E8E84-426E-40DD-AFC4-6F175D3DCCD1}">
+              <a14:hiddenFill xmlns:a14="http://schemas.microsoft.com/office/drawing/2010/main">
+                <a:solidFill>
+                  <a:srgbClr val="FFFFFF"/>
+                </a:solidFill>
+              </a14:hiddenFill>
+            </a:ext>
+          </a:extLst>
+        </p:spPr>
+      </p:pic>
+      <p:sp>
+        <p:nvSpPr>
+          <p:cNvPr id="4" name="Téglalap 3"/>
+          <p:cNvSpPr/>
+          <p:nvPr/>
+        </p:nvSpPr>
+        <p:spPr>
+          <a:xfrm>
+            <a:off x="6917242" y="2863026"/>
+            <a:ext cx="4093136" cy="523220"/>
+          </a:xfrm>
+          <a:prstGeom prst="rect">
+            <a:avLst/>
+          </a:prstGeom>
+        </p:spPr>
+        <p:txBody>
+          <a:bodyPr wrap="square">
+            <a:spAutoFit/>
+          </a:bodyPr>
+          <a:lstStyle/>
+          <a:p>
+            <a:r>
+              <a:rPr lang="hu-HU" sz="2800" dirty="0" smtClean="0">
+                <a:solidFill>
+                  <a:schemeClr val="bg1"/>
+                </a:solidFill>
+                <a:latin typeface="Arial Black" panose="020B0A04020102020204" pitchFamily="34" charset="0"/>
+              </a:rPr>
+              <a:t>ATI </a:t>
+            </a:r>
+            <a:r>
+              <a:rPr lang="hu-HU" sz="2800" dirty="0">
+                <a:solidFill>
+                  <a:schemeClr val="bg1"/>
+                </a:solidFill>
+                <a:latin typeface="Arial Black" panose="020B0A04020102020204" pitchFamily="34" charset="0"/>
+              </a:rPr>
+              <a:t>(2006-tól AMD)</a:t>
+            </a:r>
+            <a:endParaRPr lang="hu-HU" sz="2800" dirty="0">
+              <a:solidFill>
+                <a:schemeClr val="bg1"/>
+              </a:solidFill>
+              <a:latin typeface="Arial Black" panose="020B0A04020102020204" pitchFamily="34" charset="0"/>
+            </a:endParaRPr>
           </a:p>
         </p:txBody>
       </p:sp>
@@ -3304,6 +4622,555 @@
   <p:clrMapOvr>
     <a:masterClrMapping/>
   </p:clrMapOvr>
+  <p:timing>
+    <p:tnLst>
+      <p:par>
+        <p:cTn id="1" dur="indefinite" restart="never" nodeType="tmRoot">
+          <p:childTnLst>
+            <p:seq concurrent="1" nextAc="seek">
+              <p:cTn id="2" dur="indefinite" nodeType="mainSeq">
+                <p:childTnLst>
+                  <p:par>
+                    <p:cTn id="3" fill="hold">
+                      <p:stCondLst>
+                        <p:cond delay="indefinite"/>
+                      </p:stCondLst>
+                      <p:childTnLst>
+                        <p:par>
+                          <p:cTn id="4" fill="hold">
+                            <p:stCondLst>
+                              <p:cond delay="0"/>
+                            </p:stCondLst>
+                            <p:childTnLst>
+                              <p:par>
+                                <p:cTn id="5" presetID="1" presetClass="entr" presetSubtype="0" fill="hold" grpId="0" nodeType="clickEffect">
+                                  <p:stCondLst>
+                                    <p:cond delay="0"/>
+                                  </p:stCondLst>
+                                  <p:childTnLst>
+                                    <p:set>
+                                      <p:cBhvr>
+                                        <p:cTn id="6" dur="1" fill="hold">
+                                          <p:stCondLst>
+                                            <p:cond delay="0"/>
+                                          </p:stCondLst>
+                                        </p:cTn>
+                                        <p:tgtEl>
+                                          <p:spTgt spid="2"/>
+                                        </p:tgtEl>
+                                        <p:attrNameLst>
+                                          <p:attrName>style.visibility</p:attrName>
+                                        </p:attrNameLst>
+                                      </p:cBhvr>
+                                      <p:to>
+                                        <p:strVal val="visible"/>
+                                      </p:to>
+                                    </p:set>
+                                  </p:childTnLst>
+                                </p:cTn>
+                              </p:par>
+                            </p:childTnLst>
+                          </p:cTn>
+                        </p:par>
+                      </p:childTnLst>
+                    </p:cTn>
+                  </p:par>
+                  <p:par>
+                    <p:cTn id="7" fill="hold">
+                      <p:stCondLst>
+                        <p:cond delay="indefinite"/>
+                      </p:stCondLst>
+                      <p:childTnLst>
+                        <p:par>
+                          <p:cTn id="8" fill="hold">
+                            <p:stCondLst>
+                              <p:cond delay="0"/>
+                            </p:stCondLst>
+                            <p:childTnLst>
+                              <p:par>
+                                <p:cTn id="9" presetID="2" presetClass="entr" presetSubtype="4" fill="hold" nodeType="clickEffect">
+                                  <p:stCondLst>
+                                    <p:cond delay="0"/>
+                                  </p:stCondLst>
+                                  <p:childTnLst>
+                                    <p:set>
+                                      <p:cBhvr>
+                                        <p:cTn id="10" dur="1" fill="hold">
+                                          <p:stCondLst>
+                                            <p:cond delay="0"/>
+                                          </p:stCondLst>
+                                        </p:cTn>
+                                        <p:tgtEl>
+                                          <p:spTgt spid="3">
+                                            <p:txEl>
+                                              <p:pRg st="0" end="0"/>
+                                            </p:txEl>
+                                          </p:spTgt>
+                                        </p:tgtEl>
+                                        <p:attrNameLst>
+                                          <p:attrName>style.visibility</p:attrName>
+                                        </p:attrNameLst>
+                                      </p:cBhvr>
+                                      <p:to>
+                                        <p:strVal val="visible"/>
+                                      </p:to>
+                                    </p:set>
+                                    <p:anim calcmode="lin" valueType="num">
+                                      <p:cBhvr additive="base">
+                                        <p:cTn id="11" dur="250" fill="hold"/>
+                                        <p:tgtEl>
+                                          <p:spTgt spid="3">
+                                            <p:txEl>
+                                              <p:pRg st="0" end="0"/>
+                                            </p:txEl>
+                                          </p:spTgt>
+                                        </p:tgtEl>
+                                        <p:attrNameLst>
+                                          <p:attrName>ppt_x</p:attrName>
+                                        </p:attrNameLst>
+                                      </p:cBhvr>
+                                      <p:tavLst>
+                                        <p:tav tm="0">
+                                          <p:val>
+                                            <p:strVal val="#ppt_x"/>
+                                          </p:val>
+                                        </p:tav>
+                                        <p:tav tm="100000">
+                                          <p:val>
+                                            <p:strVal val="#ppt_x"/>
+                                          </p:val>
+                                        </p:tav>
+                                      </p:tavLst>
+                                    </p:anim>
+                                    <p:anim calcmode="lin" valueType="num">
+                                      <p:cBhvr additive="base">
+                                        <p:cTn id="12" dur="250" fill="hold"/>
+                                        <p:tgtEl>
+                                          <p:spTgt spid="3">
+                                            <p:txEl>
+                                              <p:pRg st="0" end="0"/>
+                                            </p:txEl>
+                                          </p:spTgt>
+                                        </p:tgtEl>
+                                        <p:attrNameLst>
+                                          <p:attrName>ppt_y</p:attrName>
+                                        </p:attrNameLst>
+                                      </p:cBhvr>
+                                      <p:tavLst>
+                                        <p:tav tm="0">
+                                          <p:val>
+                                            <p:strVal val="1+#ppt_h/2"/>
+                                          </p:val>
+                                        </p:tav>
+                                        <p:tav tm="100000">
+                                          <p:val>
+                                            <p:strVal val="#ppt_y"/>
+                                          </p:val>
+                                        </p:tav>
+                                      </p:tavLst>
+                                    </p:anim>
+                                  </p:childTnLst>
+                                </p:cTn>
+                              </p:par>
+                            </p:childTnLst>
+                          </p:cTn>
+                        </p:par>
+                      </p:childTnLst>
+                    </p:cTn>
+                  </p:par>
+                  <p:par>
+                    <p:cTn id="13" fill="hold">
+                      <p:stCondLst>
+                        <p:cond delay="indefinite"/>
+                      </p:stCondLst>
+                      <p:childTnLst>
+                        <p:par>
+                          <p:cTn id="14" fill="hold">
+                            <p:stCondLst>
+                              <p:cond delay="0"/>
+                            </p:stCondLst>
+                            <p:childTnLst>
+                              <p:par>
+                                <p:cTn id="15" presetID="2" presetClass="entr" presetSubtype="4" fill="hold" nodeType="clickEffect">
+                                  <p:stCondLst>
+                                    <p:cond delay="0"/>
+                                  </p:stCondLst>
+                                  <p:childTnLst>
+                                    <p:set>
+                                      <p:cBhvr>
+                                        <p:cTn id="16" dur="1" fill="hold">
+                                          <p:stCondLst>
+                                            <p:cond delay="0"/>
+                                          </p:stCondLst>
+                                        </p:cTn>
+                                        <p:tgtEl>
+                                          <p:spTgt spid="3">
+                                            <p:txEl>
+                                              <p:pRg st="2" end="2"/>
+                                            </p:txEl>
+                                          </p:spTgt>
+                                        </p:tgtEl>
+                                        <p:attrNameLst>
+                                          <p:attrName>style.visibility</p:attrName>
+                                        </p:attrNameLst>
+                                      </p:cBhvr>
+                                      <p:to>
+                                        <p:strVal val="visible"/>
+                                      </p:to>
+                                    </p:set>
+                                    <p:anim calcmode="lin" valueType="num">
+                                      <p:cBhvr additive="base">
+                                        <p:cTn id="17" dur="250" fill="hold"/>
+                                        <p:tgtEl>
+                                          <p:spTgt spid="3">
+                                            <p:txEl>
+                                              <p:pRg st="2" end="2"/>
+                                            </p:txEl>
+                                          </p:spTgt>
+                                        </p:tgtEl>
+                                        <p:attrNameLst>
+                                          <p:attrName>ppt_x</p:attrName>
+                                        </p:attrNameLst>
+                                      </p:cBhvr>
+                                      <p:tavLst>
+                                        <p:tav tm="0">
+                                          <p:val>
+                                            <p:strVal val="#ppt_x"/>
+                                          </p:val>
+                                        </p:tav>
+                                        <p:tav tm="100000">
+                                          <p:val>
+                                            <p:strVal val="#ppt_x"/>
+                                          </p:val>
+                                        </p:tav>
+                                      </p:tavLst>
+                                    </p:anim>
+                                    <p:anim calcmode="lin" valueType="num">
+                                      <p:cBhvr additive="base">
+                                        <p:cTn id="18" dur="250" fill="hold"/>
+                                        <p:tgtEl>
+                                          <p:spTgt spid="3">
+                                            <p:txEl>
+                                              <p:pRg st="2" end="2"/>
+                                            </p:txEl>
+                                          </p:spTgt>
+                                        </p:tgtEl>
+                                        <p:attrNameLst>
+                                          <p:attrName>ppt_y</p:attrName>
+                                        </p:attrNameLst>
+                                      </p:cBhvr>
+                                      <p:tavLst>
+                                        <p:tav tm="0">
+                                          <p:val>
+                                            <p:strVal val="1+#ppt_h/2"/>
+                                          </p:val>
+                                        </p:tav>
+                                        <p:tav tm="100000">
+                                          <p:val>
+                                            <p:strVal val="#ppt_y"/>
+                                          </p:val>
+                                        </p:tav>
+                                      </p:tavLst>
+                                    </p:anim>
+                                  </p:childTnLst>
+                                </p:cTn>
+                              </p:par>
+                              <p:par>
+                                <p:cTn id="19" presetID="42" presetClass="entr" presetSubtype="0" fill="hold" nodeType="withEffect">
+                                  <p:stCondLst>
+                                    <p:cond delay="0"/>
+                                  </p:stCondLst>
+                                  <p:childTnLst>
+                                    <p:set>
+                                      <p:cBhvr>
+                                        <p:cTn id="20" dur="1" fill="hold">
+                                          <p:stCondLst>
+                                            <p:cond delay="0"/>
+                                          </p:stCondLst>
+                                        </p:cTn>
+                                        <p:tgtEl>
+                                          <p:spTgt spid="1028"/>
+                                        </p:tgtEl>
+                                        <p:attrNameLst>
+                                          <p:attrName>style.visibility</p:attrName>
+                                        </p:attrNameLst>
+                                      </p:cBhvr>
+                                      <p:to>
+                                        <p:strVal val="visible"/>
+                                      </p:to>
+                                    </p:set>
+                                    <p:animEffect transition="in" filter="fade">
+                                      <p:cBhvr>
+                                        <p:cTn id="21" dur="250"/>
+                                        <p:tgtEl>
+                                          <p:spTgt spid="1028"/>
+                                        </p:tgtEl>
+                                      </p:cBhvr>
+                                    </p:animEffect>
+                                    <p:anim calcmode="lin" valueType="num">
+                                      <p:cBhvr>
+                                        <p:cTn id="22" dur="250" fill="hold"/>
+                                        <p:tgtEl>
+                                          <p:spTgt spid="1028"/>
+                                        </p:tgtEl>
+                                        <p:attrNameLst>
+                                          <p:attrName>ppt_x</p:attrName>
+                                        </p:attrNameLst>
+                                      </p:cBhvr>
+                                      <p:tavLst>
+                                        <p:tav tm="0">
+                                          <p:val>
+                                            <p:strVal val="#ppt_x"/>
+                                          </p:val>
+                                        </p:tav>
+                                        <p:tav tm="100000">
+                                          <p:val>
+                                            <p:strVal val="#ppt_x"/>
+                                          </p:val>
+                                        </p:tav>
+                                      </p:tavLst>
+                                    </p:anim>
+                                    <p:anim calcmode="lin" valueType="num">
+                                      <p:cBhvr>
+                                        <p:cTn id="23" dur="250" fill="hold"/>
+                                        <p:tgtEl>
+                                          <p:spTgt spid="1028"/>
+                                        </p:tgtEl>
+                                        <p:attrNameLst>
+                                          <p:attrName>ppt_y</p:attrName>
+                                        </p:attrNameLst>
+                                      </p:cBhvr>
+                                      <p:tavLst>
+                                        <p:tav tm="0">
+                                          <p:val>
+                                            <p:strVal val="#ppt_y+.1"/>
+                                          </p:val>
+                                        </p:tav>
+                                        <p:tav tm="100000">
+                                          <p:val>
+                                            <p:strVal val="#ppt_y"/>
+                                          </p:val>
+                                        </p:tav>
+                                      </p:tavLst>
+                                    </p:anim>
+                                  </p:childTnLst>
+                                </p:cTn>
+                              </p:par>
+                            </p:childTnLst>
+                          </p:cTn>
+                        </p:par>
+                      </p:childTnLst>
+                    </p:cTn>
+                  </p:par>
+                  <p:par>
+                    <p:cTn id="24" fill="hold">
+                      <p:stCondLst>
+                        <p:cond delay="indefinite"/>
+                      </p:stCondLst>
+                      <p:childTnLst>
+                        <p:par>
+                          <p:cTn id="25" fill="hold">
+                            <p:stCondLst>
+                              <p:cond delay="0"/>
+                            </p:stCondLst>
+                            <p:childTnLst>
+                              <p:par>
+                                <p:cTn id="26" presetID="2" presetClass="entr" presetSubtype="4" fill="hold" nodeType="clickEffect">
+                                  <p:stCondLst>
+                                    <p:cond delay="0"/>
+                                  </p:stCondLst>
+                                  <p:childTnLst>
+                                    <p:set>
+                                      <p:cBhvr>
+                                        <p:cTn id="27" dur="1" fill="hold">
+                                          <p:stCondLst>
+                                            <p:cond delay="0"/>
+                                          </p:stCondLst>
+                                        </p:cTn>
+                                        <p:tgtEl>
+                                          <p:spTgt spid="4">
+                                            <p:txEl>
+                                              <p:pRg st="0" end="0"/>
+                                            </p:txEl>
+                                          </p:spTgt>
+                                        </p:tgtEl>
+                                        <p:attrNameLst>
+                                          <p:attrName>style.visibility</p:attrName>
+                                        </p:attrNameLst>
+                                      </p:cBhvr>
+                                      <p:to>
+                                        <p:strVal val="visible"/>
+                                      </p:to>
+                                    </p:set>
+                                    <p:anim calcmode="lin" valueType="num">
+                                      <p:cBhvr additive="base">
+                                        <p:cTn id="28" dur="250" fill="hold"/>
+                                        <p:tgtEl>
+                                          <p:spTgt spid="4">
+                                            <p:txEl>
+                                              <p:pRg st="0" end="0"/>
+                                            </p:txEl>
+                                          </p:spTgt>
+                                        </p:tgtEl>
+                                        <p:attrNameLst>
+                                          <p:attrName>ppt_x</p:attrName>
+                                        </p:attrNameLst>
+                                      </p:cBhvr>
+                                      <p:tavLst>
+                                        <p:tav tm="0">
+                                          <p:val>
+                                            <p:strVal val="#ppt_x"/>
+                                          </p:val>
+                                        </p:tav>
+                                        <p:tav tm="100000">
+                                          <p:val>
+                                            <p:strVal val="#ppt_x"/>
+                                          </p:val>
+                                        </p:tav>
+                                      </p:tavLst>
+                                    </p:anim>
+                                    <p:anim calcmode="lin" valueType="num">
+                                      <p:cBhvr additive="base">
+                                        <p:cTn id="29" dur="250" fill="hold"/>
+                                        <p:tgtEl>
+                                          <p:spTgt spid="4">
+                                            <p:txEl>
+                                              <p:pRg st="0" end="0"/>
+                                            </p:txEl>
+                                          </p:spTgt>
+                                        </p:tgtEl>
+                                        <p:attrNameLst>
+                                          <p:attrName>ppt_y</p:attrName>
+                                        </p:attrNameLst>
+                                      </p:cBhvr>
+                                      <p:tavLst>
+                                        <p:tav tm="0">
+                                          <p:val>
+                                            <p:strVal val="1+#ppt_h/2"/>
+                                          </p:val>
+                                        </p:tav>
+                                        <p:tav tm="100000">
+                                          <p:val>
+                                            <p:strVal val="#ppt_y"/>
+                                          </p:val>
+                                        </p:tav>
+                                      </p:tavLst>
+                                    </p:anim>
+                                  </p:childTnLst>
+                                </p:cTn>
+                              </p:par>
+                              <p:par>
+                                <p:cTn id="30" presetID="42" presetClass="entr" presetSubtype="0" fill="hold" nodeType="withEffect">
+                                  <p:stCondLst>
+                                    <p:cond delay="0"/>
+                                  </p:stCondLst>
+                                  <p:childTnLst>
+                                    <p:set>
+                                      <p:cBhvr>
+                                        <p:cTn id="31" dur="1" fill="hold">
+                                          <p:stCondLst>
+                                            <p:cond delay="0"/>
+                                          </p:stCondLst>
+                                        </p:cTn>
+                                        <p:tgtEl>
+                                          <p:spTgt spid="1030"/>
+                                        </p:tgtEl>
+                                        <p:attrNameLst>
+                                          <p:attrName>style.visibility</p:attrName>
+                                        </p:attrNameLst>
+                                      </p:cBhvr>
+                                      <p:to>
+                                        <p:strVal val="visible"/>
+                                      </p:to>
+                                    </p:set>
+                                    <p:animEffect transition="in" filter="fade">
+                                      <p:cBhvr>
+                                        <p:cTn id="32" dur="250"/>
+                                        <p:tgtEl>
+                                          <p:spTgt spid="1030"/>
+                                        </p:tgtEl>
+                                      </p:cBhvr>
+                                    </p:animEffect>
+                                    <p:anim calcmode="lin" valueType="num">
+                                      <p:cBhvr>
+                                        <p:cTn id="33" dur="250" fill="hold"/>
+                                        <p:tgtEl>
+                                          <p:spTgt spid="1030"/>
+                                        </p:tgtEl>
+                                        <p:attrNameLst>
+                                          <p:attrName>ppt_x</p:attrName>
+                                        </p:attrNameLst>
+                                      </p:cBhvr>
+                                      <p:tavLst>
+                                        <p:tav tm="0">
+                                          <p:val>
+                                            <p:strVal val="#ppt_x"/>
+                                          </p:val>
+                                        </p:tav>
+                                        <p:tav tm="100000">
+                                          <p:val>
+                                            <p:strVal val="#ppt_x"/>
+                                          </p:val>
+                                        </p:tav>
+                                      </p:tavLst>
+                                    </p:anim>
+                                    <p:anim calcmode="lin" valueType="num">
+                                      <p:cBhvr>
+                                        <p:cTn id="34" dur="250" fill="hold"/>
+                                        <p:tgtEl>
+                                          <p:spTgt spid="1030"/>
+                                        </p:tgtEl>
+                                        <p:attrNameLst>
+                                          <p:attrName>ppt_y</p:attrName>
+                                        </p:attrNameLst>
+                                      </p:cBhvr>
+                                      <p:tavLst>
+                                        <p:tav tm="0">
+                                          <p:val>
+                                            <p:strVal val="#ppt_y+.1"/>
+                                          </p:val>
+                                        </p:tav>
+                                        <p:tav tm="100000">
+                                          <p:val>
+                                            <p:strVal val="#ppt_y"/>
+                                          </p:val>
+                                        </p:tav>
+                                      </p:tavLst>
+                                    </p:anim>
+                                  </p:childTnLst>
+                                </p:cTn>
+                              </p:par>
+                            </p:childTnLst>
+                          </p:cTn>
+                        </p:par>
+                      </p:childTnLst>
+                    </p:cTn>
+                  </p:par>
+                </p:childTnLst>
+              </p:cTn>
+              <p:prevCondLst>
+                <p:cond evt="onPrev" delay="0">
+                  <p:tgtEl>
+                    <p:sldTgt/>
+                  </p:tgtEl>
+                </p:cond>
+              </p:prevCondLst>
+              <p:nextCondLst>
+                <p:cond evt="onNext" delay="0">
+                  <p:tgtEl>
+                    <p:sldTgt/>
+                  </p:tgtEl>
+                </p:cond>
+              </p:nextCondLst>
+            </p:seq>
+          </p:childTnLst>
+        </p:cTn>
+      </p:par>
+    </p:tnLst>
+    <p:bldLst>
+      <p:bldP spid="2" grpId="0"/>
+    </p:bldLst>
+  </p:timing>
 </p:sld>
 </file>
 
@@ -3339,7 +5206,22 @@
           <a:bodyPr/>
           <a:lstStyle/>
           <a:p>
-            <a:endParaRPr lang="hu-HU"/>
+            <a:pPr algn="ctr"/>
+            <a:r>
+              <a:rPr lang="hu-HU" b="1" dirty="0" smtClean="0">
+                <a:solidFill>
+                  <a:schemeClr val="bg1"/>
+                </a:solidFill>
+                <a:latin typeface="Comic Sans MS" panose="030F0702030302020204" pitchFamily="66" charset="0"/>
+              </a:rPr>
+              <a:t>Grafikus kártyák típusai</a:t>
+            </a:r>
+            <a:endParaRPr lang="hu-HU" b="1" dirty="0">
+              <a:solidFill>
+                <a:schemeClr val="bg1"/>
+              </a:solidFill>
+              <a:latin typeface="Comic Sans MS" panose="030F0702030302020204" pitchFamily="66" charset="0"/>
+            </a:endParaRPr>
           </a:p>
         </p:txBody>
       </p:sp>
@@ -3353,15 +5235,293 @@
             <p:ph idx="1"/>
           </p:nvPr>
         </p:nvSpPr>
-        <p:spPr/>
-        <p:txBody>
-          <a:bodyPr/>
+        <p:spPr>
+          <a:xfrm>
+            <a:off x="838200" y="1825625"/>
+            <a:ext cx="4460310" cy="4351338"/>
+          </a:xfrm>
+        </p:spPr>
+        <p:txBody>
+          <a:bodyPr>
+            <a:normAutofit/>
+          </a:bodyPr>
           <a:lstStyle/>
           <a:p>
-            <a:endParaRPr lang="hu-HU"/>
-          </a:p>
-        </p:txBody>
-      </p:sp>
+            <a:pPr>
+              <a:lnSpc>
+                <a:spcPct val="100000"/>
+              </a:lnSpc>
+            </a:pPr>
+            <a:r>
+              <a:rPr lang="hu-HU" sz="2400" dirty="0" err="1" smtClean="0">
+                <a:solidFill>
+                  <a:schemeClr val="bg1"/>
+                </a:solidFill>
+                <a:latin typeface="Arial Black" panose="020B0A04020102020204" pitchFamily="34" charset="0"/>
+              </a:rPr>
+              <a:t>Gaming</a:t>
+            </a:r>
+            <a:r>
+              <a:rPr lang="hu-HU" sz="2400" dirty="0" smtClean="0">
+                <a:solidFill>
+                  <a:schemeClr val="bg1"/>
+                </a:solidFill>
+                <a:latin typeface="Arial Black" panose="020B0A04020102020204" pitchFamily="34" charset="0"/>
+              </a:rPr>
+              <a:t> kártyák:</a:t>
+            </a:r>
+          </a:p>
+          <a:p>
+            <a:endParaRPr lang="hu-HU" sz="2400" dirty="0">
+              <a:solidFill>
+                <a:schemeClr val="bg1"/>
+              </a:solidFill>
+              <a:latin typeface="Arial Black" panose="020B0A04020102020204" pitchFamily="34" charset="0"/>
+            </a:endParaRPr>
+          </a:p>
+          <a:p>
+            <a:r>
+              <a:rPr lang="hu-HU" sz="2400" dirty="0" err="1" smtClean="0">
+                <a:solidFill>
+                  <a:schemeClr val="bg1"/>
+                </a:solidFill>
+                <a:latin typeface="Arial Black" panose="020B0A04020102020204" pitchFamily="34" charset="0"/>
+              </a:rPr>
+              <a:t>nVidia</a:t>
+            </a:r>
+            <a:r>
+              <a:rPr lang="hu-HU" sz="2400" dirty="0" smtClean="0">
+                <a:solidFill>
+                  <a:schemeClr val="bg1"/>
+                </a:solidFill>
+                <a:latin typeface="Arial Black" panose="020B0A04020102020204" pitchFamily="34" charset="0"/>
+              </a:rPr>
+              <a:t> GTX , RTX széria</a:t>
+            </a:r>
+          </a:p>
+          <a:p>
+            <a:endParaRPr lang="hu-HU" sz="2400" dirty="0">
+              <a:solidFill>
+                <a:schemeClr val="bg1"/>
+              </a:solidFill>
+              <a:latin typeface="Arial Black" panose="020B0A04020102020204" pitchFamily="34" charset="0"/>
+            </a:endParaRPr>
+          </a:p>
+          <a:p>
+            <a:r>
+              <a:rPr lang="hu-HU" sz="2400" dirty="0" smtClean="0">
+                <a:solidFill>
+                  <a:schemeClr val="bg1"/>
+                </a:solidFill>
+                <a:latin typeface="Arial Black" panose="020B0A04020102020204" pitchFamily="34" charset="0"/>
+              </a:rPr>
+              <a:t>AMD RX széria</a:t>
+            </a:r>
+            <a:endParaRPr lang="hu-HU" sz="2400" dirty="0">
+              <a:solidFill>
+                <a:schemeClr val="bg1"/>
+              </a:solidFill>
+              <a:latin typeface="Arial Black" panose="020B0A04020102020204" pitchFamily="34" charset="0"/>
+            </a:endParaRPr>
+          </a:p>
+        </p:txBody>
+      </p:sp>
+      <p:sp>
+        <p:nvSpPr>
+          <p:cNvPr id="5" name="Szövegdoboz 4"/>
+          <p:cNvSpPr txBox="1"/>
+          <p:nvPr/>
+        </p:nvSpPr>
+        <p:spPr>
+          <a:xfrm>
+            <a:off x="7063541" y="1825625"/>
+            <a:ext cx="4039738" cy="1938992"/>
+          </a:xfrm>
+          <a:prstGeom prst="rect">
+            <a:avLst/>
+          </a:prstGeom>
+          <a:noFill/>
+        </p:spPr>
+        <p:txBody>
+          <a:bodyPr wrap="square" rtlCol="0">
+            <a:spAutoFit/>
+          </a:bodyPr>
+          <a:lstStyle/>
+          <a:p>
+            <a:pPr marL="342900" indent="-342900">
+              <a:buFont typeface="Arial" panose="020B0604020202020204" pitchFamily="34" charset="0"/>
+              <a:buChar char="•"/>
+            </a:pPr>
+            <a:r>
+              <a:rPr lang="hu-HU" sz="2400" dirty="0" smtClean="0">
+                <a:solidFill>
+                  <a:schemeClr val="bg1"/>
+                </a:solidFill>
+                <a:latin typeface="Arial Black" panose="020B0A04020102020204" pitchFamily="34" charset="0"/>
+              </a:rPr>
+              <a:t>Workstation kártyák:</a:t>
+            </a:r>
+          </a:p>
+          <a:p>
+            <a:pPr marL="342900" indent="-342900">
+              <a:buFont typeface="Arial" panose="020B0604020202020204" pitchFamily="34" charset="0"/>
+              <a:buChar char="•"/>
+            </a:pPr>
+            <a:endParaRPr lang="hu-HU" sz="2400" dirty="0">
+              <a:solidFill>
+                <a:schemeClr val="bg1"/>
+              </a:solidFill>
+              <a:latin typeface="Arial Black" panose="020B0A04020102020204" pitchFamily="34" charset="0"/>
+            </a:endParaRPr>
+          </a:p>
+          <a:p>
+            <a:pPr marL="342900" indent="-342900">
+              <a:buFont typeface="Arial" panose="020B0604020202020204" pitchFamily="34" charset="0"/>
+              <a:buChar char="•"/>
+            </a:pPr>
+            <a:r>
+              <a:rPr lang="hu-HU" sz="2400" dirty="0" err="1" smtClean="0">
+                <a:solidFill>
+                  <a:schemeClr val="bg1"/>
+                </a:solidFill>
+                <a:latin typeface="Arial Black" panose="020B0A04020102020204" pitchFamily="34" charset="0"/>
+              </a:rPr>
+              <a:t>nVidia</a:t>
+            </a:r>
+            <a:r>
+              <a:rPr lang="hu-HU" sz="2400" dirty="0" smtClean="0">
+                <a:solidFill>
+                  <a:schemeClr val="bg1"/>
+                </a:solidFill>
+                <a:latin typeface="Arial Black" panose="020B0A04020102020204" pitchFamily="34" charset="0"/>
+              </a:rPr>
+              <a:t> </a:t>
+            </a:r>
+            <a:r>
+              <a:rPr lang="hu-HU" sz="2400" dirty="0" err="1" smtClean="0">
+                <a:solidFill>
+                  <a:schemeClr val="bg1"/>
+                </a:solidFill>
+                <a:latin typeface="Arial Black" panose="020B0A04020102020204" pitchFamily="34" charset="0"/>
+              </a:rPr>
+              <a:t>Quadro</a:t>
+            </a:r>
+            <a:r>
+              <a:rPr lang="hu-HU" sz="2400" dirty="0" smtClean="0">
+                <a:solidFill>
+                  <a:schemeClr val="bg1"/>
+                </a:solidFill>
+                <a:latin typeface="Arial Black" panose="020B0A04020102020204" pitchFamily="34" charset="0"/>
+              </a:rPr>
+              <a:t> széria</a:t>
+            </a:r>
+          </a:p>
+          <a:p>
+            <a:pPr marL="342900" indent="-342900">
+              <a:buFont typeface="Arial" panose="020B0604020202020204" pitchFamily="34" charset="0"/>
+              <a:buChar char="•"/>
+            </a:pPr>
+            <a:endParaRPr lang="hu-HU" sz="2400" dirty="0">
+              <a:solidFill>
+                <a:schemeClr val="bg1"/>
+              </a:solidFill>
+              <a:latin typeface="Arial Black" panose="020B0A04020102020204" pitchFamily="34" charset="0"/>
+            </a:endParaRPr>
+          </a:p>
+          <a:p>
+            <a:pPr marL="342900" indent="-342900">
+              <a:buFont typeface="Arial" panose="020B0604020202020204" pitchFamily="34" charset="0"/>
+              <a:buChar char="•"/>
+            </a:pPr>
+            <a:r>
+              <a:rPr lang="hu-HU" sz="2400" dirty="0" smtClean="0">
+                <a:solidFill>
+                  <a:schemeClr val="bg1"/>
+                </a:solidFill>
+                <a:latin typeface="Arial Black" panose="020B0A04020102020204" pitchFamily="34" charset="0"/>
+              </a:rPr>
+              <a:t>AMD  PRO W széria</a:t>
+            </a:r>
+            <a:endParaRPr lang="hu-HU" sz="2400" dirty="0">
+              <a:solidFill>
+                <a:schemeClr val="bg1"/>
+              </a:solidFill>
+              <a:latin typeface="Arial Black" panose="020B0A04020102020204" pitchFamily="34" charset="0"/>
+            </a:endParaRPr>
+          </a:p>
+        </p:txBody>
+      </p:sp>
+      <p:pic>
+        <p:nvPicPr>
+          <p:cNvPr id="2050" name="Picture 2" descr="Radeon™ RX 6900 XT GAMING OC 16G Key Features | Videókártyák - GIGABYTE  Hungary"/>
+          <p:cNvPicPr>
+            <a:picLocks noChangeAspect="1" noChangeArrowheads="1"/>
+          </p:cNvPicPr>
+          <p:nvPr/>
+        </p:nvPicPr>
+        <p:blipFill>
+          <a:blip r:embed="rId2" cstate="print">
+            <a:extLst>
+              <a:ext uri="{28A0092B-C50C-407E-A947-70E740481C1C}">
+                <a14:useLocalDpi xmlns:a14="http://schemas.microsoft.com/office/drawing/2010/main" val="0"/>
+              </a:ext>
+            </a:extLst>
+          </a:blip>
+          <a:srcRect/>
+          <a:stretch>
+            <a:fillRect/>
+          </a:stretch>
+        </p:blipFill>
+        <p:spPr bwMode="auto">
+          <a:xfrm>
+            <a:off x="838200" y="4518698"/>
+            <a:ext cx="3186970" cy="1793202"/>
+          </a:xfrm>
+          <a:prstGeom prst="rect">
+            <a:avLst/>
+          </a:prstGeom>
+          <a:noFill/>
+          <a:extLst>
+            <a:ext uri="{909E8E84-426E-40DD-AFC4-6F175D3DCCD1}">
+              <a14:hiddenFill xmlns:a14="http://schemas.microsoft.com/office/drawing/2010/main">
+                <a:solidFill>
+                  <a:srgbClr val="FFFFFF"/>
+                </a:solidFill>
+              </a14:hiddenFill>
+            </a:ext>
+          </a:extLst>
+        </p:spPr>
+      </p:pic>
+      <p:pic>
+        <p:nvPicPr>
+          <p:cNvPr id="6" name="Kép 5"/>
+          <p:cNvPicPr>
+            <a:picLocks noChangeAspect="1"/>
+          </p:cNvPicPr>
+          <p:nvPr/>
+        </p:nvPicPr>
+        <p:blipFill>
+          <a:blip r:embed="rId3" cstate="print">
+            <a:extLst>
+              <a:ext uri="{28A0092B-C50C-407E-A947-70E740481C1C}">
+                <a14:useLocalDpi xmlns:a14="http://schemas.microsoft.com/office/drawing/2010/main" val="0"/>
+              </a:ext>
+            </a:extLst>
+          </a:blip>
+          <a:stretch>
+            <a:fillRect/>
+          </a:stretch>
+        </p:blipFill>
+        <p:spPr>
+          <a:xfrm>
+            <a:off x="6889641" y="4518698"/>
+            <a:ext cx="4079835" cy="1793202"/>
+          </a:xfrm>
+          <a:prstGeom prst="rect">
+            <a:avLst/>
+          </a:prstGeom>
+        </p:spPr>
+      </p:pic>
     </p:spTree>
     <p:extLst>
       <p:ext uri="{BB962C8B-B14F-4D97-AF65-F5344CB8AC3E}">
@@ -3372,6 +5532,912 @@
   <p:clrMapOvr>
     <a:masterClrMapping/>
   </p:clrMapOvr>
+  <p:timing>
+    <p:tnLst>
+      <p:par>
+        <p:cTn id="1" dur="indefinite" restart="never" nodeType="tmRoot">
+          <p:childTnLst>
+            <p:seq concurrent="1" nextAc="seek">
+              <p:cTn id="2" dur="indefinite" nodeType="mainSeq">
+                <p:childTnLst>
+                  <p:par>
+                    <p:cTn id="3" fill="hold">
+                      <p:stCondLst>
+                        <p:cond delay="indefinite"/>
+                      </p:stCondLst>
+                      <p:childTnLst>
+                        <p:par>
+                          <p:cTn id="4" fill="hold">
+                            <p:stCondLst>
+                              <p:cond delay="0"/>
+                            </p:stCondLst>
+                            <p:childTnLst>
+                              <p:par>
+                                <p:cTn id="5" presetID="1" presetClass="entr" presetSubtype="0" fill="hold" grpId="0" nodeType="clickEffect">
+                                  <p:stCondLst>
+                                    <p:cond delay="0"/>
+                                  </p:stCondLst>
+                                  <p:childTnLst>
+                                    <p:set>
+                                      <p:cBhvr>
+                                        <p:cTn id="6" dur="1" fill="hold">
+                                          <p:stCondLst>
+                                            <p:cond delay="0"/>
+                                          </p:stCondLst>
+                                        </p:cTn>
+                                        <p:tgtEl>
+                                          <p:spTgt spid="2"/>
+                                        </p:tgtEl>
+                                        <p:attrNameLst>
+                                          <p:attrName>style.visibility</p:attrName>
+                                        </p:attrNameLst>
+                                      </p:cBhvr>
+                                      <p:to>
+                                        <p:strVal val="visible"/>
+                                      </p:to>
+                                    </p:set>
+                                  </p:childTnLst>
+                                </p:cTn>
+                              </p:par>
+                            </p:childTnLst>
+                          </p:cTn>
+                        </p:par>
+                      </p:childTnLst>
+                    </p:cTn>
+                  </p:par>
+                  <p:par>
+                    <p:cTn id="7" fill="hold">
+                      <p:stCondLst>
+                        <p:cond delay="indefinite"/>
+                      </p:stCondLst>
+                      <p:childTnLst>
+                        <p:par>
+                          <p:cTn id="8" fill="hold">
+                            <p:stCondLst>
+                              <p:cond delay="0"/>
+                            </p:stCondLst>
+                            <p:childTnLst>
+                              <p:par>
+                                <p:cTn id="9" presetID="2" presetClass="entr" presetSubtype="4" fill="hold" nodeType="clickEffect">
+                                  <p:stCondLst>
+                                    <p:cond delay="0"/>
+                                  </p:stCondLst>
+                                  <p:childTnLst>
+                                    <p:set>
+                                      <p:cBhvr>
+                                        <p:cTn id="10" dur="1" fill="hold">
+                                          <p:stCondLst>
+                                            <p:cond delay="0"/>
+                                          </p:stCondLst>
+                                        </p:cTn>
+                                        <p:tgtEl>
+                                          <p:spTgt spid="3">
+                                            <p:txEl>
+                                              <p:pRg st="0" end="0"/>
+                                            </p:txEl>
+                                          </p:spTgt>
+                                        </p:tgtEl>
+                                        <p:attrNameLst>
+                                          <p:attrName>style.visibility</p:attrName>
+                                        </p:attrNameLst>
+                                      </p:cBhvr>
+                                      <p:to>
+                                        <p:strVal val="visible"/>
+                                      </p:to>
+                                    </p:set>
+                                    <p:anim calcmode="lin" valueType="num">
+                                      <p:cBhvr additive="base">
+                                        <p:cTn id="11" dur="250" fill="hold"/>
+                                        <p:tgtEl>
+                                          <p:spTgt spid="3">
+                                            <p:txEl>
+                                              <p:pRg st="0" end="0"/>
+                                            </p:txEl>
+                                          </p:spTgt>
+                                        </p:tgtEl>
+                                        <p:attrNameLst>
+                                          <p:attrName>ppt_x</p:attrName>
+                                        </p:attrNameLst>
+                                      </p:cBhvr>
+                                      <p:tavLst>
+                                        <p:tav tm="0">
+                                          <p:val>
+                                            <p:strVal val="#ppt_x"/>
+                                          </p:val>
+                                        </p:tav>
+                                        <p:tav tm="100000">
+                                          <p:val>
+                                            <p:strVal val="#ppt_x"/>
+                                          </p:val>
+                                        </p:tav>
+                                      </p:tavLst>
+                                    </p:anim>
+                                    <p:anim calcmode="lin" valueType="num">
+                                      <p:cBhvr additive="base">
+                                        <p:cTn id="12" dur="250" fill="hold"/>
+                                        <p:tgtEl>
+                                          <p:spTgt spid="3">
+                                            <p:txEl>
+                                              <p:pRg st="0" end="0"/>
+                                            </p:txEl>
+                                          </p:spTgt>
+                                        </p:tgtEl>
+                                        <p:attrNameLst>
+                                          <p:attrName>ppt_y</p:attrName>
+                                        </p:attrNameLst>
+                                      </p:cBhvr>
+                                      <p:tavLst>
+                                        <p:tav tm="0">
+                                          <p:val>
+                                            <p:strVal val="1+#ppt_h/2"/>
+                                          </p:val>
+                                        </p:tav>
+                                        <p:tav tm="100000">
+                                          <p:val>
+                                            <p:strVal val="#ppt_y"/>
+                                          </p:val>
+                                        </p:tav>
+                                      </p:tavLst>
+                                    </p:anim>
+                                  </p:childTnLst>
+                                </p:cTn>
+                              </p:par>
+                            </p:childTnLst>
+                          </p:cTn>
+                        </p:par>
+                      </p:childTnLst>
+                    </p:cTn>
+                  </p:par>
+                  <p:par>
+                    <p:cTn id="13" fill="hold">
+                      <p:stCondLst>
+                        <p:cond delay="indefinite"/>
+                      </p:stCondLst>
+                      <p:childTnLst>
+                        <p:par>
+                          <p:cTn id="14" fill="hold">
+                            <p:stCondLst>
+                              <p:cond delay="0"/>
+                            </p:stCondLst>
+                            <p:childTnLst>
+                              <p:par>
+                                <p:cTn id="15" presetID="42" presetClass="entr" presetSubtype="0" fill="hold" nodeType="clickEffect">
+                                  <p:stCondLst>
+                                    <p:cond delay="0"/>
+                                  </p:stCondLst>
+                                  <p:childTnLst>
+                                    <p:set>
+                                      <p:cBhvr>
+                                        <p:cTn id="16" dur="1" fill="hold">
+                                          <p:stCondLst>
+                                            <p:cond delay="0"/>
+                                          </p:stCondLst>
+                                        </p:cTn>
+                                        <p:tgtEl>
+                                          <p:spTgt spid="3">
+                                            <p:txEl>
+                                              <p:pRg st="2" end="2"/>
+                                            </p:txEl>
+                                          </p:spTgt>
+                                        </p:tgtEl>
+                                        <p:attrNameLst>
+                                          <p:attrName>style.visibility</p:attrName>
+                                        </p:attrNameLst>
+                                      </p:cBhvr>
+                                      <p:to>
+                                        <p:strVal val="visible"/>
+                                      </p:to>
+                                    </p:set>
+                                    <p:animEffect transition="in" filter="fade">
+                                      <p:cBhvr>
+                                        <p:cTn id="17" dur="500"/>
+                                        <p:tgtEl>
+                                          <p:spTgt spid="3">
+                                            <p:txEl>
+                                              <p:pRg st="2" end="2"/>
+                                            </p:txEl>
+                                          </p:spTgt>
+                                        </p:tgtEl>
+                                      </p:cBhvr>
+                                    </p:animEffect>
+                                    <p:anim calcmode="lin" valueType="num">
+                                      <p:cBhvr>
+                                        <p:cTn id="18" dur="500" fill="hold"/>
+                                        <p:tgtEl>
+                                          <p:spTgt spid="3">
+                                            <p:txEl>
+                                              <p:pRg st="2" end="2"/>
+                                            </p:txEl>
+                                          </p:spTgt>
+                                        </p:tgtEl>
+                                        <p:attrNameLst>
+                                          <p:attrName>ppt_x</p:attrName>
+                                        </p:attrNameLst>
+                                      </p:cBhvr>
+                                      <p:tavLst>
+                                        <p:tav tm="0">
+                                          <p:val>
+                                            <p:strVal val="#ppt_x"/>
+                                          </p:val>
+                                        </p:tav>
+                                        <p:tav tm="100000">
+                                          <p:val>
+                                            <p:strVal val="#ppt_x"/>
+                                          </p:val>
+                                        </p:tav>
+                                      </p:tavLst>
+                                    </p:anim>
+                                    <p:anim calcmode="lin" valueType="num">
+                                      <p:cBhvr>
+                                        <p:cTn id="19" dur="500" fill="hold"/>
+                                        <p:tgtEl>
+                                          <p:spTgt spid="3">
+                                            <p:txEl>
+                                              <p:pRg st="2" end="2"/>
+                                            </p:txEl>
+                                          </p:spTgt>
+                                        </p:tgtEl>
+                                        <p:attrNameLst>
+                                          <p:attrName>ppt_y</p:attrName>
+                                        </p:attrNameLst>
+                                      </p:cBhvr>
+                                      <p:tavLst>
+                                        <p:tav tm="0">
+                                          <p:val>
+                                            <p:strVal val="#ppt_y+.1"/>
+                                          </p:val>
+                                        </p:tav>
+                                        <p:tav tm="100000">
+                                          <p:val>
+                                            <p:strVal val="#ppt_y"/>
+                                          </p:val>
+                                        </p:tav>
+                                      </p:tavLst>
+                                    </p:anim>
+                                  </p:childTnLst>
+                                </p:cTn>
+                              </p:par>
+                            </p:childTnLst>
+                          </p:cTn>
+                        </p:par>
+                      </p:childTnLst>
+                    </p:cTn>
+                  </p:par>
+                  <p:par>
+                    <p:cTn id="20" fill="hold">
+                      <p:stCondLst>
+                        <p:cond delay="indefinite"/>
+                      </p:stCondLst>
+                      <p:childTnLst>
+                        <p:par>
+                          <p:cTn id="21" fill="hold">
+                            <p:stCondLst>
+                              <p:cond delay="0"/>
+                            </p:stCondLst>
+                            <p:childTnLst>
+                              <p:par>
+                                <p:cTn id="22" presetID="42" presetClass="entr" presetSubtype="0" fill="hold" nodeType="clickEffect">
+                                  <p:stCondLst>
+                                    <p:cond delay="0"/>
+                                  </p:stCondLst>
+                                  <p:childTnLst>
+                                    <p:set>
+                                      <p:cBhvr>
+                                        <p:cTn id="23" dur="1" fill="hold">
+                                          <p:stCondLst>
+                                            <p:cond delay="0"/>
+                                          </p:stCondLst>
+                                        </p:cTn>
+                                        <p:tgtEl>
+                                          <p:spTgt spid="3">
+                                            <p:txEl>
+                                              <p:pRg st="4" end="4"/>
+                                            </p:txEl>
+                                          </p:spTgt>
+                                        </p:tgtEl>
+                                        <p:attrNameLst>
+                                          <p:attrName>style.visibility</p:attrName>
+                                        </p:attrNameLst>
+                                      </p:cBhvr>
+                                      <p:to>
+                                        <p:strVal val="visible"/>
+                                      </p:to>
+                                    </p:set>
+                                    <p:animEffect transition="in" filter="fade">
+                                      <p:cBhvr>
+                                        <p:cTn id="24" dur="500"/>
+                                        <p:tgtEl>
+                                          <p:spTgt spid="3">
+                                            <p:txEl>
+                                              <p:pRg st="4" end="4"/>
+                                            </p:txEl>
+                                          </p:spTgt>
+                                        </p:tgtEl>
+                                      </p:cBhvr>
+                                    </p:animEffect>
+                                    <p:anim calcmode="lin" valueType="num">
+                                      <p:cBhvr>
+                                        <p:cTn id="25" dur="500" fill="hold"/>
+                                        <p:tgtEl>
+                                          <p:spTgt spid="3">
+                                            <p:txEl>
+                                              <p:pRg st="4" end="4"/>
+                                            </p:txEl>
+                                          </p:spTgt>
+                                        </p:tgtEl>
+                                        <p:attrNameLst>
+                                          <p:attrName>ppt_x</p:attrName>
+                                        </p:attrNameLst>
+                                      </p:cBhvr>
+                                      <p:tavLst>
+                                        <p:tav tm="0">
+                                          <p:val>
+                                            <p:strVal val="#ppt_x"/>
+                                          </p:val>
+                                        </p:tav>
+                                        <p:tav tm="100000">
+                                          <p:val>
+                                            <p:strVal val="#ppt_x"/>
+                                          </p:val>
+                                        </p:tav>
+                                      </p:tavLst>
+                                    </p:anim>
+                                    <p:anim calcmode="lin" valueType="num">
+                                      <p:cBhvr>
+                                        <p:cTn id="26" dur="500" fill="hold"/>
+                                        <p:tgtEl>
+                                          <p:spTgt spid="3">
+                                            <p:txEl>
+                                              <p:pRg st="4" end="4"/>
+                                            </p:txEl>
+                                          </p:spTgt>
+                                        </p:tgtEl>
+                                        <p:attrNameLst>
+                                          <p:attrName>ppt_y</p:attrName>
+                                        </p:attrNameLst>
+                                      </p:cBhvr>
+                                      <p:tavLst>
+                                        <p:tav tm="0">
+                                          <p:val>
+                                            <p:strVal val="#ppt_y+.1"/>
+                                          </p:val>
+                                        </p:tav>
+                                        <p:tav tm="100000">
+                                          <p:val>
+                                            <p:strVal val="#ppt_y"/>
+                                          </p:val>
+                                        </p:tav>
+                                      </p:tavLst>
+                                    </p:anim>
+                                  </p:childTnLst>
+                                </p:cTn>
+                              </p:par>
+                              <p:par>
+                                <p:cTn id="27" presetID="47" presetClass="entr" presetSubtype="0" fill="hold" nodeType="withEffect">
+                                  <p:stCondLst>
+                                    <p:cond delay="0"/>
+                                  </p:stCondLst>
+                                  <p:childTnLst>
+                                    <p:set>
+                                      <p:cBhvr>
+                                        <p:cTn id="28" dur="1" fill="hold">
+                                          <p:stCondLst>
+                                            <p:cond delay="0"/>
+                                          </p:stCondLst>
+                                        </p:cTn>
+                                        <p:tgtEl>
+                                          <p:spTgt spid="2050"/>
+                                        </p:tgtEl>
+                                        <p:attrNameLst>
+                                          <p:attrName>style.visibility</p:attrName>
+                                        </p:attrNameLst>
+                                      </p:cBhvr>
+                                      <p:to>
+                                        <p:strVal val="visible"/>
+                                      </p:to>
+                                    </p:set>
+                                    <p:animEffect transition="in" filter="fade">
+                                      <p:cBhvr>
+                                        <p:cTn id="29" dur="500"/>
+                                        <p:tgtEl>
+                                          <p:spTgt spid="2050"/>
+                                        </p:tgtEl>
+                                      </p:cBhvr>
+                                    </p:animEffect>
+                                    <p:anim calcmode="lin" valueType="num">
+                                      <p:cBhvr>
+                                        <p:cTn id="30" dur="500" fill="hold"/>
+                                        <p:tgtEl>
+                                          <p:spTgt spid="2050"/>
+                                        </p:tgtEl>
+                                        <p:attrNameLst>
+                                          <p:attrName>ppt_x</p:attrName>
+                                        </p:attrNameLst>
+                                      </p:cBhvr>
+                                      <p:tavLst>
+                                        <p:tav tm="0">
+                                          <p:val>
+                                            <p:strVal val="#ppt_x"/>
+                                          </p:val>
+                                        </p:tav>
+                                        <p:tav tm="100000">
+                                          <p:val>
+                                            <p:strVal val="#ppt_x"/>
+                                          </p:val>
+                                        </p:tav>
+                                      </p:tavLst>
+                                    </p:anim>
+                                    <p:anim calcmode="lin" valueType="num">
+                                      <p:cBhvr>
+                                        <p:cTn id="31" dur="500" fill="hold"/>
+                                        <p:tgtEl>
+                                          <p:spTgt spid="2050"/>
+                                        </p:tgtEl>
+                                        <p:attrNameLst>
+                                          <p:attrName>ppt_y</p:attrName>
+                                        </p:attrNameLst>
+                                      </p:cBhvr>
+                                      <p:tavLst>
+                                        <p:tav tm="0">
+                                          <p:val>
+                                            <p:strVal val="#ppt_y-.1"/>
+                                          </p:val>
+                                        </p:tav>
+                                        <p:tav tm="100000">
+                                          <p:val>
+                                            <p:strVal val="#ppt_y"/>
+                                          </p:val>
+                                        </p:tav>
+                                      </p:tavLst>
+                                    </p:anim>
+                                  </p:childTnLst>
+                                </p:cTn>
+                              </p:par>
+                            </p:childTnLst>
+                          </p:cTn>
+                        </p:par>
+                      </p:childTnLst>
+                    </p:cTn>
+                  </p:par>
+                  <p:par>
+                    <p:cTn id="32" fill="hold">
+                      <p:stCondLst>
+                        <p:cond delay="indefinite"/>
+                      </p:stCondLst>
+                      <p:childTnLst>
+                        <p:par>
+                          <p:cTn id="33" fill="hold">
+                            <p:stCondLst>
+                              <p:cond delay="0"/>
+                            </p:stCondLst>
+                            <p:childTnLst>
+                              <p:par>
+                                <p:cTn id="34" presetID="2" presetClass="entr" presetSubtype="4" fill="hold" nodeType="clickEffect">
+                                  <p:stCondLst>
+                                    <p:cond delay="0"/>
+                                  </p:stCondLst>
+                                  <p:childTnLst>
+                                    <p:set>
+                                      <p:cBhvr>
+                                        <p:cTn id="35" dur="1" fill="hold">
+                                          <p:stCondLst>
+                                            <p:cond delay="0"/>
+                                          </p:stCondLst>
+                                        </p:cTn>
+                                        <p:tgtEl>
+                                          <p:spTgt spid="5">
+                                            <p:txEl>
+                                              <p:pRg st="0" end="0"/>
+                                            </p:txEl>
+                                          </p:spTgt>
+                                        </p:tgtEl>
+                                        <p:attrNameLst>
+                                          <p:attrName>style.visibility</p:attrName>
+                                        </p:attrNameLst>
+                                      </p:cBhvr>
+                                      <p:to>
+                                        <p:strVal val="visible"/>
+                                      </p:to>
+                                    </p:set>
+                                    <p:anim calcmode="lin" valueType="num">
+                                      <p:cBhvr additive="base">
+                                        <p:cTn id="36" dur="250" fill="hold"/>
+                                        <p:tgtEl>
+                                          <p:spTgt spid="5">
+                                            <p:txEl>
+                                              <p:pRg st="0" end="0"/>
+                                            </p:txEl>
+                                          </p:spTgt>
+                                        </p:tgtEl>
+                                        <p:attrNameLst>
+                                          <p:attrName>ppt_x</p:attrName>
+                                        </p:attrNameLst>
+                                      </p:cBhvr>
+                                      <p:tavLst>
+                                        <p:tav tm="0">
+                                          <p:val>
+                                            <p:strVal val="#ppt_x"/>
+                                          </p:val>
+                                        </p:tav>
+                                        <p:tav tm="100000">
+                                          <p:val>
+                                            <p:strVal val="#ppt_x"/>
+                                          </p:val>
+                                        </p:tav>
+                                      </p:tavLst>
+                                    </p:anim>
+                                    <p:anim calcmode="lin" valueType="num">
+                                      <p:cBhvr additive="base">
+                                        <p:cTn id="37" dur="250" fill="hold"/>
+                                        <p:tgtEl>
+                                          <p:spTgt spid="5">
+                                            <p:txEl>
+                                              <p:pRg st="0" end="0"/>
+                                            </p:txEl>
+                                          </p:spTgt>
+                                        </p:tgtEl>
+                                        <p:attrNameLst>
+                                          <p:attrName>ppt_y</p:attrName>
+                                        </p:attrNameLst>
+                                      </p:cBhvr>
+                                      <p:tavLst>
+                                        <p:tav tm="0">
+                                          <p:val>
+                                            <p:strVal val="1+#ppt_h/2"/>
+                                          </p:val>
+                                        </p:tav>
+                                        <p:tav tm="100000">
+                                          <p:val>
+                                            <p:strVal val="#ppt_y"/>
+                                          </p:val>
+                                        </p:tav>
+                                      </p:tavLst>
+                                    </p:anim>
+                                  </p:childTnLst>
+                                </p:cTn>
+                              </p:par>
+                            </p:childTnLst>
+                          </p:cTn>
+                        </p:par>
+                      </p:childTnLst>
+                    </p:cTn>
+                  </p:par>
+                  <p:par>
+                    <p:cTn id="38" fill="hold">
+                      <p:stCondLst>
+                        <p:cond delay="indefinite"/>
+                      </p:stCondLst>
+                      <p:childTnLst>
+                        <p:par>
+                          <p:cTn id="39" fill="hold">
+                            <p:stCondLst>
+                              <p:cond delay="0"/>
+                            </p:stCondLst>
+                            <p:childTnLst>
+                              <p:par>
+                                <p:cTn id="40" presetID="42" presetClass="entr" presetSubtype="0" fill="hold" nodeType="clickEffect">
+                                  <p:stCondLst>
+                                    <p:cond delay="0"/>
+                                  </p:stCondLst>
+                                  <p:childTnLst>
+                                    <p:set>
+                                      <p:cBhvr>
+                                        <p:cTn id="41" dur="1" fill="hold">
+                                          <p:stCondLst>
+                                            <p:cond delay="0"/>
+                                          </p:stCondLst>
+                                        </p:cTn>
+                                        <p:tgtEl>
+                                          <p:spTgt spid="5">
+                                            <p:txEl>
+                                              <p:pRg st="2" end="2"/>
+                                            </p:txEl>
+                                          </p:spTgt>
+                                        </p:tgtEl>
+                                        <p:attrNameLst>
+                                          <p:attrName>style.visibility</p:attrName>
+                                        </p:attrNameLst>
+                                      </p:cBhvr>
+                                      <p:to>
+                                        <p:strVal val="visible"/>
+                                      </p:to>
+                                    </p:set>
+                                    <p:animEffect transition="in" filter="fade">
+                                      <p:cBhvr>
+                                        <p:cTn id="42" dur="500"/>
+                                        <p:tgtEl>
+                                          <p:spTgt spid="5">
+                                            <p:txEl>
+                                              <p:pRg st="2" end="2"/>
+                                            </p:txEl>
+                                          </p:spTgt>
+                                        </p:tgtEl>
+                                      </p:cBhvr>
+                                    </p:animEffect>
+                                    <p:anim calcmode="lin" valueType="num">
+                                      <p:cBhvr>
+                                        <p:cTn id="43" dur="500" fill="hold"/>
+                                        <p:tgtEl>
+                                          <p:spTgt spid="5">
+                                            <p:txEl>
+                                              <p:pRg st="2" end="2"/>
+                                            </p:txEl>
+                                          </p:spTgt>
+                                        </p:tgtEl>
+                                        <p:attrNameLst>
+                                          <p:attrName>ppt_x</p:attrName>
+                                        </p:attrNameLst>
+                                      </p:cBhvr>
+                                      <p:tavLst>
+                                        <p:tav tm="0">
+                                          <p:val>
+                                            <p:strVal val="#ppt_x"/>
+                                          </p:val>
+                                        </p:tav>
+                                        <p:tav tm="100000">
+                                          <p:val>
+                                            <p:strVal val="#ppt_x"/>
+                                          </p:val>
+                                        </p:tav>
+                                      </p:tavLst>
+                                    </p:anim>
+                                    <p:anim calcmode="lin" valueType="num">
+                                      <p:cBhvr>
+                                        <p:cTn id="44" dur="500" fill="hold"/>
+                                        <p:tgtEl>
+                                          <p:spTgt spid="5">
+                                            <p:txEl>
+                                              <p:pRg st="2" end="2"/>
+                                            </p:txEl>
+                                          </p:spTgt>
+                                        </p:tgtEl>
+                                        <p:attrNameLst>
+                                          <p:attrName>ppt_y</p:attrName>
+                                        </p:attrNameLst>
+                                      </p:cBhvr>
+                                      <p:tavLst>
+                                        <p:tav tm="0">
+                                          <p:val>
+                                            <p:strVal val="#ppt_y+.1"/>
+                                          </p:val>
+                                        </p:tav>
+                                        <p:tav tm="100000">
+                                          <p:val>
+                                            <p:strVal val="#ppt_y"/>
+                                          </p:val>
+                                        </p:tav>
+                                      </p:tavLst>
+                                    </p:anim>
+                                  </p:childTnLst>
+                                </p:cTn>
+                              </p:par>
+                            </p:childTnLst>
+                          </p:cTn>
+                        </p:par>
+                      </p:childTnLst>
+                    </p:cTn>
+                  </p:par>
+                  <p:par>
+                    <p:cTn id="45" fill="hold">
+                      <p:stCondLst>
+                        <p:cond delay="indefinite"/>
+                      </p:stCondLst>
+                      <p:childTnLst>
+                        <p:par>
+                          <p:cTn id="46" fill="hold">
+                            <p:stCondLst>
+                              <p:cond delay="0"/>
+                            </p:stCondLst>
+                            <p:childTnLst>
+                              <p:par>
+                                <p:cTn id="47" presetID="42" presetClass="entr" presetSubtype="0" fill="hold" nodeType="clickEffect">
+                                  <p:stCondLst>
+                                    <p:cond delay="0"/>
+                                  </p:stCondLst>
+                                  <p:childTnLst>
+                                    <p:set>
+                                      <p:cBhvr>
+                                        <p:cTn id="48" dur="1" fill="hold">
+                                          <p:stCondLst>
+                                            <p:cond delay="0"/>
+                                          </p:stCondLst>
+                                        </p:cTn>
+                                        <p:tgtEl>
+                                          <p:spTgt spid="5">
+                                            <p:txEl>
+                                              <p:pRg st="4" end="4"/>
+                                            </p:txEl>
+                                          </p:spTgt>
+                                        </p:tgtEl>
+                                        <p:attrNameLst>
+                                          <p:attrName>style.visibility</p:attrName>
+                                        </p:attrNameLst>
+                                      </p:cBhvr>
+                                      <p:to>
+                                        <p:strVal val="visible"/>
+                                      </p:to>
+                                    </p:set>
+                                    <p:animEffect transition="in" filter="fade">
+                                      <p:cBhvr>
+                                        <p:cTn id="49" dur="500"/>
+                                        <p:tgtEl>
+                                          <p:spTgt spid="5">
+                                            <p:txEl>
+                                              <p:pRg st="4" end="4"/>
+                                            </p:txEl>
+                                          </p:spTgt>
+                                        </p:tgtEl>
+                                      </p:cBhvr>
+                                    </p:animEffect>
+                                    <p:anim calcmode="lin" valueType="num">
+                                      <p:cBhvr>
+                                        <p:cTn id="50" dur="500" fill="hold"/>
+                                        <p:tgtEl>
+                                          <p:spTgt spid="5">
+                                            <p:txEl>
+                                              <p:pRg st="4" end="4"/>
+                                            </p:txEl>
+                                          </p:spTgt>
+                                        </p:tgtEl>
+                                        <p:attrNameLst>
+                                          <p:attrName>ppt_x</p:attrName>
+                                        </p:attrNameLst>
+                                      </p:cBhvr>
+                                      <p:tavLst>
+                                        <p:tav tm="0">
+                                          <p:val>
+                                            <p:strVal val="#ppt_x"/>
+                                          </p:val>
+                                        </p:tav>
+                                        <p:tav tm="100000">
+                                          <p:val>
+                                            <p:strVal val="#ppt_x"/>
+                                          </p:val>
+                                        </p:tav>
+                                      </p:tavLst>
+                                    </p:anim>
+                                    <p:anim calcmode="lin" valueType="num">
+                                      <p:cBhvr>
+                                        <p:cTn id="51" dur="500" fill="hold"/>
+                                        <p:tgtEl>
+                                          <p:spTgt spid="5">
+                                            <p:txEl>
+                                              <p:pRg st="4" end="4"/>
+                                            </p:txEl>
+                                          </p:spTgt>
+                                        </p:tgtEl>
+                                        <p:attrNameLst>
+                                          <p:attrName>ppt_y</p:attrName>
+                                        </p:attrNameLst>
+                                      </p:cBhvr>
+                                      <p:tavLst>
+                                        <p:tav tm="0">
+                                          <p:val>
+                                            <p:strVal val="#ppt_y+.1"/>
+                                          </p:val>
+                                        </p:tav>
+                                        <p:tav tm="100000">
+                                          <p:val>
+                                            <p:strVal val="#ppt_y"/>
+                                          </p:val>
+                                        </p:tav>
+                                      </p:tavLst>
+                                    </p:anim>
+                                  </p:childTnLst>
+                                </p:cTn>
+                              </p:par>
+                              <p:par>
+                                <p:cTn id="52" presetID="47" presetClass="entr" presetSubtype="0" fill="hold" nodeType="withEffect">
+                                  <p:stCondLst>
+                                    <p:cond delay="0"/>
+                                  </p:stCondLst>
+                                  <p:childTnLst>
+                                    <p:set>
+                                      <p:cBhvr>
+                                        <p:cTn id="53" dur="1" fill="hold">
+                                          <p:stCondLst>
+                                            <p:cond delay="0"/>
+                                          </p:stCondLst>
+                                        </p:cTn>
+                                        <p:tgtEl>
+                                          <p:spTgt spid="6"/>
+                                        </p:tgtEl>
+                                        <p:attrNameLst>
+                                          <p:attrName>style.visibility</p:attrName>
+                                        </p:attrNameLst>
+                                      </p:cBhvr>
+                                      <p:to>
+                                        <p:strVal val="visible"/>
+                                      </p:to>
+                                    </p:set>
+                                    <p:animEffect transition="in" filter="fade">
+                                      <p:cBhvr>
+                                        <p:cTn id="54" dur="500"/>
+                                        <p:tgtEl>
+                                          <p:spTgt spid="6"/>
+                                        </p:tgtEl>
+                                      </p:cBhvr>
+                                    </p:animEffect>
+                                    <p:anim calcmode="lin" valueType="num">
+                                      <p:cBhvr>
+                                        <p:cTn id="55" dur="500" fill="hold"/>
+                                        <p:tgtEl>
+                                          <p:spTgt spid="6"/>
+                                        </p:tgtEl>
+                                        <p:attrNameLst>
+                                          <p:attrName>ppt_x</p:attrName>
+                                        </p:attrNameLst>
+                                      </p:cBhvr>
+                                      <p:tavLst>
+                                        <p:tav tm="0">
+                                          <p:val>
+                                            <p:strVal val="#ppt_x"/>
+                                          </p:val>
+                                        </p:tav>
+                                        <p:tav tm="100000">
+                                          <p:val>
+                                            <p:strVal val="#ppt_x"/>
+                                          </p:val>
+                                        </p:tav>
+                                      </p:tavLst>
+                                    </p:anim>
+                                    <p:anim calcmode="lin" valueType="num">
+                                      <p:cBhvr>
+                                        <p:cTn id="56" dur="500" fill="hold"/>
+                                        <p:tgtEl>
+                                          <p:spTgt spid="6"/>
+                                        </p:tgtEl>
+                                        <p:attrNameLst>
+                                          <p:attrName>ppt_y</p:attrName>
+                                        </p:attrNameLst>
+                                      </p:cBhvr>
+                                      <p:tavLst>
+                                        <p:tav tm="0">
+                                          <p:val>
+                                            <p:strVal val="#ppt_y-.1"/>
+                                          </p:val>
+                                        </p:tav>
+                                        <p:tav tm="100000">
+                                          <p:val>
+                                            <p:strVal val="#ppt_y"/>
+                                          </p:val>
+                                        </p:tav>
+                                      </p:tavLst>
+                                    </p:anim>
+                                  </p:childTnLst>
+                                </p:cTn>
+                              </p:par>
+                            </p:childTnLst>
+                          </p:cTn>
+                        </p:par>
+                      </p:childTnLst>
+                    </p:cTn>
+                  </p:par>
+                </p:childTnLst>
+              </p:cTn>
+              <p:prevCondLst>
+                <p:cond evt="onPrev" delay="0">
+                  <p:tgtEl>
+                    <p:sldTgt/>
+                  </p:tgtEl>
+                </p:cond>
+              </p:prevCondLst>
+              <p:nextCondLst>
+                <p:cond evt="onNext" delay="0">
+                  <p:tgtEl>
+                    <p:sldTgt/>
+                  </p:tgtEl>
+                </p:cond>
+              </p:nextCondLst>
+            </p:seq>
+          </p:childTnLst>
+        </p:cTn>
+      </p:par>
+    </p:tnLst>
+    <p:bldLst>
+      <p:bldP spid="2" grpId="0"/>
+    </p:bldLst>
+  </p:timing>
 </p:sld>
 </file>
 
@@ -3407,7 +6473,21 @@
           <a:bodyPr/>
           <a:lstStyle/>
           <a:p>
-            <a:endParaRPr lang="hu-HU"/>
+            <a:r>
+              <a:rPr lang="hu-HU" b="1" dirty="0" smtClean="0">
+                <a:solidFill>
+                  <a:schemeClr val="bg1"/>
+                </a:solidFill>
+                <a:latin typeface="Comic Sans MS" panose="030F0702030302020204" pitchFamily="66" charset="0"/>
+              </a:rPr>
+              <a:t>Fő specifikációk</a:t>
+            </a:r>
+            <a:endParaRPr lang="hu-HU" b="1" dirty="0">
+              <a:solidFill>
+                <a:schemeClr val="bg1"/>
+              </a:solidFill>
+              <a:latin typeface="Comic Sans MS" panose="030F0702030302020204" pitchFamily="66" charset="0"/>
+            </a:endParaRPr>
           </a:p>
         </p:txBody>
       </p:sp>
@@ -3426,10 +6506,122 @@
           <a:bodyPr/>
           <a:lstStyle/>
           <a:p>
-            <a:endParaRPr lang="hu-HU"/>
-          </a:p>
-        </p:txBody>
-      </p:sp>
+            <a:r>
+              <a:rPr lang="hu-HU" dirty="0" smtClean="0">
+                <a:solidFill>
+                  <a:schemeClr val="bg1"/>
+                </a:solidFill>
+                <a:latin typeface="Arial Black" panose="020B0A04020102020204" pitchFamily="34" charset="0"/>
+              </a:rPr>
+              <a:t>VRAM</a:t>
+            </a:r>
+          </a:p>
+          <a:p>
+            <a:endParaRPr lang="hu-HU" dirty="0">
+              <a:solidFill>
+                <a:schemeClr val="bg1"/>
+              </a:solidFill>
+              <a:latin typeface="Arial Black" panose="020B0A04020102020204" pitchFamily="34" charset="0"/>
+            </a:endParaRPr>
+          </a:p>
+          <a:p>
+            <a:r>
+              <a:rPr lang="hu-HU" dirty="0" smtClean="0">
+                <a:solidFill>
+                  <a:schemeClr val="bg1"/>
+                </a:solidFill>
+                <a:latin typeface="Arial Black" panose="020B0A04020102020204" pitchFamily="34" charset="0"/>
+              </a:rPr>
+              <a:t>Színmélység</a:t>
+            </a:r>
+          </a:p>
+          <a:p>
+            <a:endParaRPr lang="hu-HU" dirty="0">
+              <a:solidFill>
+                <a:schemeClr val="bg1"/>
+              </a:solidFill>
+              <a:latin typeface="Arial Black" panose="020B0A04020102020204" pitchFamily="34" charset="0"/>
+            </a:endParaRPr>
+          </a:p>
+          <a:p>
+            <a:r>
+              <a:rPr lang="hu-HU" dirty="0" smtClean="0">
+                <a:solidFill>
+                  <a:schemeClr val="bg1"/>
+                </a:solidFill>
+                <a:latin typeface="Arial Black" panose="020B0A04020102020204" pitchFamily="34" charset="0"/>
+              </a:rPr>
+              <a:t>Magszám</a:t>
+            </a:r>
+          </a:p>
+          <a:p>
+            <a:endParaRPr lang="hu-HU" dirty="0">
+              <a:solidFill>
+                <a:schemeClr val="bg1"/>
+              </a:solidFill>
+              <a:latin typeface="Arial Black" panose="020B0A04020102020204" pitchFamily="34" charset="0"/>
+            </a:endParaRPr>
+          </a:p>
+          <a:p>
+            <a:r>
+              <a:rPr lang="hu-HU" dirty="0" smtClean="0">
+                <a:solidFill>
+                  <a:schemeClr val="bg1"/>
+                </a:solidFill>
+                <a:latin typeface="Arial Black" panose="020B0A04020102020204" pitchFamily="34" charset="0"/>
+              </a:rPr>
+              <a:t>Frekvencia</a:t>
+            </a:r>
+            <a:endParaRPr lang="hu-HU" dirty="0">
+              <a:solidFill>
+                <a:schemeClr val="bg1"/>
+              </a:solidFill>
+              <a:latin typeface="Arial Black" panose="020B0A04020102020204" pitchFamily="34" charset="0"/>
+            </a:endParaRPr>
+          </a:p>
+        </p:txBody>
+      </p:sp>
+      <p:pic>
+        <p:nvPicPr>
+          <p:cNvPr id="1026" name="Picture 2" descr="8 bites vagy 16 bites színmélység | színesebb lesz a fotó ?"/>
+          <p:cNvPicPr>
+            <a:picLocks noChangeAspect="1" noChangeArrowheads="1"/>
+          </p:cNvPicPr>
+          <p:nvPr/>
+        </p:nvPicPr>
+        <p:blipFill>
+          <a:blip r:embed="rId2" cstate="print">
+            <a:extLst>
+              <a:ext uri="{28A0092B-C50C-407E-A947-70E740481C1C}">
+                <a14:useLocalDpi xmlns:a14="http://schemas.microsoft.com/office/drawing/2010/main" val="0"/>
+              </a:ext>
+            </a:extLst>
+          </a:blip>
+          <a:srcRect/>
+          <a:stretch>
+            <a:fillRect/>
+          </a:stretch>
+        </p:blipFill>
+        <p:spPr bwMode="auto">
+          <a:xfrm>
+            <a:off x="7917365" y="2225947"/>
+            <a:ext cx="2961965" cy="2961965"/>
+          </a:xfrm>
+          <a:prstGeom prst="rect">
+            <a:avLst/>
+          </a:prstGeom>
+          <a:noFill/>
+          <a:extLst>
+            <a:ext uri="{909E8E84-426E-40DD-AFC4-6F175D3DCCD1}">
+              <a14:hiddenFill xmlns:a14="http://schemas.microsoft.com/office/drawing/2010/main">
+                <a:solidFill>
+                  <a:srgbClr val="FFFFFF"/>
+                </a:solidFill>
+              </a14:hiddenFill>
+            </a:ext>
+          </a:extLst>
+        </p:spPr>
+      </p:pic>
     </p:spTree>
     <p:extLst>
       <p:ext uri="{BB962C8B-B14F-4D97-AF65-F5344CB8AC3E}">
@@ -3440,6 +6632,633 @@
   <p:clrMapOvr>
     <a:masterClrMapping/>
   </p:clrMapOvr>
+  <p:timing>
+    <p:tnLst>
+      <p:par>
+        <p:cTn id="1" dur="indefinite" restart="never" nodeType="tmRoot">
+          <p:childTnLst>
+            <p:seq concurrent="1" nextAc="seek">
+              <p:cTn id="2" dur="indefinite" nodeType="mainSeq">
+                <p:childTnLst>
+                  <p:par>
+                    <p:cTn id="3" fill="hold">
+                      <p:stCondLst>
+                        <p:cond delay="indefinite"/>
+                      </p:stCondLst>
+                      <p:childTnLst>
+                        <p:par>
+                          <p:cTn id="4" fill="hold">
+                            <p:stCondLst>
+                              <p:cond delay="0"/>
+                            </p:stCondLst>
+                            <p:childTnLst>
+                              <p:par>
+                                <p:cTn id="5" presetID="2" presetClass="entr" presetSubtype="4" fill="hold" nodeType="clickEffect">
+                                  <p:stCondLst>
+                                    <p:cond delay="0"/>
+                                  </p:stCondLst>
+                                  <p:childTnLst>
+                                    <p:set>
+                                      <p:cBhvr>
+                                        <p:cTn id="6" dur="1" fill="hold">
+                                          <p:stCondLst>
+                                            <p:cond delay="0"/>
+                                          </p:stCondLst>
+                                        </p:cTn>
+                                        <p:tgtEl>
+                                          <p:spTgt spid="3">
+                                            <p:txEl>
+                                              <p:pRg st="0" end="0"/>
+                                            </p:txEl>
+                                          </p:spTgt>
+                                        </p:tgtEl>
+                                        <p:attrNameLst>
+                                          <p:attrName>style.visibility</p:attrName>
+                                        </p:attrNameLst>
+                                      </p:cBhvr>
+                                      <p:to>
+                                        <p:strVal val="visible"/>
+                                      </p:to>
+                                    </p:set>
+                                    <p:anim calcmode="lin" valueType="num">
+                                      <p:cBhvr additive="base">
+                                        <p:cTn id="7" dur="250" fill="hold"/>
+                                        <p:tgtEl>
+                                          <p:spTgt spid="3">
+                                            <p:txEl>
+                                              <p:pRg st="0" end="0"/>
+                                            </p:txEl>
+                                          </p:spTgt>
+                                        </p:tgtEl>
+                                        <p:attrNameLst>
+                                          <p:attrName>ppt_x</p:attrName>
+                                        </p:attrNameLst>
+                                      </p:cBhvr>
+                                      <p:tavLst>
+                                        <p:tav tm="0">
+                                          <p:val>
+                                            <p:strVal val="#ppt_x"/>
+                                          </p:val>
+                                        </p:tav>
+                                        <p:tav tm="100000">
+                                          <p:val>
+                                            <p:strVal val="#ppt_x"/>
+                                          </p:val>
+                                        </p:tav>
+                                      </p:tavLst>
+                                    </p:anim>
+                                    <p:anim calcmode="lin" valueType="num">
+                                      <p:cBhvr additive="base">
+                                        <p:cTn id="8" dur="250" fill="hold"/>
+                                        <p:tgtEl>
+                                          <p:spTgt spid="3">
+                                            <p:txEl>
+                                              <p:pRg st="0" end="0"/>
+                                            </p:txEl>
+                                          </p:spTgt>
+                                        </p:tgtEl>
+                                        <p:attrNameLst>
+                                          <p:attrName>ppt_y</p:attrName>
+                                        </p:attrNameLst>
+                                      </p:cBhvr>
+                                      <p:tavLst>
+                                        <p:tav tm="0">
+                                          <p:val>
+                                            <p:strVal val="1+#ppt_h/2"/>
+                                          </p:val>
+                                        </p:tav>
+                                        <p:tav tm="100000">
+                                          <p:val>
+                                            <p:strVal val="#ppt_y"/>
+                                          </p:val>
+                                        </p:tav>
+                                      </p:tavLst>
+                                    </p:anim>
+                                  </p:childTnLst>
+                                </p:cTn>
+                              </p:par>
+                            </p:childTnLst>
+                          </p:cTn>
+                        </p:par>
+                      </p:childTnLst>
+                    </p:cTn>
+                  </p:par>
+                  <p:par>
+                    <p:cTn id="9" fill="hold">
+                      <p:stCondLst>
+                        <p:cond delay="indefinite"/>
+                      </p:stCondLst>
+                      <p:childTnLst>
+                        <p:par>
+                          <p:cTn id="10" fill="hold">
+                            <p:stCondLst>
+                              <p:cond delay="0"/>
+                            </p:stCondLst>
+                            <p:childTnLst>
+                              <p:par>
+                                <p:cTn id="11" presetID="2" presetClass="entr" presetSubtype="4" fill="hold" nodeType="clickEffect">
+                                  <p:stCondLst>
+                                    <p:cond delay="0"/>
+                                  </p:stCondLst>
+                                  <p:childTnLst>
+                                    <p:set>
+                                      <p:cBhvr>
+                                        <p:cTn id="12" dur="1" fill="hold">
+                                          <p:stCondLst>
+                                            <p:cond delay="0"/>
+                                          </p:stCondLst>
+                                        </p:cTn>
+                                        <p:tgtEl>
+                                          <p:spTgt spid="3">
+                                            <p:txEl>
+                                              <p:pRg st="2" end="2"/>
+                                            </p:txEl>
+                                          </p:spTgt>
+                                        </p:tgtEl>
+                                        <p:attrNameLst>
+                                          <p:attrName>style.visibility</p:attrName>
+                                        </p:attrNameLst>
+                                      </p:cBhvr>
+                                      <p:to>
+                                        <p:strVal val="visible"/>
+                                      </p:to>
+                                    </p:set>
+                                    <p:anim calcmode="lin" valueType="num">
+                                      <p:cBhvr additive="base">
+                                        <p:cTn id="13" dur="250" fill="hold"/>
+                                        <p:tgtEl>
+                                          <p:spTgt spid="3">
+                                            <p:txEl>
+                                              <p:pRg st="2" end="2"/>
+                                            </p:txEl>
+                                          </p:spTgt>
+                                        </p:tgtEl>
+                                        <p:attrNameLst>
+                                          <p:attrName>ppt_x</p:attrName>
+                                        </p:attrNameLst>
+                                      </p:cBhvr>
+                                      <p:tavLst>
+                                        <p:tav tm="0">
+                                          <p:val>
+                                            <p:strVal val="#ppt_x"/>
+                                          </p:val>
+                                        </p:tav>
+                                        <p:tav tm="100000">
+                                          <p:val>
+                                            <p:strVal val="#ppt_x"/>
+                                          </p:val>
+                                        </p:tav>
+                                      </p:tavLst>
+                                    </p:anim>
+                                    <p:anim calcmode="lin" valueType="num">
+                                      <p:cBhvr additive="base">
+                                        <p:cTn id="14" dur="250" fill="hold"/>
+                                        <p:tgtEl>
+                                          <p:spTgt spid="3">
+                                            <p:txEl>
+                                              <p:pRg st="2" end="2"/>
+                                            </p:txEl>
+                                          </p:spTgt>
+                                        </p:tgtEl>
+                                        <p:attrNameLst>
+                                          <p:attrName>ppt_y</p:attrName>
+                                        </p:attrNameLst>
+                                      </p:cBhvr>
+                                      <p:tavLst>
+                                        <p:tav tm="0">
+                                          <p:val>
+                                            <p:strVal val="1+#ppt_h/2"/>
+                                          </p:val>
+                                        </p:tav>
+                                        <p:tav tm="100000">
+                                          <p:val>
+                                            <p:strVal val="#ppt_y"/>
+                                          </p:val>
+                                        </p:tav>
+                                      </p:tavLst>
+                                    </p:anim>
+                                  </p:childTnLst>
+                                </p:cTn>
+                              </p:par>
+                              <p:par>
+                                <p:cTn id="15" presetID="42" presetClass="entr" presetSubtype="0" fill="hold" nodeType="withEffect">
+                                  <p:stCondLst>
+                                    <p:cond delay="0"/>
+                                  </p:stCondLst>
+                                  <p:childTnLst>
+                                    <p:set>
+                                      <p:cBhvr>
+                                        <p:cTn id="16" dur="1" fill="hold">
+                                          <p:stCondLst>
+                                            <p:cond delay="0"/>
+                                          </p:stCondLst>
+                                        </p:cTn>
+                                        <p:tgtEl>
+                                          <p:spTgt spid="1026"/>
+                                        </p:tgtEl>
+                                        <p:attrNameLst>
+                                          <p:attrName>style.visibility</p:attrName>
+                                        </p:attrNameLst>
+                                      </p:cBhvr>
+                                      <p:to>
+                                        <p:strVal val="visible"/>
+                                      </p:to>
+                                    </p:set>
+                                    <p:animEffect transition="in" filter="fade">
+                                      <p:cBhvr>
+                                        <p:cTn id="17" dur="250"/>
+                                        <p:tgtEl>
+                                          <p:spTgt spid="1026"/>
+                                        </p:tgtEl>
+                                      </p:cBhvr>
+                                    </p:animEffect>
+                                    <p:anim calcmode="lin" valueType="num">
+                                      <p:cBhvr>
+                                        <p:cTn id="18" dur="250" fill="hold"/>
+                                        <p:tgtEl>
+                                          <p:spTgt spid="1026"/>
+                                        </p:tgtEl>
+                                        <p:attrNameLst>
+                                          <p:attrName>ppt_x</p:attrName>
+                                        </p:attrNameLst>
+                                      </p:cBhvr>
+                                      <p:tavLst>
+                                        <p:tav tm="0">
+                                          <p:val>
+                                            <p:strVal val="#ppt_x"/>
+                                          </p:val>
+                                        </p:tav>
+                                        <p:tav tm="100000">
+                                          <p:val>
+                                            <p:strVal val="#ppt_x"/>
+                                          </p:val>
+                                        </p:tav>
+                                      </p:tavLst>
+                                    </p:anim>
+                                    <p:anim calcmode="lin" valueType="num">
+                                      <p:cBhvr>
+                                        <p:cTn id="19" dur="250" fill="hold"/>
+                                        <p:tgtEl>
+                                          <p:spTgt spid="1026"/>
+                                        </p:tgtEl>
+                                        <p:attrNameLst>
+                                          <p:attrName>ppt_y</p:attrName>
+                                        </p:attrNameLst>
+                                      </p:cBhvr>
+                                      <p:tavLst>
+                                        <p:tav tm="0">
+                                          <p:val>
+                                            <p:strVal val="#ppt_y+.1"/>
+                                          </p:val>
+                                        </p:tav>
+                                        <p:tav tm="100000">
+                                          <p:val>
+                                            <p:strVal val="#ppt_y"/>
+                                          </p:val>
+                                        </p:tav>
+                                      </p:tavLst>
+                                    </p:anim>
+                                  </p:childTnLst>
+                                </p:cTn>
+                              </p:par>
+                            </p:childTnLst>
+                          </p:cTn>
+                        </p:par>
+                      </p:childTnLst>
+                    </p:cTn>
+                  </p:par>
+                  <p:par>
+                    <p:cTn id="20" fill="hold">
+                      <p:stCondLst>
+                        <p:cond delay="indefinite"/>
+                      </p:stCondLst>
+                      <p:childTnLst>
+                        <p:par>
+                          <p:cTn id="21" fill="hold">
+                            <p:stCondLst>
+                              <p:cond delay="0"/>
+                            </p:stCondLst>
+                            <p:childTnLst>
+                              <p:par>
+                                <p:cTn id="22" presetID="31" presetClass="exit" presetSubtype="0" fill="hold" nodeType="clickEffect">
+                                  <p:stCondLst>
+                                    <p:cond delay="0"/>
+                                  </p:stCondLst>
+                                  <p:childTnLst>
+                                    <p:anim calcmode="lin" valueType="num">
+                                      <p:cBhvr>
+                                        <p:cTn id="23" dur="500"/>
+                                        <p:tgtEl>
+                                          <p:spTgt spid="1026"/>
+                                        </p:tgtEl>
+                                        <p:attrNameLst>
+                                          <p:attrName>ppt_w</p:attrName>
+                                        </p:attrNameLst>
+                                      </p:cBhvr>
+                                      <p:tavLst>
+                                        <p:tav tm="0">
+                                          <p:val>
+                                            <p:strVal val="ppt_w"/>
+                                          </p:val>
+                                        </p:tav>
+                                        <p:tav tm="100000">
+                                          <p:val>
+                                            <p:fltVal val="0"/>
+                                          </p:val>
+                                        </p:tav>
+                                      </p:tavLst>
+                                    </p:anim>
+                                    <p:anim calcmode="lin" valueType="num">
+                                      <p:cBhvr>
+                                        <p:cTn id="24" dur="500"/>
+                                        <p:tgtEl>
+                                          <p:spTgt spid="1026"/>
+                                        </p:tgtEl>
+                                        <p:attrNameLst>
+                                          <p:attrName>ppt_h</p:attrName>
+                                        </p:attrNameLst>
+                                      </p:cBhvr>
+                                      <p:tavLst>
+                                        <p:tav tm="0">
+                                          <p:val>
+                                            <p:strVal val="ppt_h"/>
+                                          </p:val>
+                                        </p:tav>
+                                        <p:tav tm="100000">
+                                          <p:val>
+                                            <p:fltVal val="0"/>
+                                          </p:val>
+                                        </p:tav>
+                                      </p:tavLst>
+                                    </p:anim>
+                                    <p:anim calcmode="lin" valueType="num">
+                                      <p:cBhvr>
+                                        <p:cTn id="25" dur="500"/>
+                                        <p:tgtEl>
+                                          <p:spTgt spid="1026"/>
+                                        </p:tgtEl>
+                                        <p:attrNameLst>
+                                          <p:attrName>style.rotation</p:attrName>
+                                        </p:attrNameLst>
+                                      </p:cBhvr>
+                                      <p:tavLst>
+                                        <p:tav tm="0">
+                                          <p:val>
+                                            <p:fltVal val="0"/>
+                                          </p:val>
+                                        </p:tav>
+                                        <p:tav tm="100000">
+                                          <p:val>
+                                            <p:fltVal val="90"/>
+                                          </p:val>
+                                        </p:tav>
+                                      </p:tavLst>
+                                    </p:anim>
+                                    <p:animEffect transition="out" filter="fade">
+                                      <p:cBhvr>
+                                        <p:cTn id="26" dur="500"/>
+                                        <p:tgtEl>
+                                          <p:spTgt spid="1026"/>
+                                        </p:tgtEl>
+                                      </p:cBhvr>
+                                    </p:animEffect>
+                                    <p:set>
+                                      <p:cBhvr>
+                                        <p:cTn id="27" dur="1" fill="hold">
+                                          <p:stCondLst>
+                                            <p:cond delay="499"/>
+                                          </p:stCondLst>
+                                        </p:cTn>
+                                        <p:tgtEl>
+                                          <p:spTgt spid="1026"/>
+                                        </p:tgtEl>
+                                        <p:attrNameLst>
+                                          <p:attrName>style.visibility</p:attrName>
+                                        </p:attrNameLst>
+                                      </p:cBhvr>
+                                      <p:to>
+                                        <p:strVal val="hidden"/>
+                                      </p:to>
+                                    </p:set>
+                                  </p:childTnLst>
+                                </p:cTn>
+                              </p:par>
+                              <p:par>
+                                <p:cTn id="28" presetID="2" presetClass="entr" presetSubtype="4" fill="hold" nodeType="withEffect">
+                                  <p:stCondLst>
+                                    <p:cond delay="0"/>
+                                  </p:stCondLst>
+                                  <p:childTnLst>
+                                    <p:set>
+                                      <p:cBhvr>
+                                        <p:cTn id="29" dur="1" fill="hold">
+                                          <p:stCondLst>
+                                            <p:cond delay="0"/>
+                                          </p:stCondLst>
+                                        </p:cTn>
+                                        <p:tgtEl>
+                                          <p:spTgt spid="3">
+                                            <p:txEl>
+                                              <p:pRg st="4" end="4"/>
+                                            </p:txEl>
+                                          </p:spTgt>
+                                        </p:tgtEl>
+                                        <p:attrNameLst>
+                                          <p:attrName>style.visibility</p:attrName>
+                                        </p:attrNameLst>
+                                      </p:cBhvr>
+                                      <p:to>
+                                        <p:strVal val="visible"/>
+                                      </p:to>
+                                    </p:set>
+                                    <p:anim calcmode="lin" valueType="num">
+                                      <p:cBhvr additive="base">
+                                        <p:cTn id="30" dur="250" fill="hold"/>
+                                        <p:tgtEl>
+                                          <p:spTgt spid="3">
+                                            <p:txEl>
+                                              <p:pRg st="4" end="4"/>
+                                            </p:txEl>
+                                          </p:spTgt>
+                                        </p:tgtEl>
+                                        <p:attrNameLst>
+                                          <p:attrName>ppt_x</p:attrName>
+                                        </p:attrNameLst>
+                                      </p:cBhvr>
+                                      <p:tavLst>
+                                        <p:tav tm="0">
+                                          <p:val>
+                                            <p:strVal val="#ppt_x"/>
+                                          </p:val>
+                                        </p:tav>
+                                        <p:tav tm="100000">
+                                          <p:val>
+                                            <p:strVal val="#ppt_x"/>
+                                          </p:val>
+                                        </p:tav>
+                                      </p:tavLst>
+                                    </p:anim>
+                                    <p:anim calcmode="lin" valueType="num">
+                                      <p:cBhvr additive="base">
+                                        <p:cTn id="31" dur="250" fill="hold"/>
+                                        <p:tgtEl>
+                                          <p:spTgt spid="3">
+                                            <p:txEl>
+                                              <p:pRg st="4" end="4"/>
+                                            </p:txEl>
+                                          </p:spTgt>
+                                        </p:tgtEl>
+                                        <p:attrNameLst>
+                                          <p:attrName>ppt_y</p:attrName>
+                                        </p:attrNameLst>
+                                      </p:cBhvr>
+                                      <p:tavLst>
+                                        <p:tav tm="0">
+                                          <p:val>
+                                            <p:strVal val="1+#ppt_h/2"/>
+                                          </p:val>
+                                        </p:tav>
+                                        <p:tav tm="100000">
+                                          <p:val>
+                                            <p:strVal val="#ppt_y"/>
+                                          </p:val>
+                                        </p:tav>
+                                      </p:tavLst>
+                                    </p:anim>
+                                  </p:childTnLst>
+                                </p:cTn>
+                              </p:par>
+                            </p:childTnLst>
+                          </p:cTn>
+                        </p:par>
+                      </p:childTnLst>
+                    </p:cTn>
+                  </p:par>
+                  <p:par>
+                    <p:cTn id="32" fill="hold">
+                      <p:stCondLst>
+                        <p:cond delay="indefinite"/>
+                      </p:stCondLst>
+                      <p:childTnLst>
+                        <p:par>
+                          <p:cTn id="33" fill="hold">
+                            <p:stCondLst>
+                              <p:cond delay="0"/>
+                            </p:stCondLst>
+                            <p:childTnLst>
+                              <p:par>
+                                <p:cTn id="34" presetID="2" presetClass="entr" presetSubtype="4" fill="hold" nodeType="clickEffect">
+                                  <p:stCondLst>
+                                    <p:cond delay="0"/>
+                                  </p:stCondLst>
+                                  <p:childTnLst>
+                                    <p:set>
+                                      <p:cBhvr>
+                                        <p:cTn id="35" dur="1" fill="hold">
+                                          <p:stCondLst>
+                                            <p:cond delay="0"/>
+                                          </p:stCondLst>
+                                        </p:cTn>
+                                        <p:tgtEl>
+                                          <p:spTgt spid="3">
+                                            <p:txEl>
+                                              <p:pRg st="6" end="6"/>
+                                            </p:txEl>
+                                          </p:spTgt>
+                                        </p:tgtEl>
+                                        <p:attrNameLst>
+                                          <p:attrName>style.visibility</p:attrName>
+                                        </p:attrNameLst>
+                                      </p:cBhvr>
+                                      <p:to>
+                                        <p:strVal val="visible"/>
+                                      </p:to>
+                                    </p:set>
+                                    <p:anim calcmode="lin" valueType="num">
+                                      <p:cBhvr additive="base">
+                                        <p:cTn id="36" dur="250" fill="hold"/>
+                                        <p:tgtEl>
+                                          <p:spTgt spid="3">
+                                            <p:txEl>
+                                              <p:pRg st="6" end="6"/>
+                                            </p:txEl>
+                                          </p:spTgt>
+                                        </p:tgtEl>
+                                        <p:attrNameLst>
+                                          <p:attrName>ppt_x</p:attrName>
+                                        </p:attrNameLst>
+                                      </p:cBhvr>
+                                      <p:tavLst>
+                                        <p:tav tm="0">
+                                          <p:val>
+                                            <p:strVal val="#ppt_x"/>
+                                          </p:val>
+                                        </p:tav>
+                                        <p:tav tm="100000">
+                                          <p:val>
+                                            <p:strVal val="#ppt_x"/>
+                                          </p:val>
+                                        </p:tav>
+                                      </p:tavLst>
+                                    </p:anim>
+                                    <p:anim calcmode="lin" valueType="num">
+                                      <p:cBhvr additive="base">
+                                        <p:cTn id="37" dur="250" fill="hold"/>
+                                        <p:tgtEl>
+                                          <p:spTgt spid="3">
+                                            <p:txEl>
+                                              <p:pRg st="6" end="6"/>
+                                            </p:txEl>
+                                          </p:spTgt>
+                                        </p:tgtEl>
+                                        <p:attrNameLst>
+                                          <p:attrName>ppt_y</p:attrName>
+                                        </p:attrNameLst>
+                                      </p:cBhvr>
+                                      <p:tavLst>
+                                        <p:tav tm="0">
+                                          <p:val>
+                                            <p:strVal val="1+#ppt_h/2"/>
+                                          </p:val>
+                                        </p:tav>
+                                        <p:tav tm="100000">
+                                          <p:val>
+                                            <p:strVal val="#ppt_y"/>
+                                          </p:val>
+                                        </p:tav>
+                                      </p:tavLst>
+                                    </p:anim>
+                                  </p:childTnLst>
+                                </p:cTn>
+                              </p:par>
+                            </p:childTnLst>
+                          </p:cTn>
+                        </p:par>
+                      </p:childTnLst>
+                    </p:cTn>
+                  </p:par>
+                </p:childTnLst>
+              </p:cTn>
+              <p:prevCondLst>
+                <p:cond evt="onPrev" delay="0">
+                  <p:tgtEl>
+                    <p:sldTgt/>
+                  </p:tgtEl>
+                </p:cond>
+              </p:prevCondLst>
+              <p:nextCondLst>
+                <p:cond evt="onNext" delay="0">
+                  <p:tgtEl>
+                    <p:sldTgt/>
+                  </p:tgtEl>
+                </p:cond>
+              </p:nextCondLst>
+            </p:seq>
+          </p:childTnLst>
+        </p:cTn>
+      </p:par>
+    </p:tnLst>
+  </p:timing>
 </p:sld>
 </file>
 
@@ -3470,44 +7289,131 @@
             <p:ph type="title"/>
           </p:nvPr>
         </p:nvSpPr>
-        <p:spPr/>
+        <p:spPr>
+          <a:xfrm>
+            <a:off x="850075" y="2835193"/>
+            <a:ext cx="10515600" cy="1325563"/>
+          </a:xfrm>
+        </p:spPr>
         <p:txBody>
           <a:bodyPr/>
           <a:lstStyle/>
           <a:p>
-            <a:endParaRPr lang="hu-HU"/>
-          </a:p>
-        </p:txBody>
-      </p:sp>
-      <p:sp>
-        <p:nvSpPr>
-          <p:cNvPr id="3" name="Tartalom helye 2"/>
-          <p:cNvSpPr>
-            <a:spLocks noGrp="1"/>
-          </p:cNvSpPr>
-          <p:nvPr>
-            <p:ph idx="1"/>
-          </p:nvPr>
-        </p:nvSpPr>
-        <p:spPr/>
-        <p:txBody>
-          <a:bodyPr/>
-          <a:lstStyle/>
-          <a:p>
-            <a:endParaRPr lang="hu-HU"/>
+            <a:pPr algn="ctr"/>
+            <a:r>
+              <a:rPr lang="hu-HU" b="1" dirty="0" smtClean="0">
+                <a:solidFill>
+                  <a:schemeClr val="bg1"/>
+                </a:solidFill>
+                <a:latin typeface="Comic Sans MS" panose="030F0702030302020204" pitchFamily="66" charset="0"/>
+              </a:rPr>
+              <a:t>Köszönöm a figyelmet!</a:t>
+            </a:r>
+            <a:endParaRPr lang="hu-HU" b="1" dirty="0">
+              <a:solidFill>
+                <a:schemeClr val="bg1"/>
+              </a:solidFill>
+              <a:latin typeface="Comic Sans MS" panose="030F0702030302020204" pitchFamily="66" charset="0"/>
+            </a:endParaRPr>
           </a:p>
         </p:txBody>
       </p:sp>
     </p:spTree>
     <p:extLst>
       <p:ext uri="{BB962C8B-B14F-4D97-AF65-F5344CB8AC3E}">
-        <p14:creationId xmlns:p14="http://schemas.microsoft.com/office/powerpoint/2010/main" val="3953560798"/>
+        <p14:creationId xmlns:p14="http://schemas.microsoft.com/office/powerpoint/2010/main" val="1935788198"/>
       </p:ext>
     </p:extLst>
   </p:cSld>
   <p:clrMapOvr>
     <a:masterClrMapping/>
   </p:clrMapOvr>
+  <p:timing>
+    <p:tnLst>
+      <p:par>
+        <p:cTn id="1" dur="indefinite" restart="never" nodeType="tmRoot">
+          <p:childTnLst>
+            <p:seq concurrent="1" nextAc="seek">
+              <p:cTn id="2" dur="indefinite" nodeType="mainSeq">
+                <p:childTnLst>
+                  <p:par>
+                    <p:cTn id="3" fill="hold">
+                      <p:stCondLst>
+                        <p:cond delay="indefinite"/>
+                      </p:stCondLst>
+                      <p:childTnLst>
+                        <p:par>
+                          <p:cTn id="4" fill="hold">
+                            <p:stCondLst>
+                              <p:cond delay="0"/>
+                            </p:stCondLst>
+                            <p:childTnLst>
+                              <p:par>
+                                <p:cTn id="5" presetID="10" presetClass="entr" presetSubtype="0" fill="hold" grpId="0" nodeType="clickEffect">
+                                  <p:stCondLst>
+                                    <p:cond delay="0"/>
+                                  </p:stCondLst>
+                                  <p:childTnLst>
+                                    <p:set>
+                                      <p:cBhvr>
+                                        <p:cTn id="6" dur="1" fill="hold">
+                                          <p:stCondLst>
+                                            <p:cond delay="0"/>
+                                          </p:stCondLst>
+                                        </p:cTn>
+                                        <p:tgtEl>
+                                          <p:spTgt spid="2"/>
+                                        </p:tgtEl>
+                                        <p:attrNameLst>
+                                          <p:attrName>style.visibility</p:attrName>
+                                        </p:attrNameLst>
+                                      </p:cBhvr>
+                                      <p:to>
+                                        <p:strVal val="visible"/>
+                                      </p:to>
+                                    </p:set>
+                                    <p:animEffect transition="in" filter="fade">
+                                      <p:cBhvr>
+                                        <p:cTn id="7" dur="500"/>
+                                        <p:tgtEl>
+                                          <p:spTgt spid="2"/>
+                                        </p:tgtEl>
+                                      </p:cBhvr>
+                                    </p:animEffect>
+                                  </p:childTnLst>
+                                </p:cTn>
+                              </p:par>
+                            </p:childTnLst>
+                          </p:cTn>
+                        </p:par>
+                      </p:childTnLst>
+                    </p:cTn>
+                  </p:par>
+                </p:childTnLst>
+              </p:cTn>
+              <p:prevCondLst>
+                <p:cond evt="onPrev" delay="0">
+                  <p:tgtEl>
+                    <p:sldTgt/>
+                  </p:tgtEl>
+                </p:cond>
+              </p:prevCondLst>
+              <p:nextCondLst>
+                <p:cond evt="onNext" delay="0">
+                  <p:tgtEl>
+                    <p:sldTgt/>
+                  </p:tgtEl>
+                </p:cond>
+              </p:nextCondLst>
+            </p:seq>
+          </p:childTnLst>
+        </p:cTn>
+      </p:par>
+    </p:tnLst>
+    <p:bldLst>
+      <p:bldP spid="2" grpId="0"/>
+    </p:bldLst>
+  </p:timing>
 </p:sld>
 </file>
 
@@ -3538,25 +7444,73 @@
             <p:ph type="title"/>
           </p:nvPr>
         </p:nvSpPr>
-        <p:spPr>
-          <a:xfrm>
-            <a:off x="850075" y="2835193"/>
-            <a:ext cx="10515600" cy="1325563"/>
-          </a:xfrm>
-        </p:spPr>
+        <p:spPr/>
         <p:txBody>
           <a:bodyPr/>
           <a:lstStyle/>
           <a:p>
-            <a:pPr algn="ctr"/>
             <a:r>
               <a:rPr lang="hu-HU" b="1" dirty="0" smtClean="0">
+                <a:solidFill>
+                  <a:schemeClr val="bg1"/>
+                </a:solidFill>
                 <a:latin typeface="Comic Sans MS" panose="030F0702030302020204" pitchFamily="66" charset="0"/>
               </a:rPr>
-              <a:t>Köszönöm a figyelmet!</a:t>
+              <a:t>Források</a:t>
             </a:r>
             <a:endParaRPr lang="hu-HU" b="1" dirty="0">
+              <a:solidFill>
+                <a:schemeClr val="bg1"/>
+              </a:solidFill>
               <a:latin typeface="Comic Sans MS" panose="030F0702030302020204" pitchFamily="66" charset="0"/>
+            </a:endParaRPr>
+          </a:p>
+        </p:txBody>
+      </p:sp>
+      <p:sp>
+        <p:nvSpPr>
+          <p:cNvPr id="3" name="Tartalom helye 2"/>
+          <p:cNvSpPr>
+            <a:spLocks noGrp="1"/>
+          </p:cNvSpPr>
+          <p:nvPr>
+            <p:ph idx="1"/>
+          </p:nvPr>
+        </p:nvSpPr>
+        <p:spPr/>
+        <p:txBody>
+          <a:bodyPr/>
+          <a:lstStyle/>
+          <a:p>
+            <a:r>
+              <a:rPr lang="hu-HU" dirty="0" smtClean="0">
+                <a:solidFill>
+                  <a:schemeClr val="bg1"/>
+                </a:solidFill>
+                <a:hlinkClick r:id="rId2"/>
+              </a:rPr>
+              <a:t>https://tudasbazis.sulinet.hu/hu/szakkepzes/informatika/anyag-es-eszkozismeret/grafikuskartya-mukodese/a-grafikuskartya-tulajdonsagai-es-mukodese</a:t>
+            </a:r>
+            <a:endParaRPr lang="hu-HU" dirty="0" smtClean="0">
+              <a:solidFill>
+                <a:schemeClr val="bg1"/>
+              </a:solidFill>
+            </a:endParaRPr>
+          </a:p>
+          <a:p>
+            <a:r>
+              <a:rPr lang="hu-HU" dirty="0" smtClean="0">
+                <a:solidFill>
+                  <a:schemeClr val="bg1"/>
+                </a:solidFill>
+                <a:hlinkClick r:id="rId3"/>
+              </a:rPr>
+              <a:t>https://hu.wikipedia.org/wiki/Vide%C3%B3k%C3%A1rtya</a:t>
+            </a:r>
+            <a:endParaRPr lang="hu-HU" dirty="0">
+              <a:solidFill>
+                <a:schemeClr val="bg1"/>
+              </a:solidFill>
             </a:endParaRPr>
           </a:p>
         </p:txBody>
@@ -3564,13 +7518,20 @@
     </p:spTree>
     <p:extLst>
       <p:ext uri="{BB962C8B-B14F-4D97-AF65-F5344CB8AC3E}">
-        <p14:creationId xmlns:p14="http://schemas.microsoft.com/office/powerpoint/2010/main" val="1935788198"/>
+        <p14:creationId xmlns:p14="http://schemas.microsoft.com/office/powerpoint/2010/main" val="2079188186"/>
       </p:ext>
     </p:extLst>
   </p:cSld>
   <p:clrMapOvr>
     <a:masterClrMapping/>
   </p:clrMapOvr>
+  <p:timing>
+    <p:tnLst>
+      <p:par>
+        <p:cTn id="1" dur="indefinite" restart="never" nodeType="tmRoot"/>
+      </p:par>
+    </p:tnLst>
+  </p:timing>
 </p:sld>
 </file>
 
